--- a/doc_ideas/20230702_baseline_results.pptx
+++ b/doc_ideas/20230702_baseline_results.pptx
@@ -5,32 +5,39 @@
     <p:sldMasterId id="2147483648" r:id="rId1"/>
   </p:sldMasterIdLst>
   <p:sldIdLst>
-    <p:sldId id="286" r:id="rId2"/>
-    <p:sldId id="287" r:id="rId3"/>
-    <p:sldId id="291" r:id="rId4"/>
-    <p:sldId id="290" r:id="rId5"/>
-    <p:sldId id="263" r:id="rId6"/>
-    <p:sldId id="264" r:id="rId7"/>
-    <p:sldId id="288" r:id="rId8"/>
-    <p:sldId id="279" r:id="rId9"/>
-    <p:sldId id="266" r:id="rId10"/>
-    <p:sldId id="265" r:id="rId11"/>
-    <p:sldId id="276" r:id="rId12"/>
-    <p:sldId id="268" r:id="rId13"/>
-    <p:sldId id="280" r:id="rId14"/>
-    <p:sldId id="277" r:id="rId15"/>
-    <p:sldId id="269" r:id="rId16"/>
-    <p:sldId id="270" r:id="rId17"/>
-    <p:sldId id="271" r:id="rId18"/>
-    <p:sldId id="272" r:id="rId19"/>
-    <p:sldId id="278" r:id="rId20"/>
-    <p:sldId id="281" r:id="rId21"/>
-    <p:sldId id="282" r:id="rId22"/>
-    <p:sldId id="283" r:id="rId23"/>
-    <p:sldId id="284" r:id="rId24"/>
-    <p:sldId id="285" r:id="rId25"/>
-    <p:sldId id="273" r:id="rId26"/>
-    <p:sldId id="274" r:id="rId27"/>
+    <p:sldId id="298" r:id="rId2"/>
+    <p:sldId id="294" r:id="rId3"/>
+    <p:sldId id="286" r:id="rId4"/>
+    <p:sldId id="287" r:id="rId5"/>
+    <p:sldId id="291" r:id="rId6"/>
+    <p:sldId id="290" r:id="rId7"/>
+    <p:sldId id="263" r:id="rId8"/>
+    <p:sldId id="264" r:id="rId9"/>
+    <p:sldId id="288" r:id="rId10"/>
+    <p:sldId id="279" r:id="rId11"/>
+    <p:sldId id="266" r:id="rId12"/>
+    <p:sldId id="265" r:id="rId13"/>
+    <p:sldId id="295" r:id="rId14"/>
+    <p:sldId id="276" r:id="rId15"/>
+    <p:sldId id="268" r:id="rId16"/>
+    <p:sldId id="280" r:id="rId17"/>
+    <p:sldId id="277" r:id="rId18"/>
+    <p:sldId id="269" r:id="rId19"/>
+    <p:sldId id="270" r:id="rId20"/>
+    <p:sldId id="271" r:id="rId21"/>
+    <p:sldId id="272" r:id="rId22"/>
+    <p:sldId id="278" r:id="rId23"/>
+    <p:sldId id="281" r:id="rId24"/>
+    <p:sldId id="282" r:id="rId25"/>
+    <p:sldId id="283" r:id="rId26"/>
+    <p:sldId id="284" r:id="rId27"/>
+    <p:sldId id="293" r:id="rId28"/>
+    <p:sldId id="292" r:id="rId29"/>
+    <p:sldId id="285" r:id="rId30"/>
+    <p:sldId id="273" r:id="rId31"/>
+    <p:sldId id="274" r:id="rId32"/>
+    <p:sldId id="296" r:id="rId33"/>
+    <p:sldId id="297" r:id="rId34"/>
   </p:sldIdLst>
   <p:sldSz cx="12192000" cy="6858000"/>
   <p:notesSz cx="6858000" cy="9144000"/>
@@ -286,7 +293,7 @@
           <a:p>
             <a:fld id="{F467A90D-6061-43A1-9F48-580B251C3410}" type="datetimeFigureOut">
               <a:rPr lang="en-GB" smtClean="0"/>
-              <a:t>03/07/2023</a:t>
+              <a:t>12/07/2023</a:t>
             </a:fld>
             <a:endParaRPr lang="en-GB"/>
           </a:p>
@@ -518,7 +525,7 @@
           <a:p>
             <a:fld id="{F467A90D-6061-43A1-9F48-580B251C3410}" type="datetimeFigureOut">
               <a:rPr lang="en-GB" smtClean="0"/>
-              <a:t>03/07/2023</a:t>
+              <a:t>12/07/2023</a:t>
             </a:fld>
             <a:endParaRPr lang="en-GB"/>
           </a:p>
@@ -760,7 +767,7 @@
           <a:p>
             <a:fld id="{F467A90D-6061-43A1-9F48-580B251C3410}" type="datetimeFigureOut">
               <a:rPr lang="en-GB" smtClean="0"/>
-              <a:t>03/07/2023</a:t>
+              <a:t>12/07/2023</a:t>
             </a:fld>
             <a:endParaRPr lang="en-GB"/>
           </a:p>
@@ -992,7 +999,7 @@
           <a:p>
             <a:fld id="{F467A90D-6061-43A1-9F48-580B251C3410}" type="datetimeFigureOut">
               <a:rPr lang="en-GB" smtClean="0"/>
-              <a:t>03/07/2023</a:t>
+              <a:t>12/07/2023</a:t>
             </a:fld>
             <a:endParaRPr lang="en-GB"/>
           </a:p>
@@ -1268,7 +1275,7 @@
           <a:p>
             <a:fld id="{F467A90D-6061-43A1-9F48-580B251C3410}" type="datetimeFigureOut">
               <a:rPr lang="en-GB" smtClean="0"/>
-              <a:t>03/07/2023</a:t>
+              <a:t>12/07/2023</a:t>
             </a:fld>
             <a:endParaRPr lang="en-GB"/>
           </a:p>
@@ -1600,7 +1607,7 @@
           <a:p>
             <a:fld id="{F467A90D-6061-43A1-9F48-580B251C3410}" type="datetimeFigureOut">
               <a:rPr lang="en-GB" smtClean="0"/>
-              <a:t>03/07/2023</a:t>
+              <a:t>12/07/2023</a:t>
             </a:fld>
             <a:endParaRPr lang="en-GB"/>
           </a:p>
@@ -2079,7 +2086,7 @@
           <a:p>
             <a:fld id="{F467A90D-6061-43A1-9F48-580B251C3410}" type="datetimeFigureOut">
               <a:rPr lang="en-GB" smtClean="0"/>
-              <a:t>03/07/2023</a:t>
+              <a:t>12/07/2023</a:t>
             </a:fld>
             <a:endParaRPr lang="en-GB"/>
           </a:p>
@@ -2221,7 +2228,7 @@
           <a:p>
             <a:fld id="{F467A90D-6061-43A1-9F48-580B251C3410}" type="datetimeFigureOut">
               <a:rPr lang="en-GB" smtClean="0"/>
-              <a:t>03/07/2023</a:t>
+              <a:t>12/07/2023</a:t>
             </a:fld>
             <a:endParaRPr lang="en-GB"/>
           </a:p>
@@ -2334,7 +2341,7 @@
           <a:p>
             <a:fld id="{F467A90D-6061-43A1-9F48-580B251C3410}" type="datetimeFigureOut">
               <a:rPr lang="en-GB" smtClean="0"/>
-              <a:t>03/07/2023</a:t>
+              <a:t>12/07/2023</a:t>
             </a:fld>
             <a:endParaRPr lang="en-GB"/>
           </a:p>
@@ -2679,7 +2686,7 @@
           <a:p>
             <a:fld id="{F467A90D-6061-43A1-9F48-580B251C3410}" type="datetimeFigureOut">
               <a:rPr lang="en-GB" smtClean="0"/>
-              <a:t>03/07/2023</a:t>
+              <a:t>12/07/2023</a:t>
             </a:fld>
             <a:endParaRPr lang="en-GB"/>
           </a:p>
@@ -2968,7 +2975,7 @@
           <a:p>
             <a:fld id="{F467A90D-6061-43A1-9F48-580B251C3410}" type="datetimeFigureOut">
               <a:rPr lang="en-GB" smtClean="0"/>
-              <a:t>03/07/2023</a:t>
+              <a:t>12/07/2023</a:t>
             </a:fld>
             <a:endParaRPr lang="en-GB"/>
           </a:p>
@@ -3243,7 +3250,7 @@
           <a:p>
             <a:fld id="{F467A90D-6061-43A1-9F48-580B251C3410}" type="datetimeFigureOut">
               <a:rPr lang="en-GB" smtClean="0"/>
-              <a:t>03/07/2023</a:t>
+              <a:t>12/07/2023</a:t>
             </a:fld>
             <a:endParaRPr lang="en-GB"/>
           </a:p>
@@ -3662,10 +3669,10 @@
       </p:grpSpPr>
       <p:sp>
         <p:nvSpPr>
-          <p:cNvPr id="2" name="TextBox 1">
-            <a:extLst>
-              <a:ext uri="{FF2B5EF4-FFF2-40B4-BE49-F238E27FC236}">
-                <a16:creationId xmlns:a16="http://schemas.microsoft.com/office/drawing/2014/main" id="{6B92A0D8-0AAC-C65E-69D9-096D18F621E7}"/>
+          <p:cNvPr id="4" name="TextBox 3">
+            <a:extLst>
+              <a:ext uri="{FF2B5EF4-FFF2-40B4-BE49-F238E27FC236}">
+                <a16:creationId xmlns:a16="http://schemas.microsoft.com/office/drawing/2014/main" id="{AA58103C-7102-E167-8CCE-8BB4908BCA71}"/>
               </a:ext>
             </a:extLst>
           </p:cNvPr>
@@ -3674,8 +3681,8 @@
         </p:nvSpPr>
         <p:spPr>
           <a:xfrm>
-            <a:off x="589280" y="-20320"/>
-            <a:ext cx="3393440" cy="523220"/>
+            <a:off x="1909141" y="3013501"/>
+            <a:ext cx="8373717" cy="830997"/>
           </a:xfrm>
           <a:prstGeom prst="rect">
             <a:avLst/>
@@ -3688,147 +3695,25 @@
           </a:bodyPr>
           <a:lstStyle/>
           <a:p>
-            <a:r>
-              <a:rPr lang="en-GB" sz="2800" dirty="0"/>
-              <a:t>Model formulation</a:t>
-            </a:r>
-          </a:p>
-        </p:txBody>
-      </p:sp>
-      <p:pic>
-        <p:nvPicPr>
-          <p:cNvPr id="7" name="Picture 6" descr="A picture containing diagram, line, font, plan&#10;&#10;Description automatically generated">
-            <a:extLst>
-              <a:ext uri="{FF2B5EF4-FFF2-40B4-BE49-F238E27FC236}">
-                <a16:creationId xmlns:a16="http://schemas.microsoft.com/office/drawing/2014/main" id="{C8DD2A77-8D93-E1ED-03C8-44887BB9151F}"/>
-              </a:ext>
-            </a:extLst>
-          </p:cNvPr>
-          <p:cNvPicPr>
-            <a:picLocks noChangeAspect="1"/>
-          </p:cNvPicPr>
-          <p:nvPr/>
-        </p:nvPicPr>
-        <p:blipFill>
-          <a:blip r:embed="rId2"/>
-          <a:stretch>
-            <a:fillRect/>
-          </a:stretch>
-        </p:blipFill>
-        <p:spPr>
-          <a:xfrm>
-            <a:off x="589280" y="502900"/>
-            <a:ext cx="4410075" cy="1674495"/>
-          </a:xfrm>
-          <a:prstGeom prst="rect">
-            <a:avLst/>
-          </a:prstGeom>
-          <a:ln>
-            <a:solidFill>
-              <a:schemeClr val="tx1"/>
-            </a:solidFill>
-          </a:ln>
-        </p:spPr>
-      </p:pic>
-      <p:pic>
-        <p:nvPicPr>
-          <p:cNvPr id="9" name="Picture 8">
-            <a:extLst>
-              <a:ext uri="{FF2B5EF4-FFF2-40B4-BE49-F238E27FC236}">
-                <a16:creationId xmlns:a16="http://schemas.microsoft.com/office/drawing/2014/main" id="{8FA888B8-53CD-7BF1-90F0-DD50BDBB4EE1}"/>
-              </a:ext>
-            </a:extLst>
-          </p:cNvPr>
-          <p:cNvPicPr>
-            <a:picLocks noChangeAspect="1"/>
-          </p:cNvPicPr>
-          <p:nvPr/>
-        </p:nvPicPr>
-        <p:blipFill>
-          <a:blip r:embed="rId3"/>
-          <a:stretch>
-            <a:fillRect/>
-          </a:stretch>
-        </p:blipFill>
-        <p:spPr>
-          <a:xfrm>
-            <a:off x="259691" y="2290748"/>
-            <a:ext cx="6572298" cy="3800503"/>
-          </a:xfrm>
-          <a:prstGeom prst="rect">
-            <a:avLst/>
-          </a:prstGeom>
-        </p:spPr>
-      </p:pic>
-      <p:sp>
-        <p:nvSpPr>
-          <p:cNvPr id="10" name="TextBox 9">
-            <a:extLst>
-              <a:ext uri="{FF2B5EF4-FFF2-40B4-BE49-F238E27FC236}">
-                <a16:creationId xmlns:a16="http://schemas.microsoft.com/office/drawing/2014/main" id="{979434FE-D1DB-4303-DDB3-D9A2BB4435F1}"/>
-              </a:ext>
-            </a:extLst>
-          </p:cNvPr>
-          <p:cNvSpPr txBox="1"/>
-          <p:nvPr/>
-        </p:nvSpPr>
-        <p:spPr>
-          <a:xfrm>
-            <a:off x="7609839" y="241290"/>
-            <a:ext cx="4410075" cy="923330"/>
-          </a:xfrm>
-          <a:prstGeom prst="rect">
-            <a:avLst/>
-          </a:prstGeom>
-          <a:noFill/>
-        </p:spPr>
-        <p:txBody>
-          <a:bodyPr wrap="square" rtlCol="0">
-            <a:spAutoFit/>
-          </a:bodyPr>
-          <a:lstStyle/>
-          <a:p>
-            <a:r>
-              <a:rPr lang="en-GB" dirty="0"/>
-              <a:t>For the stochastic simulation, I used the binomial sampling based on the rate from the differential equations. </a:t>
-            </a:r>
-          </a:p>
-        </p:txBody>
-      </p:sp>
-      <p:pic>
-        <p:nvPicPr>
-          <p:cNvPr id="12" name="Picture 11">
-            <a:extLst>
-              <a:ext uri="{FF2B5EF4-FFF2-40B4-BE49-F238E27FC236}">
-                <a16:creationId xmlns:a16="http://schemas.microsoft.com/office/drawing/2014/main" id="{2A512172-B846-A0D9-AC15-6B866335C81E}"/>
-              </a:ext>
-            </a:extLst>
-          </p:cNvPr>
-          <p:cNvPicPr>
-            <a:picLocks noChangeAspect="1"/>
-          </p:cNvPicPr>
-          <p:nvPr/>
-        </p:nvPicPr>
-        <p:blipFill>
-          <a:blip r:embed="rId4"/>
-          <a:stretch>
-            <a:fillRect/>
-          </a:stretch>
-        </p:blipFill>
-        <p:spPr>
-          <a:xfrm>
-            <a:off x="7419305" y="1340147"/>
-            <a:ext cx="4600609" cy="3133748"/>
-          </a:xfrm>
-          <a:prstGeom prst="rect">
-            <a:avLst/>
-          </a:prstGeom>
-        </p:spPr>
-      </p:pic>
+            <a:pPr algn="ctr"/>
+            <a:r>
+              <a:rPr lang="en-GB" sz="2400" b="0" i="0" u="none" strike="noStrike" dirty="0">
+                <a:solidFill>
+                  <a:srgbClr val="000000"/>
+                </a:solidFill>
+                <a:effectLst/>
+                <a:latin typeface="Arial" panose="020B0604020202020204" pitchFamily="34" charset="0"/>
+              </a:rPr>
+              <a:t>A quantitative simulation-based evaluation of the early detection of poliovirus using environmental surveillance.</a:t>
+            </a:r>
+            <a:endParaRPr lang="en-GB" sz="2400" dirty="0"/>
+          </a:p>
+        </p:txBody>
+      </p:sp>
     </p:spTree>
     <p:extLst>
       <p:ext uri="{BB962C8B-B14F-4D97-AF65-F5344CB8AC3E}">
-        <p14:creationId xmlns:p14="http://schemas.microsoft.com/office/powerpoint/2010/main" val="1210166557"/>
+        <p14:creationId xmlns:p14="http://schemas.microsoft.com/office/powerpoint/2010/main" val="2623024214"/>
       </p:ext>
     </p:extLst>
   </p:cSld>
@@ -3857,10 +3742,10 @@
       </p:grpSpPr>
       <p:sp>
         <p:nvSpPr>
-          <p:cNvPr id="6" name="TextBox 5">
-            <a:extLst>
-              <a:ext uri="{FF2B5EF4-FFF2-40B4-BE49-F238E27FC236}">
-                <a16:creationId xmlns:a16="http://schemas.microsoft.com/office/drawing/2014/main" id="{0E5B264D-A69C-2DB1-5DB4-E03388B5F51F}"/>
+          <p:cNvPr id="4" name="TextBox 3">
+            <a:extLst>
+              <a:ext uri="{FF2B5EF4-FFF2-40B4-BE49-F238E27FC236}">
+                <a16:creationId xmlns:a16="http://schemas.microsoft.com/office/drawing/2014/main" id="{FC9B609F-FE3F-437C-615B-2A33FF2C2F41}"/>
               </a:ext>
             </a:extLst>
           </p:cNvPr>
@@ -3869,8 +3754,8 @@
         </p:nvSpPr>
         <p:spPr>
           <a:xfrm>
-            <a:off x="6636487" y="4835881"/>
-            <a:ext cx="4419600" cy="1754326"/>
+            <a:off x="2474317" y="2305615"/>
+            <a:ext cx="7243366" cy="3354765"/>
           </a:xfrm>
           <a:prstGeom prst="rect">
             <a:avLst/>
@@ -3883,274 +3768,48 @@
           </a:bodyPr>
           <a:lstStyle/>
           <a:p>
-            <a:r>
-              <a:rPr lang="en-GB" dirty="0"/>
-              <a:t># of detection patterns.</a:t>
-            </a:r>
-          </a:p>
-          <a:p>
-            <a:r>
-              <a:rPr lang="en-GB" dirty="0"/>
-              <a:t> "Both"     =&gt; 465</a:t>
-            </a:r>
-          </a:p>
-          <a:p>
-            <a:r>
-              <a:rPr lang="en-GB" dirty="0"/>
-              <a:t>  "Neither"  =&gt; 3911</a:t>
-            </a:r>
-          </a:p>
-          <a:p>
-            <a:r>
-              <a:rPr lang="en-GB" dirty="0"/>
-              <a:t>  "ES only"  =&gt; 489</a:t>
-            </a:r>
-          </a:p>
-          <a:p>
-            <a:r>
-              <a:rPr lang="en-GB" dirty="0"/>
-              <a:t>  "AFP only" =&gt; 135</a:t>
-            </a:r>
-          </a:p>
-          <a:p>
-            <a:r>
-              <a:rPr lang="en-GB" dirty="0"/>
-              <a:t>Mean ES: 92.83 days, Mean AFP: 253.5 days</a:t>
-            </a:r>
-          </a:p>
-        </p:txBody>
-      </p:sp>
-      <p:sp>
-        <p:nvSpPr>
-          <p:cNvPr id="9" name="TextBox 8">
-            <a:extLst>
-              <a:ext uri="{FF2B5EF4-FFF2-40B4-BE49-F238E27FC236}">
-                <a16:creationId xmlns:a16="http://schemas.microsoft.com/office/drawing/2014/main" id="{635CF120-045E-FD60-9B2F-763A35F1F8F2}"/>
-              </a:ext>
-            </a:extLst>
-          </p:cNvPr>
-          <p:cNvSpPr txBox="1"/>
-          <p:nvPr/>
-        </p:nvSpPr>
-        <p:spPr>
-          <a:xfrm>
-            <a:off x="280555" y="83127"/>
-            <a:ext cx="5694218" cy="369332"/>
-          </a:xfrm>
-          <a:prstGeom prst="rect">
-            <a:avLst/>
-          </a:prstGeom>
-          <a:noFill/>
-        </p:spPr>
-        <p:txBody>
-          <a:bodyPr wrap="square" rtlCol="0">
-            <a:spAutoFit/>
-          </a:bodyPr>
-          <a:lstStyle/>
-          <a:p>
-            <a:r>
-              <a:rPr lang="en-GB" b="1" dirty="0"/>
-              <a:t>Statistics for AFP cases, Surveillance situation., R0=1.05</a:t>
-            </a:r>
-          </a:p>
-        </p:txBody>
-      </p:sp>
-      <p:pic>
-        <p:nvPicPr>
-          <p:cNvPr id="3095" name="Picture 23">
-            <a:extLst>
-              <a:ext uri="{FF2B5EF4-FFF2-40B4-BE49-F238E27FC236}">
-                <a16:creationId xmlns:a16="http://schemas.microsoft.com/office/drawing/2014/main" id="{53AB9430-F447-3341-F1F5-D25094778703}"/>
-              </a:ext>
-            </a:extLst>
-          </p:cNvPr>
-          <p:cNvPicPr>
-            <a:picLocks noChangeAspect="1" noChangeArrowheads="1"/>
-          </p:cNvPicPr>
-          <p:nvPr/>
-        </p:nvPicPr>
-        <p:blipFill>
-          <a:blip r:embed="rId2">
-            <a:extLst>
-              <a:ext uri="{28A0092B-C50C-407E-A947-70E740481C1C}">
-                <a14:useLocalDpi xmlns:a14="http://schemas.microsoft.com/office/drawing/2010/main" val="0"/>
-              </a:ext>
-            </a:extLst>
-          </a:blip>
-          <a:srcRect/>
-          <a:stretch>
-            <a:fillRect/>
-          </a:stretch>
-        </p:blipFill>
-        <p:spPr bwMode="auto">
-          <a:xfrm>
-            <a:off x="63795" y="633216"/>
-            <a:ext cx="6193465" cy="3096733"/>
-          </a:xfrm>
-          <a:prstGeom prst="rect">
-            <a:avLst/>
-          </a:prstGeom>
-          <a:noFill/>
-          <a:ln>
-            <a:solidFill>
-              <a:schemeClr val="tx1"/>
-            </a:solidFill>
-          </a:ln>
-          <a:extLst>
-            <a:ext uri="{909E8E84-426E-40DD-AFC4-6F175D3DCCD1}">
-              <a14:hiddenFill xmlns:a14="http://schemas.microsoft.com/office/drawing/2010/main">
-                <a:solidFill>
-                  <a:srgbClr val="FFFFFF"/>
-                </a:solidFill>
-              </a14:hiddenFill>
-            </a:ext>
-          </a:extLst>
-        </p:spPr>
-      </p:pic>
-      <p:pic>
-        <p:nvPicPr>
-          <p:cNvPr id="3101" name="Picture 29">
-            <a:extLst>
-              <a:ext uri="{FF2B5EF4-FFF2-40B4-BE49-F238E27FC236}">
-                <a16:creationId xmlns:a16="http://schemas.microsoft.com/office/drawing/2014/main" id="{2F5CDCC3-7076-67C0-A86A-358CCF0645E1}"/>
-              </a:ext>
-            </a:extLst>
-          </p:cNvPr>
-          <p:cNvPicPr>
-            <a:picLocks noChangeAspect="1" noChangeArrowheads="1"/>
-          </p:cNvPicPr>
-          <p:nvPr/>
-        </p:nvPicPr>
-        <p:blipFill>
-          <a:blip r:embed="rId3">
-            <a:extLst>
-              <a:ext uri="{28A0092B-C50C-407E-A947-70E740481C1C}">
-                <a14:useLocalDpi xmlns:a14="http://schemas.microsoft.com/office/drawing/2010/main" val="0"/>
-              </a:ext>
-            </a:extLst>
-          </a:blip>
-          <a:srcRect/>
-          <a:stretch>
-            <a:fillRect/>
-          </a:stretch>
-        </p:blipFill>
-        <p:spPr bwMode="auto">
-          <a:xfrm>
-            <a:off x="6698510" y="926349"/>
-            <a:ext cx="5141729" cy="3427819"/>
-          </a:xfrm>
-          <a:prstGeom prst="rect">
-            <a:avLst/>
-          </a:prstGeom>
-          <a:noFill/>
-          <a:ln>
-            <a:solidFill>
-              <a:schemeClr val="tx1"/>
-            </a:solidFill>
-          </a:ln>
-          <a:extLst>
-            <a:ext uri="{909E8E84-426E-40DD-AFC4-6F175D3DCCD1}">
-              <a14:hiddenFill xmlns:a14="http://schemas.microsoft.com/office/drawing/2010/main">
-                <a:solidFill>
-                  <a:srgbClr val="FFFFFF"/>
-                </a:solidFill>
-              </a14:hiddenFill>
-            </a:ext>
-          </a:extLst>
-        </p:spPr>
-      </p:pic>
-      <p:sp>
-        <p:nvSpPr>
-          <p:cNvPr id="11" name="TextBox 10">
-            <a:extLst>
-              <a:ext uri="{FF2B5EF4-FFF2-40B4-BE49-F238E27FC236}">
-                <a16:creationId xmlns:a16="http://schemas.microsoft.com/office/drawing/2014/main" id="{7196BC08-FF26-8696-43A8-FD783EB460CF}"/>
-              </a:ext>
-            </a:extLst>
-          </p:cNvPr>
-          <p:cNvSpPr txBox="1"/>
-          <p:nvPr/>
-        </p:nvSpPr>
-        <p:spPr>
-          <a:xfrm>
-            <a:off x="6636487" y="267793"/>
-            <a:ext cx="5203752" cy="646331"/>
-          </a:xfrm>
-          <a:prstGeom prst="rect">
-            <a:avLst/>
-          </a:prstGeom>
-          <a:noFill/>
-        </p:spPr>
-        <p:txBody>
-          <a:bodyPr wrap="square" rtlCol="0">
-            <a:spAutoFit/>
-          </a:bodyPr>
-          <a:lstStyle/>
-          <a:p>
-            <a:r>
-              <a:rPr lang="en-GB" dirty="0"/>
-              <a:t>Cumulative probability for both surveillance </a:t>
-            </a:r>
-          </a:p>
-          <a:p>
-            <a:r>
-              <a:rPr lang="en-GB" dirty="0"/>
-              <a:t>Under total or conditional probability. </a:t>
-            </a:r>
-          </a:p>
-        </p:txBody>
-      </p:sp>
-      <p:pic>
-        <p:nvPicPr>
-          <p:cNvPr id="3107" name="Picture 35">
-            <a:extLst>
-              <a:ext uri="{FF2B5EF4-FFF2-40B4-BE49-F238E27FC236}">
-                <a16:creationId xmlns:a16="http://schemas.microsoft.com/office/drawing/2014/main" id="{177B4907-893A-BEC4-95F3-BEF3DC46728F}"/>
-              </a:ext>
-            </a:extLst>
-          </p:cNvPr>
-          <p:cNvPicPr>
-            <a:picLocks noChangeAspect="1" noChangeArrowheads="1"/>
-          </p:cNvPicPr>
-          <p:nvPr/>
-        </p:nvPicPr>
-        <p:blipFill>
-          <a:blip r:embed="rId4">
-            <a:extLst>
-              <a:ext uri="{28A0092B-C50C-407E-A947-70E740481C1C}">
-                <a14:useLocalDpi xmlns:a14="http://schemas.microsoft.com/office/drawing/2010/main" val="0"/>
-              </a:ext>
-            </a:extLst>
-          </a:blip>
-          <a:srcRect/>
-          <a:stretch>
-            <a:fillRect/>
-          </a:stretch>
-        </p:blipFill>
-        <p:spPr bwMode="auto">
-          <a:xfrm>
-            <a:off x="303027" y="3835263"/>
-            <a:ext cx="4358425" cy="2905617"/>
-          </a:xfrm>
-          <a:prstGeom prst="rect">
-            <a:avLst/>
-          </a:prstGeom>
-          <a:noFill/>
-          <a:extLst>
-            <a:ext uri="{909E8E84-426E-40DD-AFC4-6F175D3DCCD1}">
-              <a14:hiddenFill xmlns:a14="http://schemas.microsoft.com/office/drawing/2010/main">
-                <a:solidFill>
-                  <a:srgbClr val="FFFFFF"/>
-                </a:solidFill>
-              </a14:hiddenFill>
-            </a:ext>
-          </a:extLst>
-        </p:spPr>
-      </p:pic>
+            <a:pPr algn="ctr"/>
+            <a:r>
+              <a:rPr lang="en-GB" sz="4400" b="1" dirty="0"/>
+              <a:t>Results</a:t>
+            </a:r>
+          </a:p>
+          <a:p>
+            <a:endParaRPr lang="en-GB" sz="2400" dirty="0"/>
+          </a:p>
+          <a:p>
+            <a:r>
+              <a:rPr lang="en-GB" sz="2400" dirty="0"/>
+              <a:t>Based on the AFP cases shown in the results, </a:t>
+            </a:r>
+          </a:p>
+          <a:p>
+            <a:r>
+              <a:rPr lang="en-GB" sz="2400" dirty="0"/>
+              <a:t>R0 = 1.05 for 1-25 AFP cases.</a:t>
+            </a:r>
+          </a:p>
+          <a:p>
+            <a:r>
+              <a:rPr lang="en-GB" sz="2400" dirty="0"/>
+              <a:t>R0 = 1.10 for 100~1000 AFP cases.</a:t>
+            </a:r>
+          </a:p>
+          <a:p>
+            <a:endParaRPr lang="en-GB" sz="2400" dirty="0"/>
+          </a:p>
+          <a:p>
+            <a:r>
+              <a:rPr lang="en-GB" sz="2400" dirty="0"/>
+              <a:t>(Low R0 means high herd immunity from 90% of vaccinated individuals around unvaccinated children.)</a:t>
+            </a:r>
+          </a:p>
+        </p:txBody>
+      </p:sp>
     </p:spTree>
     <p:extLst>
       <p:ext uri="{BB962C8B-B14F-4D97-AF65-F5344CB8AC3E}">
-        <p14:creationId xmlns:p14="http://schemas.microsoft.com/office/powerpoint/2010/main" val="4174347981"/>
+        <p14:creationId xmlns:p14="http://schemas.microsoft.com/office/powerpoint/2010/main" val="3813910930"/>
       </p:ext>
     </p:extLst>
   </p:cSld>
@@ -4179,10 +3838,10 @@
       </p:grpSpPr>
       <p:sp>
         <p:nvSpPr>
-          <p:cNvPr id="9" name="TextBox 8">
-            <a:extLst>
-              <a:ext uri="{FF2B5EF4-FFF2-40B4-BE49-F238E27FC236}">
-                <a16:creationId xmlns:a16="http://schemas.microsoft.com/office/drawing/2014/main" id="{635CF120-045E-FD60-9B2F-763A35F1F8F2}"/>
+          <p:cNvPr id="5" name="TextBox 4">
+            <a:extLst>
+              <a:ext uri="{FF2B5EF4-FFF2-40B4-BE49-F238E27FC236}">
+                <a16:creationId xmlns:a16="http://schemas.microsoft.com/office/drawing/2014/main" id="{B84E4CF8-C8D8-CC22-E875-92390E079A38}"/>
               </a:ext>
             </a:extLst>
           </p:cNvPr>
@@ -4207,23 +3866,43 @@
           <a:p>
             <a:r>
               <a:rPr lang="en-GB" b="1" dirty="0"/>
-              <a:t>Statistics for AFP cases, Surveillance situation., R0=1.05</a:t>
-            </a:r>
-          </a:p>
-          <a:p>
+              <a:t>Number of asymptomatic cases (</a:t>
+            </a:r>
+            <a:r>
+              <a:rPr lang="en-GB" b="1" dirty="0" err="1"/>
+              <a:t>Ia</a:t>
+            </a:r>
             <a:r>
               <a:rPr lang="en-GB" b="1" dirty="0"/>
-              <a:t>Lead time for ES over AFP surveillance</a:t>
+              <a:t>) over time</a:t>
+            </a:r>
+          </a:p>
+          <a:p>
+            <a:r>
+              <a:rPr lang="en-GB" dirty="0" err="1"/>
+              <a:t>zaxis</a:t>
+            </a:r>
+            <a:r>
+              <a:rPr lang="en-GB" dirty="0"/>
+              <a:t> is given by log10(</a:t>
+            </a:r>
+            <a:r>
+              <a:rPr lang="en-GB" dirty="0" err="1"/>
+              <a:t>Ia</a:t>
+            </a:r>
+            <a:r>
+              <a:rPr lang="en-GB" dirty="0"/>
+              <a:t> + 1)</a:t>
             </a:r>
           </a:p>
         </p:txBody>
       </p:sp>
       <p:pic>
         <p:nvPicPr>
-          <p:cNvPr id="7170" name="Picture 2">
-            <a:extLst>
-              <a:ext uri="{FF2B5EF4-FFF2-40B4-BE49-F238E27FC236}">
-                <a16:creationId xmlns:a16="http://schemas.microsoft.com/office/drawing/2014/main" id="{AAB77CF0-1943-CFE4-CA83-7362CB1E7386}"/>
+          <p:cNvPr id="4102" name="Picture 6">
+            <a:extLst>
+              <a:ext uri="{FF2B5EF4-FFF2-40B4-BE49-F238E27FC236}">
+                <a16:creationId xmlns:a16="http://schemas.microsoft.com/office/drawing/2014/main" id="{CFAAE50D-A18F-5446-4EC2-6A8ED970241B}"/>
               </a:ext>
             </a:extLst>
           </p:cNvPr>
@@ -4247,8 +3926,8 @@
         </p:blipFill>
         <p:spPr bwMode="auto">
           <a:xfrm>
-            <a:off x="764548" y="1052512"/>
-            <a:ext cx="2847975" cy="4752975"/>
+            <a:off x="280555" y="1034944"/>
+            <a:ext cx="5691018" cy="5697612"/>
           </a:xfrm>
           <a:prstGeom prst="rect">
             <a:avLst/>
@@ -4270,108 +3949,62 @@
           </a:extLst>
         </p:spPr>
       </p:pic>
-      <p:sp>
-        <p:nvSpPr>
-          <p:cNvPr id="2" name="TextBox 1">
-            <a:extLst>
-              <a:ext uri="{FF2B5EF4-FFF2-40B4-BE49-F238E27FC236}">
-                <a16:creationId xmlns:a16="http://schemas.microsoft.com/office/drawing/2014/main" id="{0388309C-33EA-60D3-FFF0-7A441E2474B1}"/>
-              </a:ext>
-            </a:extLst>
-          </p:cNvPr>
-          <p:cNvSpPr txBox="1"/>
+      <p:pic>
+        <p:nvPicPr>
+          <p:cNvPr id="4104" name="Picture 8">
+            <a:extLst>
+              <a:ext uri="{FF2B5EF4-FFF2-40B4-BE49-F238E27FC236}">
+                <a16:creationId xmlns:a16="http://schemas.microsoft.com/office/drawing/2014/main" id="{6A547F07-8DEF-344B-9AC9-3B8A94C933A4}"/>
+              </a:ext>
+            </a:extLst>
+          </p:cNvPr>
+          <p:cNvPicPr>
+            <a:picLocks noChangeAspect="1" noChangeArrowheads="1"/>
+          </p:cNvPicPr>
           <p:nvPr/>
-        </p:nvSpPr>
-        <p:spPr>
-          <a:xfrm>
-            <a:off x="4460358" y="1201479"/>
-            <a:ext cx="4513521" cy="3416320"/>
+        </p:nvPicPr>
+        <p:blipFill>
+          <a:blip r:embed="rId3">
+            <a:extLst>
+              <a:ext uri="{28A0092B-C50C-407E-A947-70E740481C1C}">
+                <a14:useLocalDpi xmlns:a14="http://schemas.microsoft.com/office/drawing/2010/main" val="0"/>
+              </a:ext>
+            </a:extLst>
+          </a:blip>
+          <a:srcRect/>
+          <a:stretch>
+            <a:fillRect/>
+          </a:stretch>
+        </p:blipFill>
+        <p:spPr bwMode="auto">
+          <a:xfrm>
+            <a:off x="6220429" y="1081031"/>
+            <a:ext cx="5598951" cy="5605438"/>
           </a:xfrm>
           <a:prstGeom prst="rect">
             <a:avLst/>
           </a:prstGeom>
           <a:noFill/>
-        </p:spPr>
-        <p:txBody>
-          <a:bodyPr wrap="square" rtlCol="0">
-            <a:spAutoFit/>
-          </a:bodyPr>
-          <a:lstStyle/>
-          <a:p>
-            <a:r>
-              <a:rPr lang="en-GB" dirty="0"/>
-              <a:t>Summary Stats:</a:t>
-            </a:r>
-          </a:p>
-          <a:p>
-            <a:r>
-              <a:rPr lang="en-GB" dirty="0"/>
-              <a:t>Length:         465</a:t>
-            </a:r>
-          </a:p>
-          <a:p>
-            <a:r>
-              <a:rPr lang="en-GB" dirty="0"/>
-              <a:t>Missing Count:  0</a:t>
-            </a:r>
-          </a:p>
-          <a:p>
-            <a:r>
-              <a:rPr lang="en-GB" dirty="0"/>
-              <a:t>Mean:           120.593548</a:t>
-            </a:r>
-          </a:p>
-          <a:p>
-            <a:r>
-              <a:rPr lang="en-GB" dirty="0"/>
-              <a:t>Minimum:        -901.000000</a:t>
-            </a:r>
-          </a:p>
-          <a:p>
-            <a:r>
-              <a:rPr lang="en-GB" dirty="0"/>
-              <a:t>1st Quartile:   10.000000</a:t>
-            </a:r>
-          </a:p>
-          <a:p>
-            <a:r>
-              <a:rPr lang="en-GB" dirty="0"/>
-              <a:t>Median:         129.000000</a:t>
-            </a:r>
-          </a:p>
-          <a:p>
-            <a:r>
-              <a:rPr lang="en-GB" dirty="0"/>
-              <a:t>3rd Quartile:   248.000000</a:t>
-            </a:r>
-          </a:p>
-          <a:p>
-            <a:r>
-              <a:rPr lang="en-GB" dirty="0"/>
-              <a:t>Maximum:        862.000000</a:t>
-            </a:r>
-          </a:p>
-          <a:p>
-            <a:r>
-              <a:rPr lang="en-GB" dirty="0"/>
-              <a:t>Type:           Float64</a:t>
-            </a:r>
-          </a:p>
-          <a:p>
-            <a:endParaRPr lang="en-GB" dirty="0"/>
-          </a:p>
-          <a:p>
-            <a:r>
-              <a:rPr lang="en-GB" dirty="0"/>
-              <a:t>% of early detect by ES: 77.2</a:t>
-            </a:r>
-          </a:p>
-        </p:txBody>
-      </p:sp>
+          <a:ln>
+            <a:solidFill>
+              <a:schemeClr val="tx1"/>
+            </a:solidFill>
+          </a:ln>
+          <a:extLst>
+            <a:ext uri="{909E8E84-426E-40DD-AFC4-6F175D3DCCD1}">
+              <a14:hiddenFill xmlns:a14="http://schemas.microsoft.com/office/drawing/2010/main">
+                <a:solidFill>
+                  <a:srgbClr val="FFFFFF"/>
+                </a:solidFill>
+              </a14:hiddenFill>
+            </a:ext>
+          </a:extLst>
+        </p:spPr>
+      </p:pic>
     </p:spTree>
     <p:extLst>
       <p:ext uri="{BB962C8B-B14F-4D97-AF65-F5344CB8AC3E}">
-        <p14:creationId xmlns:p14="http://schemas.microsoft.com/office/powerpoint/2010/main" val="1220156200"/>
+        <p14:creationId xmlns:p14="http://schemas.microsoft.com/office/powerpoint/2010/main" val="3788425264"/>
       </p:ext>
     </p:extLst>
   </p:cSld>
@@ -4400,10 +4033,10 @@
       </p:grpSpPr>
       <p:sp>
         <p:nvSpPr>
-          <p:cNvPr id="9" name="TextBox 8">
-            <a:extLst>
-              <a:ext uri="{FF2B5EF4-FFF2-40B4-BE49-F238E27FC236}">
-                <a16:creationId xmlns:a16="http://schemas.microsoft.com/office/drawing/2014/main" id="{635CF120-045E-FD60-9B2F-763A35F1F8F2}"/>
+          <p:cNvPr id="6" name="TextBox 5">
+            <a:extLst>
+              <a:ext uri="{FF2B5EF4-FFF2-40B4-BE49-F238E27FC236}">
+                <a16:creationId xmlns:a16="http://schemas.microsoft.com/office/drawing/2014/main" id="{0E5B264D-A69C-2DB1-5DB4-E03388B5F51F}"/>
               </a:ext>
             </a:extLst>
           </p:cNvPr>
@@ -4412,8 +4045,8 @@
         </p:nvSpPr>
         <p:spPr>
           <a:xfrm>
-            <a:off x="280555" y="83127"/>
-            <a:ext cx="5694218" cy="369332"/>
+            <a:off x="6636487" y="4835881"/>
+            <a:ext cx="4419600" cy="1754326"/>
           </a:xfrm>
           <a:prstGeom prst="rect">
             <a:avLst/>
@@ -4427,18 +4060,48 @@
           <a:lstStyle/>
           <a:p>
             <a:r>
-              <a:rPr lang="en-GB" b="1" dirty="0"/>
-              <a:t>Statistics for AFP cases, Surveillance situation., R0=1.1</a:t>
-            </a:r>
-          </a:p>
-        </p:txBody>
-      </p:sp>
-      <p:sp>
-        <p:nvSpPr>
-          <p:cNvPr id="2" name="TextBox 1">
-            <a:extLst>
-              <a:ext uri="{FF2B5EF4-FFF2-40B4-BE49-F238E27FC236}">
-                <a16:creationId xmlns:a16="http://schemas.microsoft.com/office/drawing/2014/main" id="{80B1CD49-F877-3565-9CB1-FEB69916D527}"/>
+              <a:rPr lang="en-GB" dirty="0"/>
+              <a:t># of detection patterns.</a:t>
+            </a:r>
+          </a:p>
+          <a:p>
+            <a:r>
+              <a:rPr lang="en-GB" dirty="0"/>
+              <a:t> "Both"     =&gt; 465</a:t>
+            </a:r>
+          </a:p>
+          <a:p>
+            <a:r>
+              <a:rPr lang="en-GB" dirty="0"/>
+              <a:t>  "Neither"  =&gt; 3911</a:t>
+            </a:r>
+          </a:p>
+          <a:p>
+            <a:r>
+              <a:rPr lang="en-GB" dirty="0"/>
+              <a:t>  "ES only"  =&gt; 489</a:t>
+            </a:r>
+          </a:p>
+          <a:p>
+            <a:r>
+              <a:rPr lang="en-GB" dirty="0"/>
+              <a:t>  "AFP only" =&gt; 135</a:t>
+            </a:r>
+          </a:p>
+          <a:p>
+            <a:r>
+              <a:rPr lang="en-GB" dirty="0"/>
+              <a:t>Mean ES: 92.83 days, Mean AFP: 253.5 days</a:t>
+            </a:r>
+          </a:p>
+        </p:txBody>
+      </p:sp>
+      <p:sp>
+        <p:nvSpPr>
+          <p:cNvPr id="9" name="TextBox 8">
+            <a:extLst>
+              <a:ext uri="{FF2B5EF4-FFF2-40B4-BE49-F238E27FC236}">
+                <a16:creationId xmlns:a16="http://schemas.microsoft.com/office/drawing/2014/main" id="{635CF120-045E-FD60-9B2F-763A35F1F8F2}"/>
               </a:ext>
             </a:extLst>
           </p:cNvPr>
@@ -4447,8 +4110,8 @@
         </p:nvSpPr>
         <p:spPr>
           <a:xfrm>
-            <a:off x="5507590" y="4452639"/>
-            <a:ext cx="5523187" cy="1754326"/>
+            <a:off x="280555" y="83127"/>
+            <a:ext cx="5694218" cy="369332"/>
           </a:xfrm>
           <a:prstGeom prst="rect">
             <a:avLst/>
@@ -4462,52 +4125,18 @@
           <a:lstStyle/>
           <a:p>
             <a:r>
-              <a:rPr lang="en-GB" dirty="0" err="1"/>
-              <a:t>Dict</a:t>
-            </a:r>
-            <a:r>
-              <a:rPr lang="en-GB" dirty="0"/>
-              <a:t>{Any, Int64} with 4 entries:</a:t>
-            </a:r>
-          </a:p>
-          <a:p>
-            <a:r>
-              <a:rPr lang="en-GB" dirty="0"/>
-              <a:t>  "Both"     =&gt; 673</a:t>
-            </a:r>
-          </a:p>
-          <a:p>
-            <a:r>
-              <a:rPr lang="en-GB" dirty="0"/>
-              <a:t>  "Neither"  =&gt; 3790</a:t>
-            </a:r>
-          </a:p>
-          <a:p>
-            <a:r>
-              <a:rPr lang="en-GB" dirty="0"/>
-              <a:t>  "ES only"  =&gt; 406</a:t>
-            </a:r>
-          </a:p>
-          <a:p>
-            <a:r>
-              <a:rPr lang="en-GB" dirty="0"/>
-              <a:t>  "AFP only" =&gt; 131</a:t>
-            </a:r>
-          </a:p>
-          <a:p>
-            <a:r>
-              <a:rPr lang="en-GB" dirty="0"/>
-              <a:t>Mean ES: 116.6 days, Mean AFP: 242.4 days</a:t>
+              <a:rPr lang="en-GB" b="1" dirty="0"/>
+              <a:t>Statistics for AFP cases, Surveillance situation., R0=1.05</a:t>
             </a:r>
           </a:p>
         </p:txBody>
       </p:sp>
       <p:pic>
         <p:nvPicPr>
-          <p:cNvPr id="6150" name="Picture 6">
-            <a:extLst>
-              <a:ext uri="{FF2B5EF4-FFF2-40B4-BE49-F238E27FC236}">
-                <a16:creationId xmlns:a16="http://schemas.microsoft.com/office/drawing/2014/main" id="{A4D5FA3F-0FCE-BD41-0EF0-C9F77422D0E4}"/>
+          <p:cNvPr id="3095" name="Picture 23">
+            <a:extLst>
+              <a:ext uri="{FF2B5EF4-FFF2-40B4-BE49-F238E27FC236}">
+                <a16:creationId xmlns:a16="http://schemas.microsoft.com/office/drawing/2014/main" id="{53AB9430-F447-3341-F1F5-D25094778703}"/>
               </a:ext>
             </a:extLst>
           </p:cNvPr>
@@ -4531,8 +4160,8 @@
         </p:blipFill>
         <p:spPr bwMode="auto">
           <a:xfrm>
-            <a:off x="144117" y="574813"/>
-            <a:ext cx="6264966" cy="3132483"/>
+            <a:off x="63795" y="633216"/>
+            <a:ext cx="6193465" cy="3096733"/>
           </a:xfrm>
           <a:prstGeom prst="rect">
             <a:avLst/>
@@ -4556,10 +4185,10 @@
       </p:pic>
       <p:pic>
         <p:nvPicPr>
-          <p:cNvPr id="6156" name="Picture 12">
-            <a:extLst>
-              <a:ext uri="{FF2B5EF4-FFF2-40B4-BE49-F238E27FC236}">
-                <a16:creationId xmlns:a16="http://schemas.microsoft.com/office/drawing/2014/main" id="{C8E41C05-8D71-A13F-DC17-4E094C185E22}"/>
+          <p:cNvPr id="3101" name="Picture 29">
+            <a:extLst>
+              <a:ext uri="{FF2B5EF4-FFF2-40B4-BE49-F238E27FC236}">
+                <a16:creationId xmlns:a16="http://schemas.microsoft.com/office/drawing/2014/main" id="{2F5CDCC3-7076-67C0-A86A-358CCF0645E1}"/>
               </a:ext>
             </a:extLst>
           </p:cNvPr>
@@ -4583,8 +4212,8 @@
         </p:blipFill>
         <p:spPr bwMode="auto">
           <a:xfrm>
-            <a:off x="6637683" y="267793"/>
-            <a:ext cx="5347358" cy="3564905"/>
+            <a:off x="6698510" y="926349"/>
+            <a:ext cx="5141729" cy="3427819"/>
           </a:xfrm>
           <a:prstGeom prst="rect">
             <a:avLst/>
@@ -4606,12 +4235,53 @@
           </a:extLst>
         </p:spPr>
       </p:pic>
+      <p:sp>
+        <p:nvSpPr>
+          <p:cNvPr id="11" name="TextBox 10">
+            <a:extLst>
+              <a:ext uri="{FF2B5EF4-FFF2-40B4-BE49-F238E27FC236}">
+                <a16:creationId xmlns:a16="http://schemas.microsoft.com/office/drawing/2014/main" id="{7196BC08-FF26-8696-43A8-FD783EB460CF}"/>
+              </a:ext>
+            </a:extLst>
+          </p:cNvPr>
+          <p:cNvSpPr txBox="1"/>
+          <p:nvPr/>
+        </p:nvSpPr>
+        <p:spPr>
+          <a:xfrm>
+            <a:off x="6636487" y="267793"/>
+            <a:ext cx="5203752" cy="646331"/>
+          </a:xfrm>
+          <a:prstGeom prst="rect">
+            <a:avLst/>
+          </a:prstGeom>
+          <a:noFill/>
+        </p:spPr>
+        <p:txBody>
+          <a:bodyPr wrap="square" rtlCol="0">
+            <a:spAutoFit/>
+          </a:bodyPr>
+          <a:lstStyle/>
+          <a:p>
+            <a:r>
+              <a:rPr lang="en-GB" dirty="0"/>
+              <a:t>Cumulative probability for both surveillance </a:t>
+            </a:r>
+          </a:p>
+          <a:p>
+            <a:r>
+              <a:rPr lang="en-GB" dirty="0"/>
+              <a:t>Under total or conditional probability. </a:t>
+            </a:r>
+          </a:p>
+        </p:txBody>
+      </p:sp>
       <p:pic>
         <p:nvPicPr>
-          <p:cNvPr id="6160" name="Picture 16">
-            <a:extLst>
-              <a:ext uri="{FF2B5EF4-FFF2-40B4-BE49-F238E27FC236}">
-                <a16:creationId xmlns:a16="http://schemas.microsoft.com/office/drawing/2014/main" id="{97362857-1EFA-6138-ABC8-A8AB63A81993}"/>
+          <p:cNvPr id="3107" name="Picture 35">
+            <a:extLst>
+              <a:ext uri="{FF2B5EF4-FFF2-40B4-BE49-F238E27FC236}">
+                <a16:creationId xmlns:a16="http://schemas.microsoft.com/office/drawing/2014/main" id="{177B4907-893A-BEC4-95F3-BEF3DC46728F}"/>
               </a:ext>
             </a:extLst>
           </p:cNvPr>
@@ -4635,18 +4305,13 @@
         </p:blipFill>
         <p:spPr bwMode="auto">
           <a:xfrm>
-            <a:off x="280555" y="3881709"/>
-            <a:ext cx="4265650" cy="2843767"/>
+            <a:off x="303027" y="3835263"/>
+            <a:ext cx="4358425" cy="2905617"/>
           </a:xfrm>
           <a:prstGeom prst="rect">
             <a:avLst/>
           </a:prstGeom>
           <a:noFill/>
-          <a:ln>
-            <a:solidFill>
-              <a:schemeClr val="tx1"/>
-            </a:solidFill>
-          </a:ln>
           <a:extLst>
             <a:ext uri="{909E8E84-426E-40DD-AFC4-6F175D3DCCD1}">
               <a14:hiddenFill xmlns:a14="http://schemas.microsoft.com/office/drawing/2010/main">
@@ -4661,7 +4326,7 @@
     </p:spTree>
     <p:extLst>
       <p:ext uri="{BB962C8B-B14F-4D97-AF65-F5344CB8AC3E}">
-        <p14:creationId xmlns:p14="http://schemas.microsoft.com/office/powerpoint/2010/main" val="3428969190"/>
+        <p14:creationId xmlns:p14="http://schemas.microsoft.com/office/powerpoint/2010/main" val="4174347981"/>
       </p:ext>
     </p:extLst>
   </p:cSld>
@@ -4688,151 +4353,42 @@
           <a:chExt cx="0" cy="0"/>
         </a:xfrm>
       </p:grpSpPr>
-      <p:sp>
-        <p:nvSpPr>
-          <p:cNvPr id="9" name="TextBox 8">
-            <a:extLst>
-              <a:ext uri="{FF2B5EF4-FFF2-40B4-BE49-F238E27FC236}">
-                <a16:creationId xmlns:a16="http://schemas.microsoft.com/office/drawing/2014/main" id="{635CF120-045E-FD60-9B2F-763A35F1F8F2}"/>
-              </a:ext>
-            </a:extLst>
-          </p:cNvPr>
-          <p:cNvSpPr txBox="1"/>
+      <p:pic>
+        <p:nvPicPr>
+          <p:cNvPr id="5" name="Picture 4">
+            <a:extLst>
+              <a:ext uri="{FF2B5EF4-FFF2-40B4-BE49-F238E27FC236}">
+                <a16:creationId xmlns:a16="http://schemas.microsoft.com/office/drawing/2014/main" id="{2444042D-02A6-6880-82B7-DD7D82BF038F}"/>
+              </a:ext>
+            </a:extLst>
+          </p:cNvPr>
+          <p:cNvPicPr>
+            <a:picLocks noChangeAspect="1"/>
+          </p:cNvPicPr>
           <p:nvPr/>
-        </p:nvSpPr>
+        </p:nvPicPr>
+        <p:blipFill>
+          <a:blip r:embed="rId2"/>
+          <a:stretch>
+            <a:fillRect/>
+          </a:stretch>
+        </p:blipFill>
         <p:spPr>
           <a:xfrm>
-            <a:off x="280555" y="83127"/>
-            <a:ext cx="5694218" cy="646331"/>
+            <a:off x="-1" y="-1"/>
+            <a:ext cx="9411131" cy="5913967"/>
           </a:xfrm>
           <a:prstGeom prst="rect">
             <a:avLst/>
           </a:prstGeom>
-          <a:noFill/>
-        </p:spPr>
-        <p:txBody>
-          <a:bodyPr wrap="square" rtlCol="0">
-            <a:spAutoFit/>
-          </a:bodyPr>
-          <a:lstStyle/>
-          <a:p>
-            <a:r>
-              <a:rPr lang="en-GB" b="1" dirty="0"/>
-              <a:t>Statistics for AFP cases, Surveillance situation., R0=1.1</a:t>
-            </a:r>
-          </a:p>
-          <a:p>
-            <a:r>
-              <a:rPr lang="en-GB" b="1" dirty="0"/>
-              <a:t>Lead time for ES over AFP surveillance</a:t>
-            </a:r>
-          </a:p>
-        </p:txBody>
-      </p:sp>
-      <p:sp>
-        <p:nvSpPr>
-          <p:cNvPr id="2" name="TextBox 1">
-            <a:extLst>
-              <a:ext uri="{FF2B5EF4-FFF2-40B4-BE49-F238E27FC236}">
-                <a16:creationId xmlns:a16="http://schemas.microsoft.com/office/drawing/2014/main" id="{0388309C-33EA-60D3-FFF0-7A441E2474B1}"/>
-              </a:ext>
-            </a:extLst>
-          </p:cNvPr>
-          <p:cNvSpPr txBox="1"/>
-          <p:nvPr/>
-        </p:nvSpPr>
-        <p:spPr>
-          <a:xfrm>
-            <a:off x="4460358" y="1201479"/>
-            <a:ext cx="4513521" cy="3416320"/>
-          </a:xfrm>
-          <a:prstGeom prst="rect">
-            <a:avLst/>
-          </a:prstGeom>
-          <a:noFill/>
-        </p:spPr>
-        <p:txBody>
-          <a:bodyPr wrap="square" rtlCol="0">
-            <a:spAutoFit/>
-          </a:bodyPr>
-          <a:lstStyle/>
-          <a:p>
-            <a:r>
-              <a:rPr lang="en-GB" dirty="0"/>
-              <a:t>Summary Stats:</a:t>
-            </a:r>
-          </a:p>
-          <a:p>
-            <a:r>
-              <a:rPr lang="en-GB" dirty="0"/>
-              <a:t>Length:         673</a:t>
-            </a:r>
-          </a:p>
-          <a:p>
-            <a:r>
-              <a:rPr lang="en-GB" dirty="0"/>
-              <a:t>Missing Count:  0</a:t>
-            </a:r>
-          </a:p>
-          <a:p>
-            <a:r>
-              <a:rPr lang="en-GB" dirty="0"/>
-              <a:t>Mean:           87.704309</a:t>
-            </a:r>
-          </a:p>
-          <a:p>
-            <a:r>
-              <a:rPr lang="en-GB" dirty="0"/>
-              <a:t>Minimum:        -972.000000</a:t>
-            </a:r>
-          </a:p>
-          <a:p>
-            <a:r>
-              <a:rPr lang="en-GB" dirty="0"/>
-              <a:t>1st Quartile:   -5.000000</a:t>
-            </a:r>
-          </a:p>
-          <a:p>
-            <a:r>
-              <a:rPr lang="en-GB" dirty="0"/>
-              <a:t>Median:         103.000000</a:t>
-            </a:r>
-          </a:p>
-          <a:p>
-            <a:r>
-              <a:rPr lang="en-GB" dirty="0"/>
-              <a:t>3rd Quartile:   221.000000</a:t>
-            </a:r>
-          </a:p>
-          <a:p>
-            <a:r>
-              <a:rPr lang="en-GB" dirty="0"/>
-              <a:t>Maximum:        829.000000</a:t>
-            </a:r>
-          </a:p>
-          <a:p>
-            <a:r>
-              <a:rPr lang="en-GB" dirty="0"/>
-              <a:t>Type:           Float64</a:t>
-            </a:r>
-          </a:p>
-          <a:p>
-            <a:endParaRPr lang="en-GB" dirty="0"/>
-          </a:p>
-          <a:p>
-            <a:r>
-              <a:rPr lang="en-GB" dirty="0"/>
-              <a:t>% of early detect by ES: 74.29</a:t>
-            </a:r>
-          </a:p>
-        </p:txBody>
-      </p:sp>
+        </p:spPr>
+      </p:pic>
       <p:pic>
         <p:nvPicPr>
-          <p:cNvPr id="15364" name="Picture 4">
-            <a:extLst>
-              <a:ext uri="{FF2B5EF4-FFF2-40B4-BE49-F238E27FC236}">
-                <a16:creationId xmlns:a16="http://schemas.microsoft.com/office/drawing/2014/main" id="{1BED4D0D-CB59-22AE-0A39-79EA674EBB06}"/>
+          <p:cNvPr id="1028" name="Picture 4">
+            <a:extLst>
+              <a:ext uri="{FF2B5EF4-FFF2-40B4-BE49-F238E27FC236}">
+                <a16:creationId xmlns:a16="http://schemas.microsoft.com/office/drawing/2014/main" id="{77AB1DDF-4D88-3A2A-3076-98D6833FE6C9}"/>
               </a:ext>
             </a:extLst>
           </p:cNvPr>
@@ -4842,7 +4398,7 @@
           <p:nvPr/>
         </p:nvPicPr>
         <p:blipFill>
-          <a:blip r:embed="rId2">
+          <a:blip r:embed="rId3">
             <a:extLst>
               <a:ext uri="{28A0092B-C50C-407E-A947-70E740481C1C}">
                 <a14:useLocalDpi xmlns:a14="http://schemas.microsoft.com/office/drawing/2010/main" val="0"/>
@@ -4856,13 +4412,18 @@
         </p:blipFill>
         <p:spPr bwMode="auto">
           <a:xfrm>
-            <a:off x="910052" y="1141966"/>
-            <a:ext cx="2847975" cy="4752975"/>
+            <a:off x="7325139" y="3456791"/>
+            <a:ext cx="4866861" cy="3244574"/>
           </a:xfrm>
           <a:prstGeom prst="rect">
             <a:avLst/>
           </a:prstGeom>
           <a:noFill/>
+          <a:ln>
+            <a:solidFill>
+              <a:schemeClr val="tx1"/>
+            </a:solidFill>
+          </a:ln>
           <a:extLst>
             <a:ext uri="{909E8E84-426E-40DD-AFC4-6F175D3DCCD1}">
               <a14:hiddenFill xmlns:a14="http://schemas.microsoft.com/office/drawing/2010/main">
@@ -4877,7 +4438,7 @@
     </p:spTree>
     <p:extLst>
       <p:ext uri="{BB962C8B-B14F-4D97-AF65-F5344CB8AC3E}">
-        <p14:creationId xmlns:p14="http://schemas.microsoft.com/office/powerpoint/2010/main" val="855448318"/>
+        <p14:creationId xmlns:p14="http://schemas.microsoft.com/office/powerpoint/2010/main" val="859445403"/>
       </p:ext>
     </p:extLst>
   </p:cSld>
@@ -4906,10 +4467,10 @@
       </p:grpSpPr>
       <p:sp>
         <p:nvSpPr>
-          <p:cNvPr id="4" name="TextBox 3">
-            <a:extLst>
-              <a:ext uri="{FF2B5EF4-FFF2-40B4-BE49-F238E27FC236}">
-                <a16:creationId xmlns:a16="http://schemas.microsoft.com/office/drawing/2014/main" id="{ABEE0C82-F408-6D35-B781-73856423EC64}"/>
+          <p:cNvPr id="9" name="TextBox 8">
+            <a:extLst>
+              <a:ext uri="{FF2B5EF4-FFF2-40B4-BE49-F238E27FC236}">
+                <a16:creationId xmlns:a16="http://schemas.microsoft.com/office/drawing/2014/main" id="{635CF120-045E-FD60-9B2F-763A35F1F8F2}"/>
               </a:ext>
             </a:extLst>
           </p:cNvPr>
@@ -4918,8 +4479,8 @@
         </p:nvSpPr>
         <p:spPr>
           <a:xfrm>
-            <a:off x="2830135" y="3167390"/>
-            <a:ext cx="6531729" cy="523220"/>
+            <a:off x="280555" y="83127"/>
+            <a:ext cx="5694218" cy="646331"/>
           </a:xfrm>
           <a:prstGeom prst="rect">
             <a:avLst/>
@@ -4933,17 +4494,172 @@
           <a:lstStyle/>
           <a:p>
             <a:r>
-              <a:rPr lang="en-GB" sz="2800" b="1" dirty="0"/>
-              <a:t>Sensitivity analysis results for R0=1.05</a:t>
-            </a:r>
-            <a:endParaRPr lang="en-GB" sz="2800" dirty="0"/>
+              <a:rPr lang="en-GB" b="1" dirty="0"/>
+              <a:t>Statistics for AFP cases, Surveillance situation., R0=1.05</a:t>
+            </a:r>
+          </a:p>
+          <a:p>
+            <a:r>
+              <a:rPr lang="en-GB" b="1" dirty="0"/>
+              <a:t>Lead time for ES over AFP surveillance</a:t>
+            </a:r>
+          </a:p>
+        </p:txBody>
+      </p:sp>
+      <p:pic>
+        <p:nvPicPr>
+          <p:cNvPr id="7170" name="Picture 2">
+            <a:extLst>
+              <a:ext uri="{FF2B5EF4-FFF2-40B4-BE49-F238E27FC236}">
+                <a16:creationId xmlns:a16="http://schemas.microsoft.com/office/drawing/2014/main" id="{AAB77CF0-1943-CFE4-CA83-7362CB1E7386}"/>
+              </a:ext>
+            </a:extLst>
+          </p:cNvPr>
+          <p:cNvPicPr>
+            <a:picLocks noChangeAspect="1" noChangeArrowheads="1"/>
+          </p:cNvPicPr>
+          <p:nvPr/>
+        </p:nvPicPr>
+        <p:blipFill>
+          <a:blip r:embed="rId2">
+            <a:extLst>
+              <a:ext uri="{28A0092B-C50C-407E-A947-70E740481C1C}">
+                <a14:useLocalDpi xmlns:a14="http://schemas.microsoft.com/office/drawing/2010/main" val="0"/>
+              </a:ext>
+            </a:extLst>
+          </a:blip>
+          <a:srcRect/>
+          <a:stretch>
+            <a:fillRect/>
+          </a:stretch>
+        </p:blipFill>
+        <p:spPr bwMode="auto">
+          <a:xfrm>
+            <a:off x="764548" y="1052512"/>
+            <a:ext cx="2847975" cy="4752975"/>
+          </a:xfrm>
+          <a:prstGeom prst="rect">
+            <a:avLst/>
+          </a:prstGeom>
+          <a:noFill/>
+          <a:ln>
+            <a:solidFill>
+              <a:schemeClr val="tx1"/>
+            </a:solidFill>
+          </a:ln>
+          <a:extLst>
+            <a:ext uri="{909E8E84-426E-40DD-AFC4-6F175D3DCCD1}">
+              <a14:hiddenFill xmlns:a14="http://schemas.microsoft.com/office/drawing/2010/main">
+                <a:solidFill>
+                  <a:srgbClr val="FFFFFF"/>
+                </a:solidFill>
+              </a14:hiddenFill>
+            </a:ext>
+          </a:extLst>
+        </p:spPr>
+      </p:pic>
+      <p:sp>
+        <p:nvSpPr>
+          <p:cNvPr id="2" name="TextBox 1">
+            <a:extLst>
+              <a:ext uri="{FF2B5EF4-FFF2-40B4-BE49-F238E27FC236}">
+                <a16:creationId xmlns:a16="http://schemas.microsoft.com/office/drawing/2014/main" id="{0388309C-33EA-60D3-FFF0-7A441E2474B1}"/>
+              </a:ext>
+            </a:extLst>
+          </p:cNvPr>
+          <p:cNvSpPr txBox="1"/>
+          <p:nvPr/>
+        </p:nvSpPr>
+        <p:spPr>
+          <a:xfrm>
+            <a:off x="4460358" y="1201479"/>
+            <a:ext cx="4513521" cy="3416320"/>
+          </a:xfrm>
+          <a:prstGeom prst="rect">
+            <a:avLst/>
+          </a:prstGeom>
+          <a:noFill/>
+        </p:spPr>
+        <p:txBody>
+          <a:bodyPr wrap="square" rtlCol="0">
+            <a:spAutoFit/>
+          </a:bodyPr>
+          <a:lstStyle/>
+          <a:p>
+            <a:r>
+              <a:rPr lang="en-GB" dirty="0"/>
+              <a:t>Summary Stats:</a:t>
+            </a:r>
+          </a:p>
+          <a:p>
+            <a:r>
+              <a:rPr lang="en-GB" dirty="0"/>
+              <a:t>Length:         465</a:t>
+            </a:r>
+          </a:p>
+          <a:p>
+            <a:r>
+              <a:rPr lang="en-GB" dirty="0"/>
+              <a:t>Missing Count:  0</a:t>
+            </a:r>
+          </a:p>
+          <a:p>
+            <a:r>
+              <a:rPr lang="en-GB" dirty="0"/>
+              <a:t>Mean:           120.593548</a:t>
+            </a:r>
+          </a:p>
+          <a:p>
+            <a:r>
+              <a:rPr lang="en-GB" dirty="0"/>
+              <a:t>Minimum:        -901.000000</a:t>
+            </a:r>
+          </a:p>
+          <a:p>
+            <a:r>
+              <a:rPr lang="en-GB" dirty="0"/>
+              <a:t>1st Quartile:   10.000000</a:t>
+            </a:r>
+          </a:p>
+          <a:p>
+            <a:r>
+              <a:rPr lang="en-GB" dirty="0"/>
+              <a:t>Median:         129.000000</a:t>
+            </a:r>
+          </a:p>
+          <a:p>
+            <a:r>
+              <a:rPr lang="en-GB" dirty="0"/>
+              <a:t>3rd Quartile:   248.000000</a:t>
+            </a:r>
+          </a:p>
+          <a:p>
+            <a:r>
+              <a:rPr lang="en-GB" dirty="0"/>
+              <a:t>Maximum:        862.000000</a:t>
+            </a:r>
+          </a:p>
+          <a:p>
+            <a:r>
+              <a:rPr lang="en-GB" dirty="0"/>
+              <a:t>Type:           Float64</a:t>
+            </a:r>
+          </a:p>
+          <a:p>
+            <a:endParaRPr lang="en-GB" dirty="0"/>
+          </a:p>
+          <a:p>
+            <a:r>
+              <a:rPr lang="en-GB" dirty="0"/>
+              <a:t>% of early detect by ES: 77.2</a:t>
+            </a:r>
           </a:p>
         </p:txBody>
       </p:sp>
     </p:spTree>
     <p:extLst>
       <p:ext uri="{BB962C8B-B14F-4D97-AF65-F5344CB8AC3E}">
-        <p14:creationId xmlns:p14="http://schemas.microsoft.com/office/powerpoint/2010/main" val="2208447136"/>
+        <p14:creationId xmlns:p14="http://schemas.microsoft.com/office/powerpoint/2010/main" val="1220156200"/>
       </p:ext>
     </p:extLst>
   </p:cSld>
@@ -4972,10 +4688,10 @@
       </p:grpSpPr>
       <p:sp>
         <p:nvSpPr>
-          <p:cNvPr id="6" name="TextBox 5">
-            <a:extLst>
-              <a:ext uri="{FF2B5EF4-FFF2-40B4-BE49-F238E27FC236}">
-                <a16:creationId xmlns:a16="http://schemas.microsoft.com/office/drawing/2014/main" id="{4F0F35B9-2DAA-0B3E-60D4-81272233020B}"/>
+          <p:cNvPr id="9" name="TextBox 8">
+            <a:extLst>
+              <a:ext uri="{FF2B5EF4-FFF2-40B4-BE49-F238E27FC236}">
+                <a16:creationId xmlns:a16="http://schemas.microsoft.com/office/drawing/2014/main" id="{635CF120-045E-FD60-9B2F-763A35F1F8F2}"/>
               </a:ext>
             </a:extLst>
           </p:cNvPr>
@@ -4984,8 +4700,8 @@
         </p:nvSpPr>
         <p:spPr>
           <a:xfrm>
-            <a:off x="435934" y="175437"/>
-            <a:ext cx="8548577" cy="923330"/>
+            <a:off x="280555" y="83127"/>
+            <a:ext cx="5694218" cy="369332"/>
           </a:xfrm>
           <a:prstGeom prst="rect">
             <a:avLst/>
@@ -5000,38 +4716,86 @@
           <a:p>
             <a:r>
               <a:rPr lang="en-GB" b="1" dirty="0"/>
-              <a:t>Hazard g</a:t>
-            </a:r>
-          </a:p>
-          <a:p>
-            <a:r>
-              <a:rPr lang="en-US" altLang="ja-JP" dirty="0"/>
-              <a:t>g is chosen such that </a:t>
-            </a:r>
-            <a:r>
-              <a:rPr lang="en-US" altLang="ja-JP" dirty="0" err="1"/>
-              <a:t>ωt</a:t>
-            </a:r>
-            <a:r>
-              <a:rPr lang="en-US" altLang="ja-JP" dirty="0"/>
-              <a:t> = 1 – e(g*N_pop90) = 0.9  </a:t>
-            </a:r>
-          </a:p>
-          <a:p>
-            <a:r>
-              <a:rPr lang="en-US" altLang="ja-JP" dirty="0"/>
-              <a:t>Baseline value is N_pop90 = 10 </a:t>
-            </a:r>
-            <a:endParaRPr lang="ja-JP" altLang="en-US" dirty="0"/>
+              <a:t>Statistics for AFP cases, Surveillance situation., R0=1.1</a:t>
+            </a:r>
+          </a:p>
+        </p:txBody>
+      </p:sp>
+      <p:sp>
+        <p:nvSpPr>
+          <p:cNvPr id="2" name="TextBox 1">
+            <a:extLst>
+              <a:ext uri="{FF2B5EF4-FFF2-40B4-BE49-F238E27FC236}">
+                <a16:creationId xmlns:a16="http://schemas.microsoft.com/office/drawing/2014/main" id="{80B1CD49-F877-3565-9CB1-FEB69916D527}"/>
+              </a:ext>
+            </a:extLst>
+          </p:cNvPr>
+          <p:cNvSpPr txBox="1"/>
+          <p:nvPr/>
+        </p:nvSpPr>
+        <p:spPr>
+          <a:xfrm>
+            <a:off x="5507590" y="4452639"/>
+            <a:ext cx="5523187" cy="1754326"/>
+          </a:xfrm>
+          <a:prstGeom prst="rect">
+            <a:avLst/>
+          </a:prstGeom>
+          <a:noFill/>
+        </p:spPr>
+        <p:txBody>
+          <a:bodyPr wrap="square" rtlCol="0">
+            <a:spAutoFit/>
+          </a:bodyPr>
+          <a:lstStyle/>
+          <a:p>
+            <a:r>
+              <a:rPr lang="en-GB" dirty="0" err="1"/>
+              <a:t>Dict</a:t>
+            </a:r>
+            <a:r>
+              <a:rPr lang="en-GB" dirty="0"/>
+              <a:t>{Any, Int64} with 4 entries:</a:t>
+            </a:r>
+          </a:p>
+          <a:p>
+            <a:r>
+              <a:rPr lang="en-GB" dirty="0"/>
+              <a:t>  "Both"     =&gt; 673</a:t>
+            </a:r>
+          </a:p>
+          <a:p>
+            <a:r>
+              <a:rPr lang="en-GB" dirty="0"/>
+              <a:t>  "Neither"  =&gt; 3790</a:t>
+            </a:r>
+          </a:p>
+          <a:p>
+            <a:r>
+              <a:rPr lang="en-GB" dirty="0"/>
+              <a:t>  "ES only"  =&gt; 406</a:t>
+            </a:r>
+          </a:p>
+          <a:p>
+            <a:r>
+              <a:rPr lang="en-GB" dirty="0"/>
+              <a:t>  "AFP only" =&gt; 131</a:t>
+            </a:r>
+          </a:p>
+          <a:p>
+            <a:r>
+              <a:rPr lang="en-GB" dirty="0"/>
+              <a:t>Mean ES: 116.6 days, Mean AFP: 242.4 days</a:t>
+            </a:r>
           </a:p>
         </p:txBody>
       </p:sp>
       <p:pic>
         <p:nvPicPr>
-          <p:cNvPr id="8202" name="Picture 10">
-            <a:extLst>
-              <a:ext uri="{FF2B5EF4-FFF2-40B4-BE49-F238E27FC236}">
-                <a16:creationId xmlns:a16="http://schemas.microsoft.com/office/drawing/2014/main" id="{0A11FEA0-F047-9730-4C05-619FA13DE6D0}"/>
+          <p:cNvPr id="6150" name="Picture 6">
+            <a:extLst>
+              <a:ext uri="{FF2B5EF4-FFF2-40B4-BE49-F238E27FC236}">
+                <a16:creationId xmlns:a16="http://schemas.microsoft.com/office/drawing/2014/main" id="{A4D5FA3F-0FCE-BD41-0EF0-C9F77422D0E4}"/>
               </a:ext>
             </a:extLst>
           </p:cNvPr>
@@ -5055,8 +4819,8 @@
         </p:blipFill>
         <p:spPr bwMode="auto">
           <a:xfrm>
-            <a:off x="204876" y="1406013"/>
-            <a:ext cx="5715000" cy="3810000"/>
+            <a:off x="144117" y="574813"/>
+            <a:ext cx="6264966" cy="3132483"/>
           </a:xfrm>
           <a:prstGeom prst="rect">
             <a:avLst/>
@@ -5080,10 +4844,10 @@
       </p:pic>
       <p:pic>
         <p:nvPicPr>
-          <p:cNvPr id="8204" name="Picture 12">
-            <a:extLst>
-              <a:ext uri="{FF2B5EF4-FFF2-40B4-BE49-F238E27FC236}">
-                <a16:creationId xmlns:a16="http://schemas.microsoft.com/office/drawing/2014/main" id="{8852C37A-315A-993D-4DB9-DEA323F36B4F}"/>
+          <p:cNvPr id="6156" name="Picture 12">
+            <a:extLst>
+              <a:ext uri="{FF2B5EF4-FFF2-40B4-BE49-F238E27FC236}">
+                <a16:creationId xmlns:a16="http://schemas.microsoft.com/office/drawing/2014/main" id="{C8E41C05-8D71-A13F-DC17-4E094C185E22}"/>
               </a:ext>
             </a:extLst>
           </p:cNvPr>
@@ -5107,8 +4871,8 @@
         </p:blipFill>
         <p:spPr bwMode="auto">
           <a:xfrm>
-            <a:off x="6035778" y="1440426"/>
-            <a:ext cx="5715000" cy="3810000"/>
+            <a:off x="6637683" y="267793"/>
+            <a:ext cx="5347358" cy="3564905"/>
           </a:xfrm>
           <a:prstGeom prst="rect">
             <a:avLst/>
@@ -5130,10 +4894,62 @@
           </a:extLst>
         </p:spPr>
       </p:pic>
+      <p:pic>
+        <p:nvPicPr>
+          <p:cNvPr id="6160" name="Picture 16">
+            <a:extLst>
+              <a:ext uri="{FF2B5EF4-FFF2-40B4-BE49-F238E27FC236}">
+                <a16:creationId xmlns:a16="http://schemas.microsoft.com/office/drawing/2014/main" id="{97362857-1EFA-6138-ABC8-A8AB63A81993}"/>
+              </a:ext>
+            </a:extLst>
+          </p:cNvPr>
+          <p:cNvPicPr>
+            <a:picLocks noChangeAspect="1" noChangeArrowheads="1"/>
+          </p:cNvPicPr>
+          <p:nvPr/>
+        </p:nvPicPr>
+        <p:blipFill>
+          <a:blip r:embed="rId4">
+            <a:extLst>
+              <a:ext uri="{28A0092B-C50C-407E-A947-70E740481C1C}">
+                <a14:useLocalDpi xmlns:a14="http://schemas.microsoft.com/office/drawing/2010/main" val="0"/>
+              </a:ext>
+            </a:extLst>
+          </a:blip>
+          <a:srcRect/>
+          <a:stretch>
+            <a:fillRect/>
+          </a:stretch>
+        </p:blipFill>
+        <p:spPr bwMode="auto">
+          <a:xfrm>
+            <a:off x="280555" y="3881709"/>
+            <a:ext cx="4265650" cy="2843767"/>
+          </a:xfrm>
+          <a:prstGeom prst="rect">
+            <a:avLst/>
+          </a:prstGeom>
+          <a:noFill/>
+          <a:ln>
+            <a:solidFill>
+              <a:schemeClr val="tx1"/>
+            </a:solidFill>
+          </a:ln>
+          <a:extLst>
+            <a:ext uri="{909E8E84-426E-40DD-AFC4-6F175D3DCCD1}">
+              <a14:hiddenFill xmlns:a14="http://schemas.microsoft.com/office/drawing/2010/main">
+                <a:solidFill>
+                  <a:srgbClr val="FFFFFF"/>
+                </a:solidFill>
+              </a14:hiddenFill>
+            </a:ext>
+          </a:extLst>
+        </p:spPr>
+      </p:pic>
     </p:spTree>
     <p:extLst>
       <p:ext uri="{BB962C8B-B14F-4D97-AF65-F5344CB8AC3E}">
-        <p14:creationId xmlns:p14="http://schemas.microsoft.com/office/powerpoint/2010/main" val="1710072512"/>
+        <p14:creationId xmlns:p14="http://schemas.microsoft.com/office/powerpoint/2010/main" val="3428969190"/>
       </p:ext>
     </p:extLst>
   </p:cSld>
@@ -5162,10 +4978,10 @@
       </p:grpSpPr>
       <p:sp>
         <p:nvSpPr>
-          <p:cNvPr id="3" name="TextBox 2">
-            <a:extLst>
-              <a:ext uri="{FF2B5EF4-FFF2-40B4-BE49-F238E27FC236}">
-                <a16:creationId xmlns:a16="http://schemas.microsoft.com/office/drawing/2014/main" id="{93EFAB99-6B62-2146-070E-8825C72BC120}"/>
+          <p:cNvPr id="9" name="TextBox 8">
+            <a:extLst>
+              <a:ext uri="{FF2B5EF4-FFF2-40B4-BE49-F238E27FC236}">
+                <a16:creationId xmlns:a16="http://schemas.microsoft.com/office/drawing/2014/main" id="{635CF120-045E-FD60-9B2F-763A35F1F8F2}"/>
               </a:ext>
             </a:extLst>
           </p:cNvPr>
@@ -5174,8 +4990,8 @@
         </p:nvSpPr>
         <p:spPr>
           <a:xfrm>
-            <a:off x="416270" y="175437"/>
-            <a:ext cx="8548577" cy="646331"/>
+            <a:off x="280555" y="83127"/>
+            <a:ext cx="5694218" cy="646331"/>
           </a:xfrm>
           <a:prstGeom prst="rect">
             <a:avLst/>
@@ -5190,23 +5006,121 @@
           <a:p>
             <a:r>
               <a:rPr lang="en-GB" b="1" dirty="0"/>
-              <a:t>Frequency of environmental sampling</a:t>
-            </a:r>
-          </a:p>
+              <a:t>Statistics for AFP cases, Surveillance situation., R0=1.1</a:t>
+            </a:r>
+          </a:p>
+          <a:p>
+            <a:r>
+              <a:rPr lang="en-GB" b="1" dirty="0"/>
+              <a:t>Lead time for ES over AFP surveillance</a:t>
+            </a:r>
+          </a:p>
+        </p:txBody>
+      </p:sp>
+      <p:sp>
+        <p:nvSpPr>
+          <p:cNvPr id="2" name="TextBox 1">
+            <a:extLst>
+              <a:ext uri="{FF2B5EF4-FFF2-40B4-BE49-F238E27FC236}">
+                <a16:creationId xmlns:a16="http://schemas.microsoft.com/office/drawing/2014/main" id="{0388309C-33EA-60D3-FFF0-7A441E2474B1}"/>
+              </a:ext>
+            </a:extLst>
+          </p:cNvPr>
+          <p:cNvSpPr txBox="1"/>
+          <p:nvPr/>
+        </p:nvSpPr>
+        <p:spPr>
+          <a:xfrm>
+            <a:off x="4460358" y="1201479"/>
+            <a:ext cx="4513521" cy="3416320"/>
+          </a:xfrm>
+          <a:prstGeom prst="rect">
+            <a:avLst/>
+          </a:prstGeom>
+          <a:noFill/>
+        </p:spPr>
+        <p:txBody>
+          <a:bodyPr wrap="square" rtlCol="0">
+            <a:spAutoFit/>
+          </a:bodyPr>
+          <a:lstStyle/>
           <a:p>
             <a:r>
               <a:rPr lang="en-GB" dirty="0"/>
-              <a:t>Baseline value is 30 days</a:t>
+              <a:t>Summary Stats:</a:t>
+            </a:r>
+          </a:p>
+          <a:p>
+            <a:r>
+              <a:rPr lang="en-GB" dirty="0"/>
+              <a:t>Length:         673</a:t>
+            </a:r>
+          </a:p>
+          <a:p>
+            <a:r>
+              <a:rPr lang="en-GB" dirty="0"/>
+              <a:t>Missing Count:  0</a:t>
+            </a:r>
+          </a:p>
+          <a:p>
+            <a:r>
+              <a:rPr lang="en-GB" dirty="0"/>
+              <a:t>Mean:           87.704309</a:t>
+            </a:r>
+          </a:p>
+          <a:p>
+            <a:r>
+              <a:rPr lang="en-GB" dirty="0"/>
+              <a:t>Minimum:        -972.000000</a:t>
+            </a:r>
+          </a:p>
+          <a:p>
+            <a:r>
+              <a:rPr lang="en-GB" dirty="0"/>
+              <a:t>1st Quartile:   -5.000000</a:t>
+            </a:r>
+          </a:p>
+          <a:p>
+            <a:r>
+              <a:rPr lang="en-GB" dirty="0"/>
+              <a:t>Median:         103.000000</a:t>
+            </a:r>
+          </a:p>
+          <a:p>
+            <a:r>
+              <a:rPr lang="en-GB" dirty="0"/>
+              <a:t>3rd Quartile:   221.000000</a:t>
+            </a:r>
+          </a:p>
+          <a:p>
+            <a:r>
+              <a:rPr lang="en-GB" dirty="0"/>
+              <a:t>Maximum:        829.000000</a:t>
+            </a:r>
+          </a:p>
+          <a:p>
+            <a:r>
+              <a:rPr lang="en-GB" dirty="0"/>
+              <a:t>Type:           Float64</a:t>
+            </a:r>
+          </a:p>
+          <a:p>
+            <a:endParaRPr lang="en-GB" dirty="0"/>
+          </a:p>
+          <a:p>
+            <a:r>
+              <a:rPr lang="en-GB" dirty="0"/>
+              <a:t>% of early detect by ES: 74.29</a:t>
             </a:r>
           </a:p>
         </p:txBody>
       </p:sp>
       <p:pic>
         <p:nvPicPr>
-          <p:cNvPr id="10248" name="Picture 8">
-            <a:extLst>
-              <a:ext uri="{FF2B5EF4-FFF2-40B4-BE49-F238E27FC236}">
-                <a16:creationId xmlns:a16="http://schemas.microsoft.com/office/drawing/2014/main" id="{17534B77-DABD-540F-6D7E-EFC6BBF5E8E9}"/>
+          <p:cNvPr id="15364" name="Picture 4">
+            <a:extLst>
+              <a:ext uri="{FF2B5EF4-FFF2-40B4-BE49-F238E27FC236}">
+                <a16:creationId xmlns:a16="http://schemas.microsoft.com/office/drawing/2014/main" id="{1BED4D0D-CB59-22AE-0A39-79EA674EBB06}"/>
               </a:ext>
             </a:extLst>
           </p:cNvPr>
@@ -5230,18 +5144,13 @@
         </p:blipFill>
         <p:spPr bwMode="auto">
           <a:xfrm>
-            <a:off x="161003" y="1568245"/>
-            <a:ext cx="5715000" cy="3810000"/>
+            <a:off x="910052" y="1141966"/>
+            <a:ext cx="2847975" cy="4752975"/>
           </a:xfrm>
           <a:prstGeom prst="rect">
             <a:avLst/>
           </a:prstGeom>
           <a:noFill/>
-          <a:ln>
-            <a:solidFill>
-              <a:schemeClr val="tx1"/>
-            </a:solidFill>
-          </a:ln>
           <a:extLst>
             <a:ext uri="{909E8E84-426E-40DD-AFC4-6F175D3DCCD1}">
               <a14:hiddenFill xmlns:a14="http://schemas.microsoft.com/office/drawing/2010/main">
@@ -5253,62 +5162,10 @@
           </a:extLst>
         </p:spPr>
       </p:pic>
-      <p:pic>
-        <p:nvPicPr>
-          <p:cNvPr id="10250" name="Picture 10">
-            <a:extLst>
-              <a:ext uri="{FF2B5EF4-FFF2-40B4-BE49-F238E27FC236}">
-                <a16:creationId xmlns:a16="http://schemas.microsoft.com/office/drawing/2014/main" id="{C678CA34-33E4-FA4C-6789-2E27C680DB24}"/>
-              </a:ext>
-            </a:extLst>
-          </p:cNvPr>
-          <p:cNvPicPr>
-            <a:picLocks noChangeAspect="1" noChangeArrowheads="1"/>
-          </p:cNvPicPr>
-          <p:nvPr/>
-        </p:nvPicPr>
-        <p:blipFill>
-          <a:blip r:embed="rId3">
-            <a:extLst>
-              <a:ext uri="{28A0092B-C50C-407E-A947-70E740481C1C}">
-                <a14:useLocalDpi xmlns:a14="http://schemas.microsoft.com/office/drawing/2010/main" val="0"/>
-              </a:ext>
-            </a:extLst>
-          </a:blip>
-          <a:srcRect/>
-          <a:stretch>
-            <a:fillRect/>
-          </a:stretch>
-        </p:blipFill>
-        <p:spPr bwMode="auto">
-          <a:xfrm>
-            <a:off x="6107347" y="1524000"/>
-            <a:ext cx="5715000" cy="3810000"/>
-          </a:xfrm>
-          <a:prstGeom prst="rect">
-            <a:avLst/>
-          </a:prstGeom>
-          <a:noFill/>
-          <a:ln>
-            <a:solidFill>
-              <a:schemeClr val="tx1"/>
-            </a:solidFill>
-          </a:ln>
-          <a:extLst>
-            <a:ext uri="{909E8E84-426E-40DD-AFC4-6F175D3DCCD1}">
-              <a14:hiddenFill xmlns:a14="http://schemas.microsoft.com/office/drawing/2010/main">
-                <a:solidFill>
-                  <a:srgbClr val="FFFFFF"/>
-                </a:solidFill>
-              </a14:hiddenFill>
-            </a:ext>
-          </a:extLst>
-        </p:spPr>
-      </p:pic>
     </p:spTree>
     <p:extLst>
       <p:ext uri="{BB962C8B-B14F-4D97-AF65-F5344CB8AC3E}">
-        <p14:creationId xmlns:p14="http://schemas.microsoft.com/office/powerpoint/2010/main" val="4187674542"/>
+        <p14:creationId xmlns:p14="http://schemas.microsoft.com/office/powerpoint/2010/main" val="855448318"/>
       </p:ext>
     </p:extLst>
   </p:cSld>
@@ -5337,10 +5194,10 @@
       </p:grpSpPr>
       <p:sp>
         <p:nvSpPr>
-          <p:cNvPr id="2" name="TextBox 1">
-            <a:extLst>
-              <a:ext uri="{FF2B5EF4-FFF2-40B4-BE49-F238E27FC236}">
-                <a16:creationId xmlns:a16="http://schemas.microsoft.com/office/drawing/2014/main" id="{39BCAFD5-AE2B-84E9-04C9-CCC27CA48491}"/>
+          <p:cNvPr id="4" name="TextBox 3">
+            <a:extLst>
+              <a:ext uri="{FF2B5EF4-FFF2-40B4-BE49-F238E27FC236}">
+                <a16:creationId xmlns:a16="http://schemas.microsoft.com/office/drawing/2014/main" id="{ABEE0C82-F408-6D35-B781-73856423EC64}"/>
               </a:ext>
             </a:extLst>
           </p:cNvPr>
@@ -5349,8 +5206,8 @@
         </p:nvSpPr>
         <p:spPr>
           <a:xfrm>
-            <a:off x="435934" y="175437"/>
-            <a:ext cx="8548577" cy="923330"/>
+            <a:off x="2830135" y="3167390"/>
+            <a:ext cx="6531729" cy="523220"/>
           </a:xfrm>
           <a:prstGeom prst="rect">
             <a:avLst/>
@@ -5364,129 +5221,17 @@
           <a:lstStyle/>
           <a:p>
             <a:r>
-              <a:rPr lang="en-GB" b="1" dirty="0"/>
-              <a:t>ES catchment area based on area (square, index)</a:t>
-            </a:r>
-          </a:p>
-          <a:p>
-            <a:r>
-              <a:rPr lang="en-GB" dirty="0"/>
-              <a:t>ES area is chosen in the order of large population area. </a:t>
-            </a:r>
-          </a:p>
-          <a:p>
-            <a:endParaRPr lang="en-GB" dirty="0"/>
-          </a:p>
-        </p:txBody>
-      </p:sp>
-      <p:pic>
-        <p:nvPicPr>
-          <p:cNvPr id="12290" name="Picture 2">
-            <a:extLst>
-              <a:ext uri="{FF2B5EF4-FFF2-40B4-BE49-F238E27FC236}">
-                <a16:creationId xmlns:a16="http://schemas.microsoft.com/office/drawing/2014/main" id="{C69C3A3A-6D94-8322-4D11-F8B4B8E90E53}"/>
-              </a:ext>
-            </a:extLst>
-          </p:cNvPr>
-          <p:cNvPicPr>
-            <a:picLocks noChangeAspect="1" noChangeArrowheads="1"/>
-          </p:cNvPicPr>
-          <p:nvPr/>
-        </p:nvPicPr>
-        <p:blipFill>
-          <a:blip r:embed="rId2">
-            <a:extLst>
-              <a:ext uri="{28A0092B-C50C-407E-A947-70E740481C1C}">
-                <a14:useLocalDpi xmlns:a14="http://schemas.microsoft.com/office/drawing/2010/main" val="0"/>
-              </a:ext>
-            </a:extLst>
-          </a:blip>
-          <a:srcRect/>
-          <a:stretch>
-            <a:fillRect/>
-          </a:stretch>
-        </p:blipFill>
-        <p:spPr bwMode="auto">
-          <a:xfrm>
-            <a:off x="141338" y="1573162"/>
-            <a:ext cx="5715000" cy="3810000"/>
-          </a:xfrm>
-          <a:prstGeom prst="rect">
-            <a:avLst/>
-          </a:prstGeom>
-          <a:noFill/>
-          <a:ln>
-            <a:solidFill>
-              <a:schemeClr val="tx1"/>
-            </a:solidFill>
-          </a:ln>
-          <a:extLst>
-            <a:ext uri="{909E8E84-426E-40DD-AFC4-6F175D3DCCD1}">
-              <a14:hiddenFill xmlns:a14="http://schemas.microsoft.com/office/drawing/2010/main">
-                <a:solidFill>
-                  <a:srgbClr val="FFFFFF"/>
-                </a:solidFill>
-              </a14:hiddenFill>
-            </a:ext>
-          </a:extLst>
-        </p:spPr>
-      </p:pic>
-      <p:pic>
-        <p:nvPicPr>
-          <p:cNvPr id="12292" name="Picture 4">
-            <a:extLst>
-              <a:ext uri="{FF2B5EF4-FFF2-40B4-BE49-F238E27FC236}">
-                <a16:creationId xmlns:a16="http://schemas.microsoft.com/office/drawing/2014/main" id="{32B0D908-EB7E-59BB-FD31-FAAA728EEA7B}"/>
-              </a:ext>
-            </a:extLst>
-          </p:cNvPr>
-          <p:cNvPicPr>
-            <a:picLocks noChangeAspect="1" noChangeArrowheads="1"/>
-          </p:cNvPicPr>
-          <p:nvPr/>
-        </p:nvPicPr>
-        <p:blipFill>
-          <a:blip r:embed="rId3">
-            <a:extLst>
-              <a:ext uri="{28A0092B-C50C-407E-A947-70E740481C1C}">
-                <a14:useLocalDpi xmlns:a14="http://schemas.microsoft.com/office/drawing/2010/main" val="0"/>
-              </a:ext>
-            </a:extLst>
-          </a:blip>
-          <a:srcRect/>
-          <a:stretch>
-            <a:fillRect/>
-          </a:stretch>
-        </p:blipFill>
-        <p:spPr bwMode="auto">
-          <a:xfrm>
-            <a:off x="5996449" y="1573162"/>
-            <a:ext cx="5715000" cy="3810000"/>
-          </a:xfrm>
-          <a:prstGeom prst="rect">
-            <a:avLst/>
-          </a:prstGeom>
-          <a:noFill/>
-          <a:ln>
-            <a:solidFill>
-              <a:schemeClr val="tx1"/>
-            </a:solidFill>
-          </a:ln>
-          <a:extLst>
-            <a:ext uri="{909E8E84-426E-40DD-AFC4-6F175D3DCCD1}">
-              <a14:hiddenFill xmlns:a14="http://schemas.microsoft.com/office/drawing/2010/main">
-                <a:solidFill>
-                  <a:srgbClr val="FFFFFF"/>
-                </a:solidFill>
-              </a14:hiddenFill>
-            </a:ext>
-          </a:extLst>
-        </p:spPr>
-      </p:pic>
+              <a:rPr lang="en-GB" sz="2800" b="1" dirty="0"/>
+              <a:t>Sensitivity analysis results for R0=1.05</a:t>
+            </a:r>
+            <a:endParaRPr lang="en-GB" sz="2800" dirty="0"/>
+          </a:p>
+        </p:txBody>
+      </p:sp>
     </p:spTree>
     <p:extLst>
       <p:ext uri="{BB962C8B-B14F-4D97-AF65-F5344CB8AC3E}">
-        <p14:creationId xmlns:p14="http://schemas.microsoft.com/office/powerpoint/2010/main" val="2184642556"/>
+        <p14:creationId xmlns:p14="http://schemas.microsoft.com/office/powerpoint/2010/main" val="2208447136"/>
       </p:ext>
     </p:extLst>
   </p:cSld>
@@ -5515,10 +5260,10 @@
       </p:grpSpPr>
       <p:sp>
         <p:nvSpPr>
-          <p:cNvPr id="2" name="TextBox 1">
-            <a:extLst>
-              <a:ext uri="{FF2B5EF4-FFF2-40B4-BE49-F238E27FC236}">
-                <a16:creationId xmlns:a16="http://schemas.microsoft.com/office/drawing/2014/main" id="{79C8D95D-FD5F-3F0F-C9C9-DE6FA412AFB7}"/>
+          <p:cNvPr id="6" name="TextBox 5">
+            <a:extLst>
+              <a:ext uri="{FF2B5EF4-FFF2-40B4-BE49-F238E27FC236}">
+                <a16:creationId xmlns:a16="http://schemas.microsoft.com/office/drawing/2014/main" id="{4F0F35B9-2DAA-0B3E-60D4-81272233020B}"/>
               </a:ext>
             </a:extLst>
           </p:cNvPr>
@@ -5528,7 +5273,7 @@
         <p:spPr>
           <a:xfrm>
             <a:off x="435934" y="175437"/>
-            <a:ext cx="8548577" cy="646331"/>
+            <a:ext cx="8548577" cy="923330"/>
           </a:xfrm>
           <a:prstGeom prst="rect">
             <a:avLst/>
@@ -5543,23 +5288,38 @@
           <a:p>
             <a:r>
               <a:rPr lang="en-GB" b="1" dirty="0"/>
-              <a:t>ES catchment area based on the population coverage</a:t>
-            </a:r>
-          </a:p>
-          <a:p>
-            <a:r>
-              <a:rPr lang="en-GB" dirty="0"/>
-              <a:t>Baseline is population coverage = 50%.</a:t>
-            </a:r>
+              <a:t>Hazard g</a:t>
+            </a:r>
+          </a:p>
+          <a:p>
+            <a:r>
+              <a:rPr lang="en-US" altLang="ja-JP" dirty="0"/>
+              <a:t>g is chosen such that </a:t>
+            </a:r>
+            <a:r>
+              <a:rPr lang="en-US" altLang="ja-JP" dirty="0" err="1"/>
+              <a:t>ωt</a:t>
+            </a:r>
+            <a:r>
+              <a:rPr lang="en-US" altLang="ja-JP" dirty="0"/>
+              <a:t> = 1 – e(g*N_pop90) = 0.9  </a:t>
+            </a:r>
+          </a:p>
+          <a:p>
+            <a:r>
+              <a:rPr lang="en-US" altLang="ja-JP" dirty="0"/>
+              <a:t>Baseline value is N_pop90 = 10 </a:t>
+            </a:r>
+            <a:endParaRPr lang="ja-JP" altLang="en-US" dirty="0"/>
           </a:p>
         </p:txBody>
       </p:sp>
       <p:pic>
         <p:nvPicPr>
-          <p:cNvPr id="11266" name="Picture 2">
-            <a:extLst>
-              <a:ext uri="{FF2B5EF4-FFF2-40B4-BE49-F238E27FC236}">
-                <a16:creationId xmlns:a16="http://schemas.microsoft.com/office/drawing/2014/main" id="{937CD52F-13D0-6AD8-6009-0D1BFC725612}"/>
+          <p:cNvPr id="8202" name="Picture 10">
+            <a:extLst>
+              <a:ext uri="{FF2B5EF4-FFF2-40B4-BE49-F238E27FC236}">
+                <a16:creationId xmlns:a16="http://schemas.microsoft.com/office/drawing/2014/main" id="{0A11FEA0-F047-9730-4C05-619FA13DE6D0}"/>
               </a:ext>
             </a:extLst>
           </p:cNvPr>
@@ -5583,7 +5343,7 @@
         </p:blipFill>
         <p:spPr bwMode="auto">
           <a:xfrm>
-            <a:off x="200332" y="1420761"/>
+            <a:off x="204876" y="1406013"/>
             <a:ext cx="5715000" cy="3810000"/>
           </a:xfrm>
           <a:prstGeom prst="rect">
@@ -5608,10 +5368,10 @@
       </p:pic>
       <p:pic>
         <p:nvPicPr>
-          <p:cNvPr id="11268" name="Picture 4">
-            <a:extLst>
-              <a:ext uri="{FF2B5EF4-FFF2-40B4-BE49-F238E27FC236}">
-                <a16:creationId xmlns:a16="http://schemas.microsoft.com/office/drawing/2014/main" id="{176E6C92-9BAA-C32C-5350-C845596AC06F}"/>
+          <p:cNvPr id="8204" name="Picture 12">
+            <a:extLst>
+              <a:ext uri="{FF2B5EF4-FFF2-40B4-BE49-F238E27FC236}">
+                <a16:creationId xmlns:a16="http://schemas.microsoft.com/office/drawing/2014/main" id="{8852C37A-315A-993D-4DB9-DEA323F36B4F}"/>
               </a:ext>
             </a:extLst>
           </p:cNvPr>
@@ -5635,7 +5395,7 @@
         </p:blipFill>
         <p:spPr bwMode="auto">
           <a:xfrm>
-            <a:off x="6127011" y="1420761"/>
+            <a:off x="6035778" y="1440426"/>
             <a:ext cx="5715000" cy="3810000"/>
           </a:xfrm>
           <a:prstGeom prst="rect">
@@ -5661,7 +5421,7 @@
     </p:spTree>
     <p:extLst>
       <p:ext uri="{BB962C8B-B14F-4D97-AF65-F5344CB8AC3E}">
-        <p14:creationId xmlns:p14="http://schemas.microsoft.com/office/powerpoint/2010/main" val="2200771372"/>
+        <p14:creationId xmlns:p14="http://schemas.microsoft.com/office/powerpoint/2010/main" val="1710072512"/>
       </p:ext>
     </p:extLst>
   </p:cSld>
@@ -5690,6 +5450,599 @@
       </p:grpSpPr>
       <p:sp>
         <p:nvSpPr>
+          <p:cNvPr id="3" name="TextBox 2">
+            <a:extLst>
+              <a:ext uri="{FF2B5EF4-FFF2-40B4-BE49-F238E27FC236}">
+                <a16:creationId xmlns:a16="http://schemas.microsoft.com/office/drawing/2014/main" id="{93EFAB99-6B62-2146-070E-8825C72BC120}"/>
+              </a:ext>
+            </a:extLst>
+          </p:cNvPr>
+          <p:cNvSpPr txBox="1"/>
+          <p:nvPr/>
+        </p:nvSpPr>
+        <p:spPr>
+          <a:xfrm>
+            <a:off x="416270" y="175437"/>
+            <a:ext cx="8548577" cy="646331"/>
+          </a:xfrm>
+          <a:prstGeom prst="rect">
+            <a:avLst/>
+          </a:prstGeom>
+          <a:noFill/>
+        </p:spPr>
+        <p:txBody>
+          <a:bodyPr wrap="square" rtlCol="0">
+            <a:spAutoFit/>
+          </a:bodyPr>
+          <a:lstStyle/>
+          <a:p>
+            <a:r>
+              <a:rPr lang="en-GB" b="1" dirty="0"/>
+              <a:t>Frequency of environmental sampling</a:t>
+            </a:r>
+          </a:p>
+          <a:p>
+            <a:r>
+              <a:rPr lang="en-GB" dirty="0"/>
+              <a:t>Baseline value is 30 days</a:t>
+            </a:r>
+          </a:p>
+        </p:txBody>
+      </p:sp>
+      <p:pic>
+        <p:nvPicPr>
+          <p:cNvPr id="10248" name="Picture 8">
+            <a:extLst>
+              <a:ext uri="{FF2B5EF4-FFF2-40B4-BE49-F238E27FC236}">
+                <a16:creationId xmlns:a16="http://schemas.microsoft.com/office/drawing/2014/main" id="{17534B77-DABD-540F-6D7E-EFC6BBF5E8E9}"/>
+              </a:ext>
+            </a:extLst>
+          </p:cNvPr>
+          <p:cNvPicPr>
+            <a:picLocks noChangeAspect="1" noChangeArrowheads="1"/>
+          </p:cNvPicPr>
+          <p:nvPr/>
+        </p:nvPicPr>
+        <p:blipFill>
+          <a:blip r:embed="rId2">
+            <a:extLst>
+              <a:ext uri="{28A0092B-C50C-407E-A947-70E740481C1C}">
+                <a14:useLocalDpi xmlns:a14="http://schemas.microsoft.com/office/drawing/2010/main" val="0"/>
+              </a:ext>
+            </a:extLst>
+          </a:blip>
+          <a:srcRect/>
+          <a:stretch>
+            <a:fillRect/>
+          </a:stretch>
+        </p:blipFill>
+        <p:spPr bwMode="auto">
+          <a:xfrm>
+            <a:off x="161003" y="1568245"/>
+            <a:ext cx="5715000" cy="3810000"/>
+          </a:xfrm>
+          <a:prstGeom prst="rect">
+            <a:avLst/>
+          </a:prstGeom>
+          <a:noFill/>
+          <a:ln>
+            <a:solidFill>
+              <a:schemeClr val="tx1"/>
+            </a:solidFill>
+          </a:ln>
+          <a:extLst>
+            <a:ext uri="{909E8E84-426E-40DD-AFC4-6F175D3DCCD1}">
+              <a14:hiddenFill xmlns:a14="http://schemas.microsoft.com/office/drawing/2010/main">
+                <a:solidFill>
+                  <a:srgbClr val="FFFFFF"/>
+                </a:solidFill>
+              </a14:hiddenFill>
+            </a:ext>
+          </a:extLst>
+        </p:spPr>
+      </p:pic>
+      <p:pic>
+        <p:nvPicPr>
+          <p:cNvPr id="10250" name="Picture 10">
+            <a:extLst>
+              <a:ext uri="{FF2B5EF4-FFF2-40B4-BE49-F238E27FC236}">
+                <a16:creationId xmlns:a16="http://schemas.microsoft.com/office/drawing/2014/main" id="{C678CA34-33E4-FA4C-6789-2E27C680DB24}"/>
+              </a:ext>
+            </a:extLst>
+          </p:cNvPr>
+          <p:cNvPicPr>
+            <a:picLocks noChangeAspect="1" noChangeArrowheads="1"/>
+          </p:cNvPicPr>
+          <p:nvPr/>
+        </p:nvPicPr>
+        <p:blipFill>
+          <a:blip r:embed="rId3">
+            <a:extLst>
+              <a:ext uri="{28A0092B-C50C-407E-A947-70E740481C1C}">
+                <a14:useLocalDpi xmlns:a14="http://schemas.microsoft.com/office/drawing/2010/main" val="0"/>
+              </a:ext>
+            </a:extLst>
+          </a:blip>
+          <a:srcRect/>
+          <a:stretch>
+            <a:fillRect/>
+          </a:stretch>
+        </p:blipFill>
+        <p:spPr bwMode="auto">
+          <a:xfrm>
+            <a:off x="6107347" y="1524000"/>
+            <a:ext cx="5715000" cy="3810000"/>
+          </a:xfrm>
+          <a:prstGeom prst="rect">
+            <a:avLst/>
+          </a:prstGeom>
+          <a:noFill/>
+          <a:ln>
+            <a:solidFill>
+              <a:schemeClr val="tx1"/>
+            </a:solidFill>
+          </a:ln>
+          <a:extLst>
+            <a:ext uri="{909E8E84-426E-40DD-AFC4-6F175D3DCCD1}">
+              <a14:hiddenFill xmlns:a14="http://schemas.microsoft.com/office/drawing/2010/main">
+                <a:solidFill>
+                  <a:srgbClr val="FFFFFF"/>
+                </a:solidFill>
+              </a14:hiddenFill>
+            </a:ext>
+          </a:extLst>
+        </p:spPr>
+      </p:pic>
+    </p:spTree>
+    <p:extLst>
+      <p:ext uri="{BB962C8B-B14F-4D97-AF65-F5344CB8AC3E}">
+        <p14:creationId xmlns:p14="http://schemas.microsoft.com/office/powerpoint/2010/main" val="4187674542"/>
+      </p:ext>
+    </p:extLst>
+  </p:cSld>
+  <p:clrMapOvr>
+    <a:masterClrMapping/>
+  </p:clrMapOvr>
+</p:sld>
+</file>
+
+<file path=ppt/slides/slide2.xml><?xml version="1.0" encoding="utf-8"?>
+<p:sld xmlns:a="http://schemas.openxmlformats.org/drawingml/2006/main" xmlns:r="http://schemas.openxmlformats.org/officeDocument/2006/relationships" xmlns:p="http://schemas.openxmlformats.org/presentationml/2006/main">
+  <p:cSld>
+    <p:spTree>
+      <p:nvGrpSpPr>
+        <p:cNvPr id="1" name=""/>
+        <p:cNvGrpSpPr/>
+        <p:nvPr/>
+      </p:nvGrpSpPr>
+      <p:grpSpPr>
+        <a:xfrm>
+          <a:off x="0" y="0"/>
+          <a:ext cx="0" cy="0"/>
+          <a:chOff x="0" y="0"/>
+          <a:chExt cx="0" cy="0"/>
+        </a:xfrm>
+      </p:grpSpPr>
+      <p:pic>
+        <p:nvPicPr>
+          <p:cNvPr id="5" name="Picture 4">
+            <a:extLst>
+              <a:ext uri="{FF2B5EF4-FFF2-40B4-BE49-F238E27FC236}">
+                <a16:creationId xmlns:a16="http://schemas.microsoft.com/office/drawing/2014/main" id="{9B6FF6FF-2215-9372-DA4D-9794E19ADC5A}"/>
+              </a:ext>
+            </a:extLst>
+          </p:cNvPr>
+          <p:cNvPicPr>
+            <a:picLocks noChangeAspect="1"/>
+          </p:cNvPicPr>
+          <p:nvPr/>
+        </p:nvPicPr>
+        <p:blipFill>
+          <a:blip r:embed="rId2"/>
+          <a:stretch>
+            <a:fillRect/>
+          </a:stretch>
+        </p:blipFill>
+        <p:spPr>
+          <a:xfrm>
+            <a:off x="402928" y="294227"/>
+            <a:ext cx="11501618" cy="6429594"/>
+          </a:xfrm>
+          <a:prstGeom prst="rect">
+            <a:avLst/>
+          </a:prstGeom>
+          <a:ln>
+            <a:solidFill>
+              <a:schemeClr val="tx1"/>
+            </a:solidFill>
+          </a:ln>
+        </p:spPr>
+      </p:pic>
+    </p:spTree>
+    <p:extLst>
+      <p:ext uri="{BB962C8B-B14F-4D97-AF65-F5344CB8AC3E}">
+        <p14:creationId xmlns:p14="http://schemas.microsoft.com/office/powerpoint/2010/main" val="4169520847"/>
+      </p:ext>
+    </p:extLst>
+  </p:cSld>
+  <p:clrMapOvr>
+    <a:masterClrMapping/>
+  </p:clrMapOvr>
+</p:sld>
+</file>
+
+<file path=ppt/slides/slide20.xml><?xml version="1.0" encoding="utf-8"?>
+<p:sld xmlns:a="http://schemas.openxmlformats.org/drawingml/2006/main" xmlns:r="http://schemas.openxmlformats.org/officeDocument/2006/relationships" xmlns:p="http://schemas.openxmlformats.org/presentationml/2006/main">
+  <p:cSld>
+    <p:spTree>
+      <p:nvGrpSpPr>
+        <p:cNvPr id="1" name=""/>
+        <p:cNvGrpSpPr/>
+        <p:nvPr/>
+      </p:nvGrpSpPr>
+      <p:grpSpPr>
+        <a:xfrm>
+          <a:off x="0" y="0"/>
+          <a:ext cx="0" cy="0"/>
+          <a:chOff x="0" y="0"/>
+          <a:chExt cx="0" cy="0"/>
+        </a:xfrm>
+      </p:grpSpPr>
+      <p:sp>
+        <p:nvSpPr>
+          <p:cNvPr id="2" name="TextBox 1">
+            <a:extLst>
+              <a:ext uri="{FF2B5EF4-FFF2-40B4-BE49-F238E27FC236}">
+                <a16:creationId xmlns:a16="http://schemas.microsoft.com/office/drawing/2014/main" id="{39BCAFD5-AE2B-84E9-04C9-CCC27CA48491}"/>
+              </a:ext>
+            </a:extLst>
+          </p:cNvPr>
+          <p:cNvSpPr txBox="1"/>
+          <p:nvPr/>
+        </p:nvSpPr>
+        <p:spPr>
+          <a:xfrm>
+            <a:off x="435934" y="175437"/>
+            <a:ext cx="8548577" cy="923330"/>
+          </a:xfrm>
+          <a:prstGeom prst="rect">
+            <a:avLst/>
+          </a:prstGeom>
+          <a:noFill/>
+        </p:spPr>
+        <p:txBody>
+          <a:bodyPr wrap="square" rtlCol="0">
+            <a:spAutoFit/>
+          </a:bodyPr>
+          <a:lstStyle/>
+          <a:p>
+            <a:r>
+              <a:rPr lang="en-GB" b="1" dirty="0"/>
+              <a:t>ES catchment area based on area (square, index)</a:t>
+            </a:r>
+          </a:p>
+          <a:p>
+            <a:r>
+              <a:rPr lang="en-GB" dirty="0"/>
+              <a:t>ES area is chosen in the order of large population area. </a:t>
+            </a:r>
+          </a:p>
+          <a:p>
+            <a:endParaRPr lang="en-GB" dirty="0"/>
+          </a:p>
+        </p:txBody>
+      </p:sp>
+      <p:pic>
+        <p:nvPicPr>
+          <p:cNvPr id="12290" name="Picture 2">
+            <a:extLst>
+              <a:ext uri="{FF2B5EF4-FFF2-40B4-BE49-F238E27FC236}">
+                <a16:creationId xmlns:a16="http://schemas.microsoft.com/office/drawing/2014/main" id="{C69C3A3A-6D94-8322-4D11-F8B4B8E90E53}"/>
+              </a:ext>
+            </a:extLst>
+          </p:cNvPr>
+          <p:cNvPicPr>
+            <a:picLocks noChangeAspect="1" noChangeArrowheads="1"/>
+          </p:cNvPicPr>
+          <p:nvPr/>
+        </p:nvPicPr>
+        <p:blipFill>
+          <a:blip r:embed="rId2">
+            <a:extLst>
+              <a:ext uri="{28A0092B-C50C-407E-A947-70E740481C1C}">
+                <a14:useLocalDpi xmlns:a14="http://schemas.microsoft.com/office/drawing/2010/main" val="0"/>
+              </a:ext>
+            </a:extLst>
+          </a:blip>
+          <a:srcRect/>
+          <a:stretch>
+            <a:fillRect/>
+          </a:stretch>
+        </p:blipFill>
+        <p:spPr bwMode="auto">
+          <a:xfrm>
+            <a:off x="141338" y="1573162"/>
+            <a:ext cx="5715000" cy="3810000"/>
+          </a:xfrm>
+          <a:prstGeom prst="rect">
+            <a:avLst/>
+          </a:prstGeom>
+          <a:noFill/>
+          <a:ln>
+            <a:solidFill>
+              <a:schemeClr val="tx1"/>
+            </a:solidFill>
+          </a:ln>
+          <a:extLst>
+            <a:ext uri="{909E8E84-426E-40DD-AFC4-6F175D3DCCD1}">
+              <a14:hiddenFill xmlns:a14="http://schemas.microsoft.com/office/drawing/2010/main">
+                <a:solidFill>
+                  <a:srgbClr val="FFFFFF"/>
+                </a:solidFill>
+              </a14:hiddenFill>
+            </a:ext>
+          </a:extLst>
+        </p:spPr>
+      </p:pic>
+      <p:pic>
+        <p:nvPicPr>
+          <p:cNvPr id="12292" name="Picture 4">
+            <a:extLst>
+              <a:ext uri="{FF2B5EF4-FFF2-40B4-BE49-F238E27FC236}">
+                <a16:creationId xmlns:a16="http://schemas.microsoft.com/office/drawing/2014/main" id="{32B0D908-EB7E-59BB-FD31-FAAA728EEA7B}"/>
+              </a:ext>
+            </a:extLst>
+          </p:cNvPr>
+          <p:cNvPicPr>
+            <a:picLocks noChangeAspect="1" noChangeArrowheads="1"/>
+          </p:cNvPicPr>
+          <p:nvPr/>
+        </p:nvPicPr>
+        <p:blipFill>
+          <a:blip r:embed="rId3">
+            <a:extLst>
+              <a:ext uri="{28A0092B-C50C-407E-A947-70E740481C1C}">
+                <a14:useLocalDpi xmlns:a14="http://schemas.microsoft.com/office/drawing/2010/main" val="0"/>
+              </a:ext>
+            </a:extLst>
+          </a:blip>
+          <a:srcRect/>
+          <a:stretch>
+            <a:fillRect/>
+          </a:stretch>
+        </p:blipFill>
+        <p:spPr bwMode="auto">
+          <a:xfrm>
+            <a:off x="5996449" y="1573162"/>
+            <a:ext cx="5715000" cy="3810000"/>
+          </a:xfrm>
+          <a:prstGeom prst="rect">
+            <a:avLst/>
+          </a:prstGeom>
+          <a:noFill/>
+          <a:ln>
+            <a:solidFill>
+              <a:schemeClr val="tx1"/>
+            </a:solidFill>
+          </a:ln>
+          <a:extLst>
+            <a:ext uri="{909E8E84-426E-40DD-AFC4-6F175D3DCCD1}">
+              <a14:hiddenFill xmlns:a14="http://schemas.microsoft.com/office/drawing/2010/main">
+                <a:solidFill>
+                  <a:srgbClr val="FFFFFF"/>
+                </a:solidFill>
+              </a14:hiddenFill>
+            </a:ext>
+          </a:extLst>
+        </p:spPr>
+      </p:pic>
+    </p:spTree>
+    <p:extLst>
+      <p:ext uri="{BB962C8B-B14F-4D97-AF65-F5344CB8AC3E}">
+        <p14:creationId xmlns:p14="http://schemas.microsoft.com/office/powerpoint/2010/main" val="2184642556"/>
+      </p:ext>
+    </p:extLst>
+  </p:cSld>
+  <p:clrMapOvr>
+    <a:masterClrMapping/>
+  </p:clrMapOvr>
+</p:sld>
+</file>
+
+<file path=ppt/slides/slide21.xml><?xml version="1.0" encoding="utf-8"?>
+<p:sld xmlns:a="http://schemas.openxmlformats.org/drawingml/2006/main" xmlns:r="http://schemas.openxmlformats.org/officeDocument/2006/relationships" xmlns:p="http://schemas.openxmlformats.org/presentationml/2006/main">
+  <p:cSld>
+    <p:spTree>
+      <p:nvGrpSpPr>
+        <p:cNvPr id="1" name=""/>
+        <p:cNvGrpSpPr/>
+        <p:nvPr/>
+      </p:nvGrpSpPr>
+      <p:grpSpPr>
+        <a:xfrm>
+          <a:off x="0" y="0"/>
+          <a:ext cx="0" cy="0"/>
+          <a:chOff x="0" y="0"/>
+          <a:chExt cx="0" cy="0"/>
+        </a:xfrm>
+      </p:grpSpPr>
+      <p:sp>
+        <p:nvSpPr>
+          <p:cNvPr id="2" name="TextBox 1">
+            <a:extLst>
+              <a:ext uri="{FF2B5EF4-FFF2-40B4-BE49-F238E27FC236}">
+                <a16:creationId xmlns:a16="http://schemas.microsoft.com/office/drawing/2014/main" id="{79C8D95D-FD5F-3F0F-C9C9-DE6FA412AFB7}"/>
+              </a:ext>
+            </a:extLst>
+          </p:cNvPr>
+          <p:cNvSpPr txBox="1"/>
+          <p:nvPr/>
+        </p:nvSpPr>
+        <p:spPr>
+          <a:xfrm>
+            <a:off x="435934" y="175437"/>
+            <a:ext cx="8548577" cy="646331"/>
+          </a:xfrm>
+          <a:prstGeom prst="rect">
+            <a:avLst/>
+          </a:prstGeom>
+          <a:noFill/>
+        </p:spPr>
+        <p:txBody>
+          <a:bodyPr wrap="square" rtlCol="0">
+            <a:spAutoFit/>
+          </a:bodyPr>
+          <a:lstStyle/>
+          <a:p>
+            <a:r>
+              <a:rPr lang="en-GB" b="1" dirty="0"/>
+              <a:t>ES catchment area based on the population coverage</a:t>
+            </a:r>
+          </a:p>
+          <a:p>
+            <a:r>
+              <a:rPr lang="en-GB" dirty="0"/>
+              <a:t>Baseline is population coverage = 50%.</a:t>
+            </a:r>
+          </a:p>
+        </p:txBody>
+      </p:sp>
+      <p:pic>
+        <p:nvPicPr>
+          <p:cNvPr id="11266" name="Picture 2">
+            <a:extLst>
+              <a:ext uri="{FF2B5EF4-FFF2-40B4-BE49-F238E27FC236}">
+                <a16:creationId xmlns:a16="http://schemas.microsoft.com/office/drawing/2014/main" id="{937CD52F-13D0-6AD8-6009-0D1BFC725612}"/>
+              </a:ext>
+            </a:extLst>
+          </p:cNvPr>
+          <p:cNvPicPr>
+            <a:picLocks noChangeAspect="1" noChangeArrowheads="1"/>
+          </p:cNvPicPr>
+          <p:nvPr/>
+        </p:nvPicPr>
+        <p:blipFill>
+          <a:blip r:embed="rId2">
+            <a:extLst>
+              <a:ext uri="{28A0092B-C50C-407E-A947-70E740481C1C}">
+                <a14:useLocalDpi xmlns:a14="http://schemas.microsoft.com/office/drawing/2010/main" val="0"/>
+              </a:ext>
+            </a:extLst>
+          </a:blip>
+          <a:srcRect/>
+          <a:stretch>
+            <a:fillRect/>
+          </a:stretch>
+        </p:blipFill>
+        <p:spPr bwMode="auto">
+          <a:xfrm>
+            <a:off x="200332" y="1420761"/>
+            <a:ext cx="5715000" cy="3810000"/>
+          </a:xfrm>
+          <a:prstGeom prst="rect">
+            <a:avLst/>
+          </a:prstGeom>
+          <a:noFill/>
+          <a:ln>
+            <a:solidFill>
+              <a:schemeClr val="tx1"/>
+            </a:solidFill>
+          </a:ln>
+          <a:extLst>
+            <a:ext uri="{909E8E84-426E-40DD-AFC4-6F175D3DCCD1}">
+              <a14:hiddenFill xmlns:a14="http://schemas.microsoft.com/office/drawing/2010/main">
+                <a:solidFill>
+                  <a:srgbClr val="FFFFFF"/>
+                </a:solidFill>
+              </a14:hiddenFill>
+            </a:ext>
+          </a:extLst>
+        </p:spPr>
+      </p:pic>
+      <p:pic>
+        <p:nvPicPr>
+          <p:cNvPr id="11268" name="Picture 4">
+            <a:extLst>
+              <a:ext uri="{FF2B5EF4-FFF2-40B4-BE49-F238E27FC236}">
+                <a16:creationId xmlns:a16="http://schemas.microsoft.com/office/drawing/2014/main" id="{176E6C92-9BAA-C32C-5350-C845596AC06F}"/>
+              </a:ext>
+            </a:extLst>
+          </p:cNvPr>
+          <p:cNvPicPr>
+            <a:picLocks noChangeAspect="1" noChangeArrowheads="1"/>
+          </p:cNvPicPr>
+          <p:nvPr/>
+        </p:nvPicPr>
+        <p:blipFill>
+          <a:blip r:embed="rId3">
+            <a:extLst>
+              <a:ext uri="{28A0092B-C50C-407E-A947-70E740481C1C}">
+                <a14:useLocalDpi xmlns:a14="http://schemas.microsoft.com/office/drawing/2010/main" val="0"/>
+              </a:ext>
+            </a:extLst>
+          </a:blip>
+          <a:srcRect/>
+          <a:stretch>
+            <a:fillRect/>
+          </a:stretch>
+        </p:blipFill>
+        <p:spPr bwMode="auto">
+          <a:xfrm>
+            <a:off x="6127011" y="1420761"/>
+            <a:ext cx="5715000" cy="3810000"/>
+          </a:xfrm>
+          <a:prstGeom prst="rect">
+            <a:avLst/>
+          </a:prstGeom>
+          <a:noFill/>
+          <a:ln>
+            <a:solidFill>
+              <a:schemeClr val="tx1"/>
+            </a:solidFill>
+          </a:ln>
+          <a:extLst>
+            <a:ext uri="{909E8E84-426E-40DD-AFC4-6F175D3DCCD1}">
+              <a14:hiddenFill xmlns:a14="http://schemas.microsoft.com/office/drawing/2010/main">
+                <a:solidFill>
+                  <a:srgbClr val="FFFFFF"/>
+                </a:solidFill>
+              </a14:hiddenFill>
+            </a:ext>
+          </a:extLst>
+        </p:spPr>
+      </p:pic>
+    </p:spTree>
+    <p:extLst>
+      <p:ext uri="{BB962C8B-B14F-4D97-AF65-F5344CB8AC3E}">
+        <p14:creationId xmlns:p14="http://schemas.microsoft.com/office/powerpoint/2010/main" val="2200771372"/>
+      </p:ext>
+    </p:extLst>
+  </p:cSld>
+  <p:clrMapOvr>
+    <a:masterClrMapping/>
+  </p:clrMapOvr>
+</p:sld>
+</file>
+
+<file path=ppt/slides/slide22.xml><?xml version="1.0" encoding="utf-8"?>
+<p:sld xmlns:a="http://schemas.openxmlformats.org/drawingml/2006/main" xmlns:r="http://schemas.openxmlformats.org/officeDocument/2006/relationships" xmlns:p="http://schemas.openxmlformats.org/presentationml/2006/main">
+  <p:cSld>
+    <p:spTree>
+      <p:nvGrpSpPr>
+        <p:cNvPr id="1" name=""/>
+        <p:cNvGrpSpPr/>
+        <p:nvPr/>
+      </p:nvGrpSpPr>
+      <p:grpSpPr>
+        <a:xfrm>
+          <a:off x="0" y="0"/>
+          <a:ext cx="0" cy="0"/>
+          <a:chOff x="0" y="0"/>
+          <a:chExt cx="0" cy="0"/>
+        </a:xfrm>
+      </p:grpSpPr>
+      <p:sp>
+        <p:nvSpPr>
           <p:cNvPr id="4" name="TextBox 3">
             <a:extLst>
               <a:ext uri="{FF2B5EF4-FFF2-40B4-BE49-F238E27FC236}">
@@ -5737,7 +6090,1902 @@
 </p:sld>
 </file>
 
-<file path=ppt/slides/slide2.xml><?xml version="1.0" encoding="utf-8"?>
+<file path=ppt/slides/slide23.xml><?xml version="1.0" encoding="utf-8"?>
+<p:sld xmlns:a="http://schemas.openxmlformats.org/drawingml/2006/main" xmlns:r="http://schemas.openxmlformats.org/officeDocument/2006/relationships" xmlns:p="http://schemas.openxmlformats.org/presentationml/2006/main">
+  <p:cSld>
+    <p:spTree>
+      <p:nvGrpSpPr>
+        <p:cNvPr id="1" name=""/>
+        <p:cNvGrpSpPr/>
+        <p:nvPr/>
+      </p:nvGrpSpPr>
+      <p:grpSpPr>
+        <a:xfrm>
+          <a:off x="0" y="0"/>
+          <a:ext cx="0" cy="0"/>
+          <a:chOff x="0" y="0"/>
+          <a:chExt cx="0" cy="0"/>
+        </a:xfrm>
+      </p:grpSpPr>
+      <p:sp>
+        <p:nvSpPr>
+          <p:cNvPr id="6" name="TextBox 5">
+            <a:extLst>
+              <a:ext uri="{FF2B5EF4-FFF2-40B4-BE49-F238E27FC236}">
+                <a16:creationId xmlns:a16="http://schemas.microsoft.com/office/drawing/2014/main" id="{4F0F35B9-2DAA-0B3E-60D4-81272233020B}"/>
+              </a:ext>
+            </a:extLst>
+          </p:cNvPr>
+          <p:cNvSpPr txBox="1"/>
+          <p:nvPr/>
+        </p:nvSpPr>
+        <p:spPr>
+          <a:xfrm>
+            <a:off x="435934" y="175437"/>
+            <a:ext cx="8548577" cy="923330"/>
+          </a:xfrm>
+          <a:prstGeom prst="rect">
+            <a:avLst/>
+          </a:prstGeom>
+          <a:noFill/>
+        </p:spPr>
+        <p:txBody>
+          <a:bodyPr wrap="square" rtlCol="0">
+            <a:spAutoFit/>
+          </a:bodyPr>
+          <a:lstStyle/>
+          <a:p>
+            <a:r>
+              <a:rPr lang="en-GB" b="1" dirty="0"/>
+              <a:t>Hazard g</a:t>
+            </a:r>
+          </a:p>
+          <a:p>
+            <a:r>
+              <a:rPr lang="en-US" altLang="ja-JP" dirty="0"/>
+              <a:t>g is chosen such that </a:t>
+            </a:r>
+            <a:r>
+              <a:rPr lang="en-US" altLang="ja-JP" dirty="0" err="1"/>
+              <a:t>ωt</a:t>
+            </a:r>
+            <a:r>
+              <a:rPr lang="en-US" altLang="ja-JP" dirty="0"/>
+              <a:t> = 1 – e(g*N_pop90) = 0.9  </a:t>
+            </a:r>
+          </a:p>
+          <a:p>
+            <a:r>
+              <a:rPr lang="en-US" altLang="ja-JP" dirty="0"/>
+              <a:t>Baseline value is N_pop90 = 10 </a:t>
+            </a:r>
+            <a:endParaRPr lang="ja-JP" altLang="en-US" dirty="0"/>
+          </a:p>
+        </p:txBody>
+      </p:sp>
+      <p:pic>
+        <p:nvPicPr>
+          <p:cNvPr id="19458" name="Picture 2">
+            <a:extLst>
+              <a:ext uri="{FF2B5EF4-FFF2-40B4-BE49-F238E27FC236}">
+                <a16:creationId xmlns:a16="http://schemas.microsoft.com/office/drawing/2014/main" id="{D7DFD040-B4FD-858A-BF85-1958C778A77E}"/>
+              </a:ext>
+            </a:extLst>
+          </p:cNvPr>
+          <p:cNvPicPr>
+            <a:picLocks noChangeAspect="1" noChangeArrowheads="1"/>
+          </p:cNvPicPr>
+          <p:nvPr/>
+        </p:nvPicPr>
+        <p:blipFill>
+          <a:blip r:embed="rId2">
+            <a:extLst>
+              <a:ext uri="{28A0092B-C50C-407E-A947-70E740481C1C}">
+                <a14:useLocalDpi xmlns:a14="http://schemas.microsoft.com/office/drawing/2010/main" val="0"/>
+              </a:ext>
+            </a:extLst>
+          </a:blip>
+          <a:srcRect/>
+          <a:stretch>
+            <a:fillRect/>
+          </a:stretch>
+        </p:blipFill>
+        <p:spPr bwMode="auto">
+          <a:xfrm>
+            <a:off x="306456" y="1608483"/>
+            <a:ext cx="5715000" cy="3810000"/>
+          </a:xfrm>
+          <a:prstGeom prst="rect">
+            <a:avLst/>
+          </a:prstGeom>
+          <a:noFill/>
+          <a:ln>
+            <a:solidFill>
+              <a:schemeClr val="tx1"/>
+            </a:solidFill>
+          </a:ln>
+          <a:extLst>
+            <a:ext uri="{909E8E84-426E-40DD-AFC4-6F175D3DCCD1}">
+              <a14:hiddenFill xmlns:a14="http://schemas.microsoft.com/office/drawing/2010/main">
+                <a:solidFill>
+                  <a:srgbClr val="FFFFFF"/>
+                </a:solidFill>
+              </a14:hiddenFill>
+            </a:ext>
+          </a:extLst>
+        </p:spPr>
+      </p:pic>
+      <p:pic>
+        <p:nvPicPr>
+          <p:cNvPr id="19460" name="Picture 4">
+            <a:extLst>
+              <a:ext uri="{FF2B5EF4-FFF2-40B4-BE49-F238E27FC236}">
+                <a16:creationId xmlns:a16="http://schemas.microsoft.com/office/drawing/2014/main" id="{75688F2D-3045-3C2C-9F5F-3765DA402A69}"/>
+              </a:ext>
+            </a:extLst>
+          </p:cNvPr>
+          <p:cNvPicPr>
+            <a:picLocks noChangeAspect="1" noChangeArrowheads="1"/>
+          </p:cNvPicPr>
+          <p:nvPr/>
+        </p:nvPicPr>
+        <p:blipFill>
+          <a:blip r:embed="rId3">
+            <a:extLst>
+              <a:ext uri="{28A0092B-C50C-407E-A947-70E740481C1C}">
+                <a14:useLocalDpi xmlns:a14="http://schemas.microsoft.com/office/drawing/2010/main" val="0"/>
+              </a:ext>
+            </a:extLst>
+          </a:blip>
+          <a:srcRect/>
+          <a:stretch>
+            <a:fillRect/>
+          </a:stretch>
+        </p:blipFill>
+        <p:spPr bwMode="auto">
+          <a:xfrm>
+            <a:off x="6250057" y="1678056"/>
+            <a:ext cx="5715000" cy="3810000"/>
+          </a:xfrm>
+          <a:prstGeom prst="rect">
+            <a:avLst/>
+          </a:prstGeom>
+          <a:noFill/>
+          <a:ln>
+            <a:solidFill>
+              <a:schemeClr val="tx1"/>
+            </a:solidFill>
+          </a:ln>
+          <a:extLst>
+            <a:ext uri="{909E8E84-426E-40DD-AFC4-6F175D3DCCD1}">
+              <a14:hiddenFill xmlns:a14="http://schemas.microsoft.com/office/drawing/2010/main">
+                <a:solidFill>
+                  <a:srgbClr val="FFFFFF"/>
+                </a:solidFill>
+              </a14:hiddenFill>
+            </a:ext>
+          </a:extLst>
+        </p:spPr>
+      </p:pic>
+    </p:spTree>
+    <p:extLst>
+      <p:ext uri="{BB962C8B-B14F-4D97-AF65-F5344CB8AC3E}">
+        <p14:creationId xmlns:p14="http://schemas.microsoft.com/office/powerpoint/2010/main" val="859574949"/>
+      </p:ext>
+    </p:extLst>
+  </p:cSld>
+  <p:clrMapOvr>
+    <a:masterClrMapping/>
+  </p:clrMapOvr>
+</p:sld>
+</file>
+
+<file path=ppt/slides/slide24.xml><?xml version="1.0" encoding="utf-8"?>
+<p:sld xmlns:a="http://schemas.openxmlformats.org/drawingml/2006/main" xmlns:r="http://schemas.openxmlformats.org/officeDocument/2006/relationships" xmlns:p="http://schemas.openxmlformats.org/presentationml/2006/main">
+  <p:cSld>
+    <p:spTree>
+      <p:nvGrpSpPr>
+        <p:cNvPr id="1" name=""/>
+        <p:cNvGrpSpPr/>
+        <p:nvPr/>
+      </p:nvGrpSpPr>
+      <p:grpSpPr>
+        <a:xfrm>
+          <a:off x="0" y="0"/>
+          <a:ext cx="0" cy="0"/>
+          <a:chOff x="0" y="0"/>
+          <a:chExt cx="0" cy="0"/>
+        </a:xfrm>
+      </p:grpSpPr>
+      <p:sp>
+        <p:nvSpPr>
+          <p:cNvPr id="3" name="TextBox 2">
+            <a:extLst>
+              <a:ext uri="{FF2B5EF4-FFF2-40B4-BE49-F238E27FC236}">
+                <a16:creationId xmlns:a16="http://schemas.microsoft.com/office/drawing/2014/main" id="{93EFAB99-6B62-2146-070E-8825C72BC120}"/>
+              </a:ext>
+            </a:extLst>
+          </p:cNvPr>
+          <p:cNvSpPr txBox="1"/>
+          <p:nvPr/>
+        </p:nvSpPr>
+        <p:spPr>
+          <a:xfrm>
+            <a:off x="416270" y="175437"/>
+            <a:ext cx="8548577" cy="646331"/>
+          </a:xfrm>
+          <a:prstGeom prst="rect">
+            <a:avLst/>
+          </a:prstGeom>
+          <a:noFill/>
+        </p:spPr>
+        <p:txBody>
+          <a:bodyPr wrap="square" rtlCol="0">
+            <a:spAutoFit/>
+          </a:bodyPr>
+          <a:lstStyle/>
+          <a:p>
+            <a:r>
+              <a:rPr lang="en-GB" b="1" dirty="0"/>
+              <a:t>Frequency of environmental sampling</a:t>
+            </a:r>
+          </a:p>
+          <a:p>
+            <a:r>
+              <a:rPr lang="en-GB" dirty="0"/>
+              <a:t>Baseline value is 30 days</a:t>
+            </a:r>
+          </a:p>
+        </p:txBody>
+      </p:sp>
+      <p:pic>
+        <p:nvPicPr>
+          <p:cNvPr id="18434" name="Picture 2">
+            <a:extLst>
+              <a:ext uri="{FF2B5EF4-FFF2-40B4-BE49-F238E27FC236}">
+                <a16:creationId xmlns:a16="http://schemas.microsoft.com/office/drawing/2014/main" id="{045FF210-0F80-5562-9B65-1120940224AD}"/>
+              </a:ext>
+            </a:extLst>
+          </p:cNvPr>
+          <p:cNvPicPr>
+            <a:picLocks noChangeAspect="1" noChangeArrowheads="1"/>
+          </p:cNvPicPr>
+          <p:nvPr/>
+        </p:nvPicPr>
+        <p:blipFill>
+          <a:blip r:embed="rId2">
+            <a:extLst>
+              <a:ext uri="{28A0092B-C50C-407E-A947-70E740481C1C}">
+                <a14:useLocalDpi xmlns:a14="http://schemas.microsoft.com/office/drawing/2010/main" val="0"/>
+              </a:ext>
+            </a:extLst>
+          </a:blip>
+          <a:srcRect/>
+          <a:stretch>
+            <a:fillRect/>
+          </a:stretch>
+        </p:blipFill>
+        <p:spPr bwMode="auto">
+          <a:xfrm>
+            <a:off x="117613" y="1524000"/>
+            <a:ext cx="5715000" cy="3810000"/>
+          </a:xfrm>
+          <a:prstGeom prst="rect">
+            <a:avLst/>
+          </a:prstGeom>
+          <a:noFill/>
+          <a:ln>
+            <a:solidFill>
+              <a:schemeClr val="tx1"/>
+            </a:solidFill>
+          </a:ln>
+          <a:extLst>
+            <a:ext uri="{909E8E84-426E-40DD-AFC4-6F175D3DCCD1}">
+              <a14:hiddenFill xmlns:a14="http://schemas.microsoft.com/office/drawing/2010/main">
+                <a:solidFill>
+                  <a:srgbClr val="FFFFFF"/>
+                </a:solidFill>
+              </a14:hiddenFill>
+            </a:ext>
+          </a:extLst>
+        </p:spPr>
+      </p:pic>
+      <p:pic>
+        <p:nvPicPr>
+          <p:cNvPr id="18436" name="Picture 4">
+            <a:extLst>
+              <a:ext uri="{FF2B5EF4-FFF2-40B4-BE49-F238E27FC236}">
+                <a16:creationId xmlns:a16="http://schemas.microsoft.com/office/drawing/2014/main" id="{0C893222-59F5-1A76-222F-E232A2D5C694}"/>
+              </a:ext>
+            </a:extLst>
+          </p:cNvPr>
+          <p:cNvPicPr>
+            <a:picLocks noChangeAspect="1" noChangeArrowheads="1"/>
+          </p:cNvPicPr>
+          <p:nvPr/>
+        </p:nvPicPr>
+        <p:blipFill>
+          <a:blip r:embed="rId3">
+            <a:extLst>
+              <a:ext uri="{28A0092B-C50C-407E-A947-70E740481C1C}">
+                <a14:useLocalDpi xmlns:a14="http://schemas.microsoft.com/office/drawing/2010/main" val="0"/>
+              </a:ext>
+            </a:extLst>
+          </a:blip>
+          <a:srcRect/>
+          <a:stretch>
+            <a:fillRect/>
+          </a:stretch>
+        </p:blipFill>
+        <p:spPr bwMode="auto">
+          <a:xfrm>
+            <a:off x="6096000" y="1524000"/>
+            <a:ext cx="5715000" cy="3810000"/>
+          </a:xfrm>
+          <a:prstGeom prst="rect">
+            <a:avLst/>
+          </a:prstGeom>
+          <a:noFill/>
+          <a:ln>
+            <a:solidFill>
+              <a:schemeClr val="tx1"/>
+            </a:solidFill>
+          </a:ln>
+          <a:extLst>
+            <a:ext uri="{909E8E84-426E-40DD-AFC4-6F175D3DCCD1}">
+              <a14:hiddenFill xmlns:a14="http://schemas.microsoft.com/office/drawing/2010/main">
+                <a:solidFill>
+                  <a:srgbClr val="FFFFFF"/>
+                </a:solidFill>
+              </a14:hiddenFill>
+            </a:ext>
+          </a:extLst>
+        </p:spPr>
+      </p:pic>
+    </p:spTree>
+    <p:extLst>
+      <p:ext uri="{BB962C8B-B14F-4D97-AF65-F5344CB8AC3E}">
+        <p14:creationId xmlns:p14="http://schemas.microsoft.com/office/powerpoint/2010/main" val="2127699072"/>
+      </p:ext>
+    </p:extLst>
+  </p:cSld>
+  <p:clrMapOvr>
+    <a:masterClrMapping/>
+  </p:clrMapOvr>
+</p:sld>
+</file>
+
+<file path=ppt/slides/slide25.xml><?xml version="1.0" encoding="utf-8"?>
+<p:sld xmlns:a="http://schemas.openxmlformats.org/drawingml/2006/main" xmlns:r="http://schemas.openxmlformats.org/officeDocument/2006/relationships" xmlns:p="http://schemas.openxmlformats.org/presentationml/2006/main">
+  <p:cSld>
+    <p:spTree>
+      <p:nvGrpSpPr>
+        <p:cNvPr id="1" name=""/>
+        <p:cNvGrpSpPr/>
+        <p:nvPr/>
+      </p:nvGrpSpPr>
+      <p:grpSpPr>
+        <a:xfrm>
+          <a:off x="0" y="0"/>
+          <a:ext cx="0" cy="0"/>
+          <a:chOff x="0" y="0"/>
+          <a:chExt cx="0" cy="0"/>
+        </a:xfrm>
+      </p:grpSpPr>
+      <p:sp>
+        <p:nvSpPr>
+          <p:cNvPr id="2" name="TextBox 1">
+            <a:extLst>
+              <a:ext uri="{FF2B5EF4-FFF2-40B4-BE49-F238E27FC236}">
+                <a16:creationId xmlns:a16="http://schemas.microsoft.com/office/drawing/2014/main" id="{39BCAFD5-AE2B-84E9-04C9-CCC27CA48491}"/>
+              </a:ext>
+            </a:extLst>
+          </p:cNvPr>
+          <p:cNvSpPr txBox="1"/>
+          <p:nvPr/>
+        </p:nvSpPr>
+        <p:spPr>
+          <a:xfrm>
+            <a:off x="435934" y="175437"/>
+            <a:ext cx="8548577" cy="923330"/>
+          </a:xfrm>
+          <a:prstGeom prst="rect">
+            <a:avLst/>
+          </a:prstGeom>
+          <a:noFill/>
+        </p:spPr>
+        <p:txBody>
+          <a:bodyPr wrap="square" rtlCol="0">
+            <a:spAutoFit/>
+          </a:bodyPr>
+          <a:lstStyle/>
+          <a:p>
+            <a:r>
+              <a:rPr lang="en-GB" b="1" dirty="0"/>
+              <a:t>ES catchment area based on area (square, index)</a:t>
+            </a:r>
+          </a:p>
+          <a:p>
+            <a:r>
+              <a:rPr lang="en-GB" dirty="0"/>
+              <a:t>ES area is chosen in the order of large population area. </a:t>
+            </a:r>
+          </a:p>
+          <a:p>
+            <a:endParaRPr lang="en-GB" dirty="0"/>
+          </a:p>
+        </p:txBody>
+      </p:sp>
+      <p:pic>
+        <p:nvPicPr>
+          <p:cNvPr id="17410" name="Picture 2">
+            <a:extLst>
+              <a:ext uri="{FF2B5EF4-FFF2-40B4-BE49-F238E27FC236}">
+                <a16:creationId xmlns:a16="http://schemas.microsoft.com/office/drawing/2014/main" id="{151CD0EB-82F5-BE4B-76B6-B261CBA93603}"/>
+              </a:ext>
+            </a:extLst>
+          </p:cNvPr>
+          <p:cNvPicPr>
+            <a:picLocks noChangeAspect="1" noChangeArrowheads="1"/>
+          </p:cNvPicPr>
+          <p:nvPr/>
+        </p:nvPicPr>
+        <p:blipFill>
+          <a:blip r:embed="rId2">
+            <a:extLst>
+              <a:ext uri="{28A0092B-C50C-407E-A947-70E740481C1C}">
+                <a14:useLocalDpi xmlns:a14="http://schemas.microsoft.com/office/drawing/2010/main" val="0"/>
+              </a:ext>
+            </a:extLst>
+          </a:blip>
+          <a:srcRect/>
+          <a:stretch>
+            <a:fillRect/>
+          </a:stretch>
+        </p:blipFill>
+        <p:spPr bwMode="auto">
+          <a:xfrm>
+            <a:off x="162607" y="1643270"/>
+            <a:ext cx="5715000" cy="3810000"/>
+          </a:xfrm>
+          <a:prstGeom prst="rect">
+            <a:avLst/>
+          </a:prstGeom>
+          <a:noFill/>
+          <a:ln>
+            <a:solidFill>
+              <a:schemeClr val="tx1"/>
+            </a:solidFill>
+          </a:ln>
+          <a:extLst>
+            <a:ext uri="{909E8E84-426E-40DD-AFC4-6F175D3DCCD1}">
+              <a14:hiddenFill xmlns:a14="http://schemas.microsoft.com/office/drawing/2010/main">
+                <a:solidFill>
+                  <a:srgbClr val="FFFFFF"/>
+                </a:solidFill>
+              </a14:hiddenFill>
+            </a:ext>
+          </a:extLst>
+        </p:spPr>
+      </p:pic>
+      <p:pic>
+        <p:nvPicPr>
+          <p:cNvPr id="17412" name="Picture 4">
+            <a:extLst>
+              <a:ext uri="{FF2B5EF4-FFF2-40B4-BE49-F238E27FC236}">
+                <a16:creationId xmlns:a16="http://schemas.microsoft.com/office/drawing/2014/main" id="{E6405240-B554-247C-62CC-49D6F4839B9F}"/>
+              </a:ext>
+            </a:extLst>
+          </p:cNvPr>
+          <p:cNvPicPr>
+            <a:picLocks noChangeAspect="1" noChangeArrowheads="1"/>
+          </p:cNvPicPr>
+          <p:nvPr/>
+        </p:nvPicPr>
+        <p:blipFill>
+          <a:blip r:embed="rId3">
+            <a:extLst>
+              <a:ext uri="{28A0092B-C50C-407E-A947-70E740481C1C}">
+                <a14:useLocalDpi xmlns:a14="http://schemas.microsoft.com/office/drawing/2010/main" val="0"/>
+              </a:ext>
+            </a:extLst>
+          </a:blip>
+          <a:srcRect/>
+          <a:stretch>
+            <a:fillRect/>
+          </a:stretch>
+        </p:blipFill>
+        <p:spPr bwMode="auto">
+          <a:xfrm>
+            <a:off x="6225209" y="1603513"/>
+            <a:ext cx="5715000" cy="3810000"/>
+          </a:xfrm>
+          <a:prstGeom prst="rect">
+            <a:avLst/>
+          </a:prstGeom>
+          <a:noFill/>
+          <a:ln>
+            <a:solidFill>
+              <a:schemeClr val="tx1"/>
+            </a:solidFill>
+          </a:ln>
+          <a:extLst>
+            <a:ext uri="{909E8E84-426E-40DD-AFC4-6F175D3DCCD1}">
+              <a14:hiddenFill xmlns:a14="http://schemas.microsoft.com/office/drawing/2010/main">
+                <a:solidFill>
+                  <a:srgbClr val="FFFFFF"/>
+                </a:solidFill>
+              </a14:hiddenFill>
+            </a:ext>
+          </a:extLst>
+        </p:spPr>
+      </p:pic>
+    </p:spTree>
+    <p:extLst>
+      <p:ext uri="{BB962C8B-B14F-4D97-AF65-F5344CB8AC3E}">
+        <p14:creationId xmlns:p14="http://schemas.microsoft.com/office/powerpoint/2010/main" val="3675089408"/>
+      </p:ext>
+    </p:extLst>
+  </p:cSld>
+  <p:clrMapOvr>
+    <a:masterClrMapping/>
+  </p:clrMapOvr>
+</p:sld>
+</file>
+
+<file path=ppt/slides/slide26.xml><?xml version="1.0" encoding="utf-8"?>
+<p:sld xmlns:a="http://schemas.openxmlformats.org/drawingml/2006/main" xmlns:r="http://schemas.openxmlformats.org/officeDocument/2006/relationships" xmlns:p="http://schemas.openxmlformats.org/presentationml/2006/main">
+  <p:cSld>
+    <p:spTree>
+      <p:nvGrpSpPr>
+        <p:cNvPr id="1" name=""/>
+        <p:cNvGrpSpPr/>
+        <p:nvPr/>
+      </p:nvGrpSpPr>
+      <p:grpSpPr>
+        <a:xfrm>
+          <a:off x="0" y="0"/>
+          <a:ext cx="0" cy="0"/>
+          <a:chOff x="0" y="0"/>
+          <a:chExt cx="0" cy="0"/>
+        </a:xfrm>
+      </p:grpSpPr>
+      <p:sp>
+        <p:nvSpPr>
+          <p:cNvPr id="2" name="TextBox 1">
+            <a:extLst>
+              <a:ext uri="{FF2B5EF4-FFF2-40B4-BE49-F238E27FC236}">
+                <a16:creationId xmlns:a16="http://schemas.microsoft.com/office/drawing/2014/main" id="{79C8D95D-FD5F-3F0F-C9C9-DE6FA412AFB7}"/>
+              </a:ext>
+            </a:extLst>
+          </p:cNvPr>
+          <p:cNvSpPr txBox="1"/>
+          <p:nvPr/>
+        </p:nvSpPr>
+        <p:spPr>
+          <a:xfrm>
+            <a:off x="435934" y="175437"/>
+            <a:ext cx="8548577" cy="646331"/>
+          </a:xfrm>
+          <a:prstGeom prst="rect">
+            <a:avLst/>
+          </a:prstGeom>
+          <a:noFill/>
+        </p:spPr>
+        <p:txBody>
+          <a:bodyPr wrap="square" rtlCol="0">
+            <a:spAutoFit/>
+          </a:bodyPr>
+          <a:lstStyle/>
+          <a:p>
+            <a:r>
+              <a:rPr lang="en-GB" b="1" dirty="0"/>
+              <a:t>ES catchment area based on the population coverage</a:t>
+            </a:r>
+          </a:p>
+          <a:p>
+            <a:r>
+              <a:rPr lang="en-GB" dirty="0"/>
+              <a:t>Baseline is population coverage = 50%.</a:t>
+            </a:r>
+          </a:p>
+        </p:txBody>
+      </p:sp>
+      <p:pic>
+        <p:nvPicPr>
+          <p:cNvPr id="16388" name="Picture 4">
+            <a:extLst>
+              <a:ext uri="{FF2B5EF4-FFF2-40B4-BE49-F238E27FC236}">
+                <a16:creationId xmlns:a16="http://schemas.microsoft.com/office/drawing/2014/main" id="{01410BD3-A67F-665E-8EC1-C0FF159E63DF}"/>
+              </a:ext>
+            </a:extLst>
+          </p:cNvPr>
+          <p:cNvPicPr>
+            <a:picLocks noChangeAspect="1" noChangeArrowheads="1"/>
+          </p:cNvPicPr>
+          <p:nvPr/>
+        </p:nvPicPr>
+        <p:blipFill>
+          <a:blip r:embed="rId2">
+            <a:extLst>
+              <a:ext uri="{28A0092B-C50C-407E-A947-70E740481C1C}">
+                <a14:useLocalDpi xmlns:a14="http://schemas.microsoft.com/office/drawing/2010/main" val="0"/>
+              </a:ext>
+            </a:extLst>
+          </a:blip>
+          <a:srcRect/>
+          <a:stretch>
+            <a:fillRect/>
+          </a:stretch>
+        </p:blipFill>
+        <p:spPr bwMode="auto">
+          <a:xfrm>
+            <a:off x="316664" y="1613452"/>
+            <a:ext cx="5715000" cy="3810000"/>
+          </a:xfrm>
+          <a:prstGeom prst="rect">
+            <a:avLst/>
+          </a:prstGeom>
+          <a:noFill/>
+          <a:ln>
+            <a:solidFill>
+              <a:schemeClr val="tx1"/>
+            </a:solidFill>
+          </a:ln>
+          <a:extLst>
+            <a:ext uri="{909E8E84-426E-40DD-AFC4-6F175D3DCCD1}">
+              <a14:hiddenFill xmlns:a14="http://schemas.microsoft.com/office/drawing/2010/main">
+                <a:solidFill>
+                  <a:srgbClr val="FFFFFF"/>
+                </a:solidFill>
+              </a14:hiddenFill>
+            </a:ext>
+          </a:extLst>
+        </p:spPr>
+      </p:pic>
+      <p:pic>
+        <p:nvPicPr>
+          <p:cNvPr id="16390" name="Picture 6">
+            <a:extLst>
+              <a:ext uri="{FF2B5EF4-FFF2-40B4-BE49-F238E27FC236}">
+                <a16:creationId xmlns:a16="http://schemas.microsoft.com/office/drawing/2014/main" id="{7ACFC743-6E64-7B27-D4E4-00BCB24D181C}"/>
+              </a:ext>
+            </a:extLst>
+          </p:cNvPr>
+          <p:cNvPicPr>
+            <a:picLocks noChangeAspect="1" noChangeArrowheads="1"/>
+          </p:cNvPicPr>
+          <p:nvPr/>
+        </p:nvPicPr>
+        <p:blipFill>
+          <a:blip r:embed="rId3">
+            <a:extLst>
+              <a:ext uri="{28A0092B-C50C-407E-A947-70E740481C1C}">
+                <a14:useLocalDpi xmlns:a14="http://schemas.microsoft.com/office/drawing/2010/main" val="0"/>
+              </a:ext>
+            </a:extLst>
+          </a:blip>
+          <a:srcRect/>
+          <a:stretch>
+            <a:fillRect/>
+          </a:stretch>
+        </p:blipFill>
+        <p:spPr bwMode="auto">
+          <a:xfrm>
+            <a:off x="6230178" y="1613452"/>
+            <a:ext cx="5715000" cy="3810000"/>
+          </a:xfrm>
+          <a:prstGeom prst="rect">
+            <a:avLst/>
+          </a:prstGeom>
+          <a:noFill/>
+          <a:ln>
+            <a:solidFill>
+              <a:schemeClr val="tx1"/>
+            </a:solidFill>
+          </a:ln>
+          <a:extLst>
+            <a:ext uri="{909E8E84-426E-40DD-AFC4-6F175D3DCCD1}">
+              <a14:hiddenFill xmlns:a14="http://schemas.microsoft.com/office/drawing/2010/main">
+                <a:solidFill>
+                  <a:srgbClr val="FFFFFF"/>
+                </a:solidFill>
+              </a14:hiddenFill>
+            </a:ext>
+          </a:extLst>
+        </p:spPr>
+      </p:pic>
+    </p:spTree>
+    <p:extLst>
+      <p:ext uri="{BB962C8B-B14F-4D97-AF65-F5344CB8AC3E}">
+        <p14:creationId xmlns:p14="http://schemas.microsoft.com/office/powerpoint/2010/main" val="178517100"/>
+      </p:ext>
+    </p:extLst>
+  </p:cSld>
+  <p:clrMapOvr>
+    <a:masterClrMapping/>
+  </p:clrMapOvr>
+</p:sld>
+</file>
+
+<file path=ppt/slides/slide27.xml><?xml version="1.0" encoding="utf-8"?>
+<p:sld xmlns:a="http://schemas.openxmlformats.org/drawingml/2006/main" xmlns:r="http://schemas.openxmlformats.org/officeDocument/2006/relationships" xmlns:p="http://schemas.openxmlformats.org/presentationml/2006/main">
+  <p:cSld>
+    <p:spTree>
+      <p:nvGrpSpPr>
+        <p:cNvPr id="1" name=""/>
+        <p:cNvGrpSpPr/>
+        <p:nvPr/>
+      </p:nvGrpSpPr>
+      <p:grpSpPr>
+        <a:xfrm>
+          <a:off x="0" y="0"/>
+          <a:ext cx="0" cy="0"/>
+          <a:chOff x="0" y="0"/>
+          <a:chExt cx="0" cy="0"/>
+        </a:xfrm>
+      </p:grpSpPr>
+      <p:sp>
+        <p:nvSpPr>
+          <p:cNvPr id="4" name="TextBox 3">
+            <a:extLst>
+              <a:ext uri="{FF2B5EF4-FFF2-40B4-BE49-F238E27FC236}">
+                <a16:creationId xmlns:a16="http://schemas.microsoft.com/office/drawing/2014/main" id="{ABEE0C82-F408-6D35-B781-73856423EC64}"/>
+              </a:ext>
+            </a:extLst>
+          </p:cNvPr>
+          <p:cNvSpPr txBox="1"/>
+          <p:nvPr/>
+        </p:nvSpPr>
+        <p:spPr>
+          <a:xfrm>
+            <a:off x="2830135" y="2951946"/>
+            <a:ext cx="6531729" cy="954107"/>
+          </a:xfrm>
+          <a:prstGeom prst="rect">
+            <a:avLst/>
+          </a:prstGeom>
+          <a:noFill/>
+        </p:spPr>
+        <p:txBody>
+          <a:bodyPr wrap="square" rtlCol="0">
+            <a:spAutoFit/>
+          </a:bodyPr>
+          <a:lstStyle/>
+          <a:p>
+            <a:pPr algn="ctr"/>
+            <a:r>
+              <a:rPr lang="en-GB" sz="2800" b="1" dirty="0"/>
+              <a:t>Sensitivity analysis results </a:t>
+            </a:r>
+          </a:p>
+          <a:p>
+            <a:pPr algn="ctr"/>
+            <a:r>
+              <a:rPr lang="en-GB" sz="2800" b="1" dirty="0"/>
+              <a:t>Varying R0</a:t>
+            </a:r>
+            <a:endParaRPr lang="en-GB" sz="2800" dirty="0"/>
+          </a:p>
+        </p:txBody>
+      </p:sp>
+    </p:spTree>
+    <p:extLst>
+      <p:ext uri="{BB962C8B-B14F-4D97-AF65-F5344CB8AC3E}">
+        <p14:creationId xmlns:p14="http://schemas.microsoft.com/office/powerpoint/2010/main" val="3041229881"/>
+      </p:ext>
+    </p:extLst>
+  </p:cSld>
+  <p:clrMapOvr>
+    <a:masterClrMapping/>
+  </p:clrMapOvr>
+</p:sld>
+</file>
+
+<file path=ppt/slides/slide28.xml><?xml version="1.0" encoding="utf-8"?>
+<p:sld xmlns:a="http://schemas.openxmlformats.org/drawingml/2006/main" xmlns:r="http://schemas.openxmlformats.org/officeDocument/2006/relationships" xmlns:p="http://schemas.openxmlformats.org/presentationml/2006/main">
+  <p:cSld>
+    <p:spTree>
+      <p:nvGrpSpPr>
+        <p:cNvPr id="1" name=""/>
+        <p:cNvGrpSpPr/>
+        <p:nvPr/>
+      </p:nvGrpSpPr>
+      <p:grpSpPr>
+        <a:xfrm>
+          <a:off x="0" y="0"/>
+          <a:ext cx="0" cy="0"/>
+          <a:chOff x="0" y="0"/>
+          <a:chExt cx="0" cy="0"/>
+        </a:xfrm>
+      </p:grpSpPr>
+      <p:pic>
+        <p:nvPicPr>
+          <p:cNvPr id="1028" name="Picture 4">
+            <a:extLst>
+              <a:ext uri="{FF2B5EF4-FFF2-40B4-BE49-F238E27FC236}">
+                <a16:creationId xmlns:a16="http://schemas.microsoft.com/office/drawing/2014/main" id="{BF2A0961-7222-156D-7832-41B6F7A21985}"/>
+              </a:ext>
+            </a:extLst>
+          </p:cNvPr>
+          <p:cNvPicPr>
+            <a:picLocks noChangeAspect="1" noChangeArrowheads="1"/>
+          </p:cNvPicPr>
+          <p:nvPr/>
+        </p:nvPicPr>
+        <p:blipFill>
+          <a:blip r:embed="rId2">
+            <a:extLst>
+              <a:ext uri="{28A0092B-C50C-407E-A947-70E740481C1C}">
+                <a14:useLocalDpi xmlns:a14="http://schemas.microsoft.com/office/drawing/2010/main" val="0"/>
+              </a:ext>
+            </a:extLst>
+          </a:blip>
+          <a:srcRect/>
+          <a:stretch>
+            <a:fillRect/>
+          </a:stretch>
+        </p:blipFill>
+        <p:spPr bwMode="auto">
+          <a:xfrm>
+            <a:off x="122583" y="1379882"/>
+            <a:ext cx="5715000" cy="3810000"/>
+          </a:xfrm>
+          <a:prstGeom prst="rect">
+            <a:avLst/>
+          </a:prstGeom>
+          <a:noFill/>
+          <a:ln>
+            <a:solidFill>
+              <a:schemeClr val="tx1"/>
+            </a:solidFill>
+          </a:ln>
+          <a:extLst>
+            <a:ext uri="{909E8E84-426E-40DD-AFC4-6F175D3DCCD1}">
+              <a14:hiddenFill xmlns:a14="http://schemas.microsoft.com/office/drawing/2010/main">
+                <a:solidFill>
+                  <a:srgbClr val="FFFFFF"/>
+                </a:solidFill>
+              </a14:hiddenFill>
+            </a:ext>
+          </a:extLst>
+        </p:spPr>
+      </p:pic>
+      <p:pic>
+        <p:nvPicPr>
+          <p:cNvPr id="1030" name="Picture 6">
+            <a:extLst>
+              <a:ext uri="{FF2B5EF4-FFF2-40B4-BE49-F238E27FC236}">
+                <a16:creationId xmlns:a16="http://schemas.microsoft.com/office/drawing/2014/main" id="{DE4F6407-09D6-A8B4-7688-F7C551EBC2B2}"/>
+              </a:ext>
+            </a:extLst>
+          </p:cNvPr>
+          <p:cNvPicPr>
+            <a:picLocks noChangeAspect="1" noChangeArrowheads="1"/>
+          </p:cNvPicPr>
+          <p:nvPr/>
+        </p:nvPicPr>
+        <p:blipFill>
+          <a:blip r:embed="rId3">
+            <a:extLst>
+              <a:ext uri="{28A0092B-C50C-407E-A947-70E740481C1C}">
+                <a14:useLocalDpi xmlns:a14="http://schemas.microsoft.com/office/drawing/2010/main" val="0"/>
+              </a:ext>
+            </a:extLst>
+          </a:blip>
+          <a:srcRect/>
+          <a:stretch>
+            <a:fillRect/>
+          </a:stretch>
+        </p:blipFill>
+        <p:spPr bwMode="auto">
+          <a:xfrm>
+            <a:off x="6170544" y="1379882"/>
+            <a:ext cx="5715000" cy="3810000"/>
+          </a:xfrm>
+          <a:prstGeom prst="rect">
+            <a:avLst/>
+          </a:prstGeom>
+          <a:noFill/>
+          <a:ln>
+            <a:solidFill>
+              <a:schemeClr val="tx1"/>
+            </a:solidFill>
+          </a:ln>
+          <a:extLst>
+            <a:ext uri="{909E8E84-426E-40DD-AFC4-6F175D3DCCD1}">
+              <a14:hiddenFill xmlns:a14="http://schemas.microsoft.com/office/drawing/2010/main">
+                <a:solidFill>
+                  <a:srgbClr val="FFFFFF"/>
+                </a:solidFill>
+              </a14:hiddenFill>
+            </a:ext>
+          </a:extLst>
+        </p:spPr>
+      </p:pic>
+    </p:spTree>
+    <p:extLst>
+      <p:ext uri="{BB962C8B-B14F-4D97-AF65-F5344CB8AC3E}">
+        <p14:creationId xmlns:p14="http://schemas.microsoft.com/office/powerpoint/2010/main" val="15769746"/>
+      </p:ext>
+    </p:extLst>
+  </p:cSld>
+  <p:clrMapOvr>
+    <a:masterClrMapping/>
+  </p:clrMapOvr>
+</p:sld>
+</file>
+
+<file path=ppt/slides/slide29.xml><?xml version="1.0" encoding="utf-8"?>
+<p:sld xmlns:a="http://schemas.openxmlformats.org/drawingml/2006/main" xmlns:r="http://schemas.openxmlformats.org/officeDocument/2006/relationships" xmlns:p="http://schemas.openxmlformats.org/presentationml/2006/main">
+  <p:cSld>
+    <p:spTree>
+      <p:nvGrpSpPr>
+        <p:cNvPr id="1" name=""/>
+        <p:cNvGrpSpPr/>
+        <p:nvPr/>
+      </p:nvGrpSpPr>
+      <p:grpSpPr>
+        <a:xfrm>
+          <a:off x="0" y="0"/>
+          <a:ext cx="0" cy="0"/>
+          <a:chOff x="0" y="0"/>
+          <a:chExt cx="0" cy="0"/>
+        </a:xfrm>
+      </p:grpSpPr>
+      <p:sp>
+        <p:nvSpPr>
+          <p:cNvPr id="4" name="TextBox 3">
+            <a:extLst>
+              <a:ext uri="{FF2B5EF4-FFF2-40B4-BE49-F238E27FC236}">
+                <a16:creationId xmlns:a16="http://schemas.microsoft.com/office/drawing/2014/main" id="{ABEE0C82-F408-6D35-B781-73856423EC64}"/>
+              </a:ext>
+            </a:extLst>
+          </p:cNvPr>
+          <p:cNvSpPr txBox="1"/>
+          <p:nvPr/>
+        </p:nvSpPr>
+        <p:spPr>
+          <a:xfrm>
+            <a:off x="249495" y="627390"/>
+            <a:ext cx="11546265" cy="5016758"/>
+          </a:xfrm>
+          <a:prstGeom prst="rect">
+            <a:avLst/>
+          </a:prstGeom>
+          <a:noFill/>
+        </p:spPr>
+        <p:txBody>
+          <a:bodyPr wrap="square" rtlCol="0">
+            <a:spAutoFit/>
+          </a:bodyPr>
+          <a:lstStyle/>
+          <a:p>
+            <a:r>
+              <a:rPr lang="en-GB" sz="2800" b="1" dirty="0"/>
+              <a:t>Pending Conclusions</a:t>
+            </a:r>
+          </a:p>
+          <a:p>
+            <a:pPr marL="457200" indent="-457200">
+              <a:buFontTx/>
+              <a:buChar char="-"/>
+            </a:pPr>
+            <a:r>
+              <a:rPr lang="en-GB" sz="2400" dirty="0"/>
+              <a:t>Under the R0=1.05 (Plausible scenario in terms of AFP cases), </a:t>
+            </a:r>
+          </a:p>
+          <a:p>
+            <a:r>
+              <a:rPr lang="en-GB" sz="2400" dirty="0"/>
+              <a:t> % of early detect by ES: 77.2, and 100 days ahead of AFP detections.</a:t>
+            </a:r>
+          </a:p>
+          <a:p>
+            <a:r>
+              <a:rPr lang="en-GB" sz="2400" dirty="0"/>
+              <a:t>Among all detected simulations, ES only accounts for 45%, whereas </a:t>
+            </a:r>
+          </a:p>
+          <a:p>
+            <a:r>
+              <a:rPr lang="en-GB" sz="2400" dirty="0"/>
+              <a:t>AFP only accounts for 12%.</a:t>
+            </a:r>
+          </a:p>
+          <a:p>
+            <a:endParaRPr lang="en-GB" sz="2400" dirty="0"/>
+          </a:p>
+          <a:p>
+            <a:pPr marL="457200" indent="-457200">
+              <a:buFontTx/>
+              <a:buChar char="-"/>
+            </a:pPr>
+            <a:r>
+              <a:rPr lang="en-GB" sz="2400" dirty="0"/>
+              <a:t>By 50% of population coverage of ES surveillance, the lead time for ES increases significantly, but after that, the additional benefit is diminished.</a:t>
+            </a:r>
+          </a:p>
+          <a:p>
+            <a:pPr marL="457200" indent="-457200">
+              <a:buFontTx/>
+              <a:buChar char="-"/>
+            </a:pPr>
+            <a:r>
+              <a:rPr lang="en-GB" sz="2400" dirty="0"/>
+              <a:t>ES ability of detection, (expressed by hazard coefficient) becomes important if 90% detection probability is achieved when 25 or more infectious individuals appear. </a:t>
+            </a:r>
+          </a:p>
+          <a:p>
+            <a:pPr marL="457200" indent="-457200">
+              <a:buFontTx/>
+              <a:buChar char="-"/>
+            </a:pPr>
+            <a:r>
+              <a:rPr lang="en-GB" sz="2400" dirty="0"/>
+              <a:t>Frequency of sampling increases the ES only detection, but does not affect percentages of both detection and the lead time.</a:t>
+            </a:r>
+          </a:p>
+          <a:p>
+            <a:pPr marL="457200" indent="-457200">
+              <a:buFontTx/>
+              <a:buChar char="-"/>
+            </a:pPr>
+            <a:endParaRPr lang="en-GB" sz="2800" dirty="0"/>
+          </a:p>
+        </p:txBody>
+      </p:sp>
+    </p:spTree>
+    <p:extLst>
+      <p:ext uri="{BB962C8B-B14F-4D97-AF65-F5344CB8AC3E}">
+        <p14:creationId xmlns:p14="http://schemas.microsoft.com/office/powerpoint/2010/main" val="3312220629"/>
+      </p:ext>
+    </p:extLst>
+  </p:cSld>
+  <p:clrMapOvr>
+    <a:masterClrMapping/>
+  </p:clrMapOvr>
+</p:sld>
+</file>
+
+<file path=ppt/slides/slide3.xml><?xml version="1.0" encoding="utf-8"?>
+<p:sld xmlns:a="http://schemas.openxmlformats.org/drawingml/2006/main" xmlns:r="http://schemas.openxmlformats.org/officeDocument/2006/relationships" xmlns:p="http://schemas.openxmlformats.org/presentationml/2006/main">
+  <p:cSld>
+    <p:spTree>
+      <p:nvGrpSpPr>
+        <p:cNvPr id="1" name=""/>
+        <p:cNvGrpSpPr/>
+        <p:nvPr/>
+      </p:nvGrpSpPr>
+      <p:grpSpPr>
+        <a:xfrm>
+          <a:off x="0" y="0"/>
+          <a:ext cx="0" cy="0"/>
+          <a:chOff x="0" y="0"/>
+          <a:chExt cx="0" cy="0"/>
+        </a:xfrm>
+      </p:grpSpPr>
+      <p:sp>
+        <p:nvSpPr>
+          <p:cNvPr id="2" name="TextBox 1">
+            <a:extLst>
+              <a:ext uri="{FF2B5EF4-FFF2-40B4-BE49-F238E27FC236}">
+                <a16:creationId xmlns:a16="http://schemas.microsoft.com/office/drawing/2014/main" id="{6B92A0D8-0AAC-C65E-69D9-096D18F621E7}"/>
+              </a:ext>
+            </a:extLst>
+          </p:cNvPr>
+          <p:cNvSpPr txBox="1"/>
+          <p:nvPr/>
+        </p:nvSpPr>
+        <p:spPr>
+          <a:xfrm>
+            <a:off x="589280" y="-20320"/>
+            <a:ext cx="3393440" cy="523220"/>
+          </a:xfrm>
+          <a:prstGeom prst="rect">
+            <a:avLst/>
+          </a:prstGeom>
+          <a:noFill/>
+        </p:spPr>
+        <p:txBody>
+          <a:bodyPr wrap="square" rtlCol="0">
+            <a:spAutoFit/>
+          </a:bodyPr>
+          <a:lstStyle/>
+          <a:p>
+            <a:r>
+              <a:rPr lang="en-GB" sz="2800" dirty="0"/>
+              <a:t>Model formulation</a:t>
+            </a:r>
+          </a:p>
+        </p:txBody>
+      </p:sp>
+      <p:pic>
+        <p:nvPicPr>
+          <p:cNvPr id="7" name="Picture 6" descr="A picture containing diagram, line, font, plan&#10;&#10;Description automatically generated">
+            <a:extLst>
+              <a:ext uri="{FF2B5EF4-FFF2-40B4-BE49-F238E27FC236}">
+                <a16:creationId xmlns:a16="http://schemas.microsoft.com/office/drawing/2014/main" id="{C8DD2A77-8D93-E1ED-03C8-44887BB9151F}"/>
+              </a:ext>
+            </a:extLst>
+          </p:cNvPr>
+          <p:cNvPicPr>
+            <a:picLocks noChangeAspect="1"/>
+          </p:cNvPicPr>
+          <p:nvPr/>
+        </p:nvPicPr>
+        <p:blipFill>
+          <a:blip r:embed="rId2"/>
+          <a:stretch>
+            <a:fillRect/>
+          </a:stretch>
+        </p:blipFill>
+        <p:spPr>
+          <a:xfrm>
+            <a:off x="589280" y="502900"/>
+            <a:ext cx="4410075" cy="1674495"/>
+          </a:xfrm>
+          <a:prstGeom prst="rect">
+            <a:avLst/>
+          </a:prstGeom>
+          <a:ln>
+            <a:solidFill>
+              <a:schemeClr val="tx1"/>
+            </a:solidFill>
+          </a:ln>
+        </p:spPr>
+      </p:pic>
+      <p:pic>
+        <p:nvPicPr>
+          <p:cNvPr id="9" name="Picture 8">
+            <a:extLst>
+              <a:ext uri="{FF2B5EF4-FFF2-40B4-BE49-F238E27FC236}">
+                <a16:creationId xmlns:a16="http://schemas.microsoft.com/office/drawing/2014/main" id="{8FA888B8-53CD-7BF1-90F0-DD50BDBB4EE1}"/>
+              </a:ext>
+            </a:extLst>
+          </p:cNvPr>
+          <p:cNvPicPr>
+            <a:picLocks noChangeAspect="1"/>
+          </p:cNvPicPr>
+          <p:nvPr/>
+        </p:nvPicPr>
+        <p:blipFill>
+          <a:blip r:embed="rId3"/>
+          <a:stretch>
+            <a:fillRect/>
+          </a:stretch>
+        </p:blipFill>
+        <p:spPr>
+          <a:xfrm>
+            <a:off x="259691" y="2290748"/>
+            <a:ext cx="6572298" cy="3800503"/>
+          </a:xfrm>
+          <a:prstGeom prst="rect">
+            <a:avLst/>
+          </a:prstGeom>
+        </p:spPr>
+      </p:pic>
+      <p:sp>
+        <p:nvSpPr>
+          <p:cNvPr id="10" name="TextBox 9">
+            <a:extLst>
+              <a:ext uri="{FF2B5EF4-FFF2-40B4-BE49-F238E27FC236}">
+                <a16:creationId xmlns:a16="http://schemas.microsoft.com/office/drawing/2014/main" id="{979434FE-D1DB-4303-DDB3-D9A2BB4435F1}"/>
+              </a:ext>
+            </a:extLst>
+          </p:cNvPr>
+          <p:cNvSpPr txBox="1"/>
+          <p:nvPr/>
+        </p:nvSpPr>
+        <p:spPr>
+          <a:xfrm>
+            <a:off x="7609839" y="241290"/>
+            <a:ext cx="4410075" cy="923330"/>
+          </a:xfrm>
+          <a:prstGeom prst="rect">
+            <a:avLst/>
+          </a:prstGeom>
+          <a:noFill/>
+        </p:spPr>
+        <p:txBody>
+          <a:bodyPr wrap="square" rtlCol="0">
+            <a:spAutoFit/>
+          </a:bodyPr>
+          <a:lstStyle/>
+          <a:p>
+            <a:r>
+              <a:rPr lang="en-GB" dirty="0"/>
+              <a:t>For the stochastic simulation, I used the binomial sampling based on the rate from the differential equations. </a:t>
+            </a:r>
+          </a:p>
+        </p:txBody>
+      </p:sp>
+      <p:pic>
+        <p:nvPicPr>
+          <p:cNvPr id="12" name="Picture 11">
+            <a:extLst>
+              <a:ext uri="{FF2B5EF4-FFF2-40B4-BE49-F238E27FC236}">
+                <a16:creationId xmlns:a16="http://schemas.microsoft.com/office/drawing/2014/main" id="{2A512172-B846-A0D9-AC15-6B866335C81E}"/>
+              </a:ext>
+            </a:extLst>
+          </p:cNvPr>
+          <p:cNvPicPr>
+            <a:picLocks noChangeAspect="1"/>
+          </p:cNvPicPr>
+          <p:nvPr/>
+        </p:nvPicPr>
+        <p:blipFill>
+          <a:blip r:embed="rId4"/>
+          <a:stretch>
+            <a:fillRect/>
+          </a:stretch>
+        </p:blipFill>
+        <p:spPr>
+          <a:xfrm>
+            <a:off x="7419305" y="1340147"/>
+            <a:ext cx="4600609" cy="3133748"/>
+          </a:xfrm>
+          <a:prstGeom prst="rect">
+            <a:avLst/>
+          </a:prstGeom>
+        </p:spPr>
+      </p:pic>
+    </p:spTree>
+    <p:extLst>
+      <p:ext uri="{BB962C8B-B14F-4D97-AF65-F5344CB8AC3E}">
+        <p14:creationId xmlns:p14="http://schemas.microsoft.com/office/powerpoint/2010/main" val="1210166557"/>
+      </p:ext>
+    </p:extLst>
+  </p:cSld>
+  <p:clrMapOvr>
+    <a:masterClrMapping/>
+  </p:clrMapOvr>
+</p:sld>
+</file>
+
+<file path=ppt/slides/slide30.xml><?xml version="1.0" encoding="utf-8"?>
+<p:sld xmlns:a="http://schemas.openxmlformats.org/drawingml/2006/main" xmlns:r="http://schemas.openxmlformats.org/officeDocument/2006/relationships" xmlns:p="http://schemas.openxmlformats.org/presentationml/2006/main">
+  <p:cSld>
+    <p:spTree>
+      <p:nvGrpSpPr>
+        <p:cNvPr id="1" name=""/>
+        <p:cNvGrpSpPr/>
+        <p:nvPr/>
+      </p:nvGrpSpPr>
+      <p:grpSpPr>
+        <a:xfrm>
+          <a:off x="0" y="0"/>
+          <a:ext cx="0" cy="0"/>
+          <a:chOff x="0" y="0"/>
+          <a:chExt cx="0" cy="0"/>
+        </a:xfrm>
+      </p:grpSpPr>
+      <p:sp>
+        <p:nvSpPr>
+          <p:cNvPr id="2" name="TextBox 1">
+            <a:extLst>
+              <a:ext uri="{FF2B5EF4-FFF2-40B4-BE49-F238E27FC236}">
+                <a16:creationId xmlns:a16="http://schemas.microsoft.com/office/drawing/2014/main" id="{4B81B203-C4A8-E61C-DB7C-55BB787897ED}"/>
+              </a:ext>
+            </a:extLst>
+          </p:cNvPr>
+          <p:cNvSpPr txBox="1"/>
+          <p:nvPr/>
+        </p:nvSpPr>
+        <p:spPr>
+          <a:xfrm>
+            <a:off x="249495" y="627390"/>
+            <a:ext cx="11546265" cy="4585871"/>
+          </a:xfrm>
+          <a:prstGeom prst="rect">
+            <a:avLst/>
+          </a:prstGeom>
+          <a:noFill/>
+        </p:spPr>
+        <p:txBody>
+          <a:bodyPr wrap="square" rtlCol="0">
+            <a:spAutoFit/>
+          </a:bodyPr>
+          <a:lstStyle/>
+          <a:p>
+            <a:r>
+              <a:rPr lang="en-GB" sz="2800" b="1" dirty="0"/>
+              <a:t>Current consideration</a:t>
+            </a:r>
+          </a:p>
+          <a:p>
+            <a:pPr marL="342900" indent="-342900">
+              <a:buFontTx/>
+              <a:buChar char="-"/>
+            </a:pPr>
+            <a:r>
+              <a:rPr lang="en-GB" sz="2400" dirty="0"/>
+              <a:t>The simulation runs for 3 years, should I include the birth and death</a:t>
+            </a:r>
+            <a:r>
+              <a:rPr lang="en-US" altLang="ja-JP" sz="2400" dirty="0"/>
+              <a:t>?</a:t>
+            </a:r>
+            <a:r>
+              <a:rPr lang="en-GB" sz="2400" dirty="0"/>
+              <a:t> </a:t>
+            </a:r>
+          </a:p>
+          <a:p>
+            <a:pPr marL="800100" lvl="1" indent="-342900">
+              <a:buFontTx/>
+              <a:buChar char="-"/>
+            </a:pPr>
+            <a:r>
+              <a:rPr lang="en-GB" sz="2400" dirty="0"/>
+              <a:t>Though the age distribution in the </a:t>
+            </a:r>
+            <a:r>
+              <a:rPr lang="en-GB" sz="2400" dirty="0">
+                <a:hlinkClick r:id="rId2"/>
+              </a:rPr>
+              <a:t>Bradley G. Wagner 2014 </a:t>
+            </a:r>
+            <a:r>
+              <a:rPr lang="en-GB" sz="2400" dirty="0"/>
+              <a:t>Figure 5 shows when importation/outbreak, under 5 age group accounts for most, but people &gt; 5 years are also affected moderately. </a:t>
+            </a:r>
+          </a:p>
+          <a:p>
+            <a:pPr marL="342900" indent="-342900">
+              <a:buFontTx/>
+              <a:buChar char="-"/>
+            </a:pPr>
+            <a:r>
+              <a:rPr lang="en-GB" sz="2400" dirty="0"/>
+              <a:t>Is it ok to set the ES area according to the population size? </a:t>
+            </a:r>
+          </a:p>
+          <a:p>
+            <a:pPr marL="342900" indent="-342900">
+              <a:buFontTx/>
+              <a:buChar char="-"/>
+            </a:pPr>
+            <a:r>
+              <a:rPr lang="en-GB" sz="2400" dirty="0"/>
+              <a:t>Vaccine introduced model.</a:t>
+            </a:r>
+          </a:p>
+          <a:p>
+            <a:pPr marL="800100" lvl="1" indent="-342900">
+              <a:buFontTx/>
+              <a:buChar char="-"/>
+            </a:pPr>
+            <a:r>
+              <a:rPr lang="en-GB" sz="2400" dirty="0"/>
+              <a:t>If vaccinated individuals do not contribute to the secondary transmissions, the current model (R0=1.05, 1.10) expresses this situation. </a:t>
+            </a:r>
+            <a:r>
+              <a:rPr lang="en-US" altLang="ja-JP" sz="2400" dirty="0"/>
+              <a:t>β/(Nu + Nv)</a:t>
+            </a:r>
+            <a:endParaRPr lang="ja-JP" altLang="en-US" sz="2400" dirty="0"/>
+          </a:p>
+          <a:p>
+            <a:pPr marL="342900" indent="-342900">
+              <a:buFontTx/>
+              <a:buChar char="-"/>
+            </a:pPr>
+            <a:r>
+              <a:rPr lang="en-GB" altLang="ja-JP" sz="2400" dirty="0"/>
+              <a:t>Link functions for the detection from the number of infections.</a:t>
+            </a:r>
+          </a:p>
+          <a:p>
+            <a:pPr marL="342900" indent="-342900">
+              <a:buFontTx/>
+              <a:buChar char="-"/>
+            </a:pPr>
+            <a:endParaRPr lang="ja-JP" altLang="en-US" sz="2400" dirty="0"/>
+          </a:p>
+          <a:p>
+            <a:pPr lvl="1"/>
+            <a:endParaRPr lang="ja-JP" altLang="en-US" sz="2400" dirty="0"/>
+          </a:p>
+        </p:txBody>
+      </p:sp>
+    </p:spTree>
+    <p:extLst>
+      <p:ext uri="{BB962C8B-B14F-4D97-AF65-F5344CB8AC3E}">
+        <p14:creationId xmlns:p14="http://schemas.microsoft.com/office/powerpoint/2010/main" val="3122988351"/>
+      </p:ext>
+    </p:extLst>
+  </p:cSld>
+  <p:clrMapOvr>
+    <a:masterClrMapping/>
+  </p:clrMapOvr>
+</p:sld>
+</file>
+
+<file path=ppt/slides/slide31.xml><?xml version="1.0" encoding="utf-8"?>
+<p:sld xmlns:a="http://schemas.openxmlformats.org/drawingml/2006/main" xmlns:r="http://schemas.openxmlformats.org/officeDocument/2006/relationships" xmlns:p="http://schemas.openxmlformats.org/presentationml/2006/main">
+  <p:cSld>
+    <p:spTree>
+      <p:nvGrpSpPr>
+        <p:cNvPr id="1" name=""/>
+        <p:cNvGrpSpPr/>
+        <p:nvPr/>
+      </p:nvGrpSpPr>
+      <p:grpSpPr>
+        <a:xfrm>
+          <a:off x="0" y="0"/>
+          <a:ext cx="0" cy="0"/>
+          <a:chOff x="0" y="0"/>
+          <a:chExt cx="0" cy="0"/>
+        </a:xfrm>
+      </p:grpSpPr>
+      <p:pic>
+        <p:nvPicPr>
+          <p:cNvPr id="3" name="Picture 2">
+            <a:extLst>
+              <a:ext uri="{FF2B5EF4-FFF2-40B4-BE49-F238E27FC236}">
+                <a16:creationId xmlns:a16="http://schemas.microsoft.com/office/drawing/2014/main" id="{03CF6A84-83CC-10F8-527F-BDBAEBB150AB}"/>
+              </a:ext>
+            </a:extLst>
+          </p:cNvPr>
+          <p:cNvPicPr>
+            <a:picLocks noChangeAspect="1"/>
+          </p:cNvPicPr>
+          <p:nvPr/>
+        </p:nvPicPr>
+        <p:blipFill>
+          <a:blip r:embed="rId2"/>
+          <a:stretch>
+            <a:fillRect/>
+          </a:stretch>
+        </p:blipFill>
+        <p:spPr>
+          <a:xfrm>
+            <a:off x="480393" y="4045226"/>
+            <a:ext cx="11044065" cy="2637052"/>
+          </a:xfrm>
+          <a:prstGeom prst="rect">
+            <a:avLst/>
+          </a:prstGeom>
+          <a:ln>
+            <a:solidFill>
+              <a:schemeClr val="tx1"/>
+            </a:solidFill>
+          </a:ln>
+        </p:spPr>
+      </p:pic>
+      <p:pic>
+        <p:nvPicPr>
+          <p:cNvPr id="4" name="Picture 3">
+            <a:extLst>
+              <a:ext uri="{FF2B5EF4-FFF2-40B4-BE49-F238E27FC236}">
+                <a16:creationId xmlns:a16="http://schemas.microsoft.com/office/drawing/2014/main" id="{15460ACD-427A-0E90-299A-7DEE797FBB71}"/>
+              </a:ext>
+            </a:extLst>
+          </p:cNvPr>
+          <p:cNvPicPr>
+            <a:picLocks noChangeAspect="1"/>
+          </p:cNvPicPr>
+          <p:nvPr/>
+        </p:nvPicPr>
+        <p:blipFill>
+          <a:blip r:embed="rId3"/>
+          <a:stretch>
+            <a:fillRect/>
+          </a:stretch>
+        </p:blipFill>
+        <p:spPr>
+          <a:xfrm>
+            <a:off x="561102" y="1024017"/>
+            <a:ext cx="3071650" cy="2783684"/>
+          </a:xfrm>
+          <a:prstGeom prst="rect">
+            <a:avLst/>
+          </a:prstGeom>
+          <a:ln>
+            <a:solidFill>
+              <a:schemeClr val="tx1"/>
+            </a:solidFill>
+          </a:ln>
+        </p:spPr>
+      </p:pic>
+      <p:sp>
+        <p:nvSpPr>
+          <p:cNvPr id="5" name="TextBox 4">
+            <a:extLst>
+              <a:ext uri="{FF2B5EF4-FFF2-40B4-BE49-F238E27FC236}">
+                <a16:creationId xmlns:a16="http://schemas.microsoft.com/office/drawing/2014/main" id="{DDEADD31-C392-6478-FE81-B47C8DFA7DF3}"/>
+              </a:ext>
+            </a:extLst>
+          </p:cNvPr>
+          <p:cNvSpPr txBox="1"/>
+          <p:nvPr/>
+        </p:nvSpPr>
+        <p:spPr>
+          <a:xfrm>
+            <a:off x="655982" y="337929"/>
+            <a:ext cx="11141766" cy="646331"/>
+          </a:xfrm>
+          <a:prstGeom prst="rect">
+            <a:avLst/>
+          </a:prstGeom>
+          <a:noFill/>
+        </p:spPr>
+        <p:txBody>
+          <a:bodyPr wrap="square" rtlCol="0">
+            <a:spAutoFit/>
+          </a:bodyPr>
+          <a:lstStyle/>
+          <a:p>
+            <a:r>
+              <a:rPr lang="en-GB" b="1" dirty="0"/>
+              <a:t>COVID-19 context</a:t>
+            </a:r>
+            <a:r>
+              <a:rPr lang="en-GB" dirty="0"/>
+              <a:t>, first detection is modelled by logistic regression.</a:t>
+            </a:r>
+          </a:p>
+          <a:p>
+            <a:r>
+              <a:rPr lang="en-GB" dirty="0">
+                <a:hlinkClick r:id="rId4"/>
+              </a:rPr>
+              <a:t>Hiroki Ando 2023 </a:t>
+            </a:r>
+            <a:endParaRPr lang="en-GB" dirty="0"/>
+          </a:p>
+        </p:txBody>
+      </p:sp>
+    </p:spTree>
+    <p:extLst>
+      <p:ext uri="{BB962C8B-B14F-4D97-AF65-F5344CB8AC3E}">
+        <p14:creationId xmlns:p14="http://schemas.microsoft.com/office/powerpoint/2010/main" val="4093179054"/>
+      </p:ext>
+    </p:extLst>
+  </p:cSld>
+  <p:clrMapOvr>
+    <a:masterClrMapping/>
+  </p:clrMapOvr>
+</p:sld>
+</file>
+
+<file path=ppt/slides/slide32.xml><?xml version="1.0" encoding="utf-8"?>
+<p:sld xmlns:a="http://schemas.openxmlformats.org/drawingml/2006/main" xmlns:r="http://schemas.openxmlformats.org/officeDocument/2006/relationships" xmlns:p="http://schemas.openxmlformats.org/presentationml/2006/main">
+  <p:cSld>
+    <p:spTree>
+      <p:nvGrpSpPr>
+        <p:cNvPr id="1" name=""/>
+        <p:cNvGrpSpPr/>
+        <p:nvPr/>
+      </p:nvGrpSpPr>
+      <p:grpSpPr>
+        <a:xfrm>
+          <a:off x="0" y="0"/>
+          <a:ext cx="0" cy="0"/>
+          <a:chOff x="0" y="0"/>
+          <a:chExt cx="0" cy="0"/>
+        </a:xfrm>
+      </p:grpSpPr>
+      <p:pic>
+        <p:nvPicPr>
+          <p:cNvPr id="5" name="Picture 4">
+            <a:extLst>
+              <a:ext uri="{FF2B5EF4-FFF2-40B4-BE49-F238E27FC236}">
+                <a16:creationId xmlns:a16="http://schemas.microsoft.com/office/drawing/2014/main" id="{03B4F4FE-BCB7-C9CA-FCFC-F0BAF5565B94}"/>
+              </a:ext>
+            </a:extLst>
+          </p:cNvPr>
+          <p:cNvPicPr>
+            <a:picLocks noChangeAspect="1"/>
+          </p:cNvPicPr>
+          <p:nvPr/>
+        </p:nvPicPr>
+        <p:blipFill>
+          <a:blip r:embed="rId2"/>
+          <a:stretch>
+            <a:fillRect/>
+          </a:stretch>
+        </p:blipFill>
+        <p:spPr>
+          <a:xfrm>
+            <a:off x="120073" y="1280047"/>
+            <a:ext cx="5754402" cy="4009215"/>
+          </a:xfrm>
+          <a:prstGeom prst="rect">
+            <a:avLst/>
+          </a:prstGeom>
+          <a:ln>
+            <a:solidFill>
+              <a:schemeClr val="tx1"/>
+            </a:solidFill>
+          </a:ln>
+        </p:spPr>
+      </p:pic>
+      <p:pic>
+        <p:nvPicPr>
+          <p:cNvPr id="7" name="Picture 6">
+            <a:extLst>
+              <a:ext uri="{FF2B5EF4-FFF2-40B4-BE49-F238E27FC236}">
+                <a16:creationId xmlns:a16="http://schemas.microsoft.com/office/drawing/2014/main" id="{38FA4D38-AC07-2B09-8815-752877CFB98A}"/>
+              </a:ext>
+            </a:extLst>
+          </p:cNvPr>
+          <p:cNvPicPr>
+            <a:picLocks noChangeAspect="1"/>
+          </p:cNvPicPr>
+          <p:nvPr/>
+        </p:nvPicPr>
+        <p:blipFill>
+          <a:blip r:embed="rId3"/>
+          <a:stretch>
+            <a:fillRect/>
+          </a:stretch>
+        </p:blipFill>
+        <p:spPr>
+          <a:xfrm>
+            <a:off x="6096000" y="1248408"/>
+            <a:ext cx="5686839" cy="4040854"/>
+          </a:xfrm>
+          <a:prstGeom prst="rect">
+            <a:avLst/>
+          </a:prstGeom>
+          <a:ln>
+            <a:solidFill>
+              <a:schemeClr val="tx1"/>
+            </a:solidFill>
+          </a:ln>
+        </p:spPr>
+      </p:pic>
+      <p:sp>
+        <p:nvSpPr>
+          <p:cNvPr id="8" name="TextBox 7">
+            <a:extLst>
+              <a:ext uri="{FF2B5EF4-FFF2-40B4-BE49-F238E27FC236}">
+                <a16:creationId xmlns:a16="http://schemas.microsoft.com/office/drawing/2014/main" id="{46EC50A2-EFE7-7E59-C7F4-DBFB1AE10AFE}"/>
+              </a:ext>
+            </a:extLst>
+          </p:cNvPr>
+          <p:cNvSpPr txBox="1"/>
+          <p:nvPr/>
+        </p:nvSpPr>
+        <p:spPr>
+          <a:xfrm>
+            <a:off x="525117" y="427381"/>
+            <a:ext cx="11141766" cy="369332"/>
+          </a:xfrm>
+          <a:prstGeom prst="rect">
+            <a:avLst/>
+          </a:prstGeom>
+          <a:noFill/>
+        </p:spPr>
+        <p:txBody>
+          <a:bodyPr wrap="square" rtlCol="0">
+            <a:spAutoFit/>
+          </a:bodyPr>
+          <a:lstStyle/>
+          <a:p>
+            <a:r>
+              <a:rPr lang="en-GB" b="1" dirty="0"/>
+              <a:t>Vaccination effects in the context VDPV2 transmission</a:t>
+            </a:r>
+          </a:p>
+        </p:txBody>
+      </p:sp>
+    </p:spTree>
+    <p:extLst>
+      <p:ext uri="{BB962C8B-B14F-4D97-AF65-F5344CB8AC3E}">
+        <p14:creationId xmlns:p14="http://schemas.microsoft.com/office/powerpoint/2010/main" val="4196715273"/>
+      </p:ext>
+    </p:extLst>
+  </p:cSld>
+  <p:clrMapOvr>
+    <a:masterClrMapping/>
+  </p:clrMapOvr>
+</p:sld>
+</file>
+
+<file path=ppt/slides/slide33.xml><?xml version="1.0" encoding="utf-8"?>
+<p:sld xmlns:a="http://schemas.openxmlformats.org/drawingml/2006/main" xmlns:r="http://schemas.openxmlformats.org/officeDocument/2006/relationships" xmlns:p="http://schemas.openxmlformats.org/presentationml/2006/main">
+  <p:cSld>
+    <p:spTree>
+      <p:nvGrpSpPr>
+        <p:cNvPr id="1" name=""/>
+        <p:cNvGrpSpPr/>
+        <p:nvPr/>
+      </p:nvGrpSpPr>
+      <p:grpSpPr>
+        <a:xfrm>
+          <a:off x="0" y="0"/>
+          <a:ext cx="0" cy="0"/>
+          <a:chOff x="0" y="0"/>
+          <a:chExt cx="0" cy="0"/>
+        </a:xfrm>
+      </p:grpSpPr>
+      <p:pic>
+        <p:nvPicPr>
+          <p:cNvPr id="5" name="Picture 4">
+            <a:extLst>
+              <a:ext uri="{FF2B5EF4-FFF2-40B4-BE49-F238E27FC236}">
+                <a16:creationId xmlns:a16="http://schemas.microsoft.com/office/drawing/2014/main" id="{F23AA7D0-F200-36D8-6997-621FFF8748C1}"/>
+              </a:ext>
+            </a:extLst>
+          </p:cNvPr>
+          <p:cNvPicPr>
+            <a:picLocks noChangeAspect="1"/>
+          </p:cNvPicPr>
+          <p:nvPr/>
+        </p:nvPicPr>
+        <p:blipFill>
+          <a:blip r:embed="rId2"/>
+          <a:stretch>
+            <a:fillRect/>
+          </a:stretch>
+        </p:blipFill>
+        <p:spPr>
+          <a:xfrm>
+            <a:off x="949784" y="574386"/>
+            <a:ext cx="6734224" cy="3562376"/>
+          </a:xfrm>
+          <a:prstGeom prst="rect">
+            <a:avLst/>
+          </a:prstGeom>
+          <a:ln>
+            <a:solidFill>
+              <a:schemeClr val="tx1"/>
+            </a:solidFill>
+          </a:ln>
+        </p:spPr>
+      </p:pic>
+      <p:pic>
+        <p:nvPicPr>
+          <p:cNvPr id="6" name="Picture 5">
+            <a:extLst>
+              <a:ext uri="{FF2B5EF4-FFF2-40B4-BE49-F238E27FC236}">
+                <a16:creationId xmlns:a16="http://schemas.microsoft.com/office/drawing/2014/main" id="{D21D9901-8CD0-6E22-12DE-0669C119D3B5}"/>
+              </a:ext>
+            </a:extLst>
+          </p:cNvPr>
+          <p:cNvPicPr>
+            <a:picLocks noChangeAspect="1"/>
+          </p:cNvPicPr>
+          <p:nvPr/>
+        </p:nvPicPr>
+        <p:blipFill rotWithShape="1">
+          <a:blip r:embed="rId3"/>
+          <a:srcRect t="71663"/>
+          <a:stretch/>
+        </p:blipFill>
+        <p:spPr>
+          <a:xfrm>
+            <a:off x="1030747" y="4398065"/>
+            <a:ext cx="6572298" cy="1076960"/>
+          </a:xfrm>
+          <a:prstGeom prst="rect">
+            <a:avLst/>
+          </a:prstGeom>
+        </p:spPr>
+      </p:pic>
+      <p:sp>
+        <p:nvSpPr>
+          <p:cNvPr id="7" name="TextBox 6">
+            <a:extLst>
+              <a:ext uri="{FF2B5EF4-FFF2-40B4-BE49-F238E27FC236}">
+                <a16:creationId xmlns:a16="http://schemas.microsoft.com/office/drawing/2014/main" id="{0AD199BC-6752-906D-9D18-F6321AE18A76}"/>
+              </a:ext>
+            </a:extLst>
+          </p:cNvPr>
+          <p:cNvSpPr txBox="1"/>
+          <p:nvPr/>
+        </p:nvSpPr>
+        <p:spPr>
+          <a:xfrm>
+            <a:off x="660952" y="5360284"/>
+            <a:ext cx="10679596" cy="1477328"/>
+          </a:xfrm>
+          <a:prstGeom prst="rect">
+            <a:avLst/>
+          </a:prstGeom>
+          <a:noFill/>
+        </p:spPr>
+        <p:txBody>
+          <a:bodyPr wrap="square" rtlCol="0">
+            <a:spAutoFit/>
+          </a:bodyPr>
+          <a:lstStyle/>
+          <a:p>
+            <a:r>
+              <a:rPr lang="en-GB" dirty="0"/>
+              <a:t>-&gt; Vi (IPV vaccinated) would contribute to the transmission?</a:t>
+            </a:r>
+          </a:p>
+          <a:p>
+            <a:r>
+              <a:rPr lang="en-GB" dirty="0"/>
+              <a:t>If IPV and OPV, it contributes much less for the transmission. </a:t>
+            </a:r>
+          </a:p>
+          <a:p>
+            <a:r>
+              <a:rPr lang="en-GB" dirty="0"/>
+              <a:t>If IPV only, some levels of protection are present due to non-epidemic in developed countries for a long time.</a:t>
+            </a:r>
+          </a:p>
+          <a:p>
+            <a:r>
+              <a:rPr lang="en-GB" dirty="0"/>
+              <a:t>What’s the VE against AFP development from IPV? And Virus shedding contribution is different for ES (but negligible due to lack of mucosal immunity?). </a:t>
+            </a:r>
+          </a:p>
+        </p:txBody>
+      </p:sp>
+      <p:sp>
+        <p:nvSpPr>
+          <p:cNvPr id="9" name="TextBox 8">
+            <a:extLst>
+              <a:ext uri="{FF2B5EF4-FFF2-40B4-BE49-F238E27FC236}">
+                <a16:creationId xmlns:a16="http://schemas.microsoft.com/office/drawing/2014/main" id="{CBA64E50-BDB7-1A7B-FC11-0BD1C56C828F}"/>
+              </a:ext>
+            </a:extLst>
+          </p:cNvPr>
+          <p:cNvSpPr txBox="1"/>
+          <p:nvPr/>
+        </p:nvSpPr>
+        <p:spPr>
+          <a:xfrm>
+            <a:off x="4497457" y="4840423"/>
+            <a:ext cx="4189343" cy="369332"/>
+          </a:xfrm>
+          <a:prstGeom prst="rect">
+            <a:avLst/>
+          </a:prstGeom>
+          <a:noFill/>
+        </p:spPr>
+        <p:txBody>
+          <a:bodyPr wrap="square" rtlCol="0">
+            <a:spAutoFit/>
+          </a:bodyPr>
+          <a:lstStyle/>
+          <a:p>
+            <a:r>
+              <a:rPr lang="en-GB" dirty="0"/>
+              <a:t>+ I</a:t>
+            </a:r>
+            <a:r>
+              <a:rPr lang="en-GB" baseline="-25000" dirty="0"/>
+              <a:t>IPV </a:t>
+            </a:r>
+            <a:r>
+              <a:rPr lang="en-GB" dirty="0"/>
+              <a:t>                            + I</a:t>
+            </a:r>
+            <a:r>
+              <a:rPr lang="en-GB" baseline="-25000" dirty="0"/>
+              <a:t>IPV</a:t>
+            </a:r>
+            <a:r>
+              <a:rPr lang="en-GB" dirty="0"/>
+              <a:t>                         </a:t>
+            </a:r>
+            <a:endParaRPr lang="en-GB" baseline="-25000" dirty="0"/>
+          </a:p>
+        </p:txBody>
+      </p:sp>
+    </p:spTree>
+    <p:extLst>
+      <p:ext uri="{BB962C8B-B14F-4D97-AF65-F5344CB8AC3E}">
+        <p14:creationId xmlns:p14="http://schemas.microsoft.com/office/powerpoint/2010/main" val="203972491"/>
+      </p:ext>
+    </p:extLst>
+  </p:cSld>
+  <p:clrMapOvr>
+    <a:masterClrMapping/>
+  </p:clrMapOvr>
+</p:sld>
+</file>
+
+<file path=ppt/slides/slide4.xml><?xml version="1.0" encoding="utf-8"?>
 <p:sld xmlns:a="http://schemas.openxmlformats.org/drawingml/2006/main" xmlns:r="http://schemas.openxmlformats.org/officeDocument/2006/relationships" xmlns:p="http://schemas.openxmlformats.org/presentationml/2006/main">
   <p:cSld>
     <p:spTree>
@@ -6389,918 +8637,7 @@
 </p:sld>
 </file>
 
-<file path=ppt/slides/slide20.xml><?xml version="1.0" encoding="utf-8"?>
-<p:sld xmlns:a="http://schemas.openxmlformats.org/drawingml/2006/main" xmlns:r="http://schemas.openxmlformats.org/officeDocument/2006/relationships" xmlns:p="http://schemas.openxmlformats.org/presentationml/2006/main">
-  <p:cSld>
-    <p:spTree>
-      <p:nvGrpSpPr>
-        <p:cNvPr id="1" name=""/>
-        <p:cNvGrpSpPr/>
-        <p:nvPr/>
-      </p:nvGrpSpPr>
-      <p:grpSpPr>
-        <a:xfrm>
-          <a:off x="0" y="0"/>
-          <a:ext cx="0" cy="0"/>
-          <a:chOff x="0" y="0"/>
-          <a:chExt cx="0" cy="0"/>
-        </a:xfrm>
-      </p:grpSpPr>
-      <p:sp>
-        <p:nvSpPr>
-          <p:cNvPr id="6" name="TextBox 5">
-            <a:extLst>
-              <a:ext uri="{FF2B5EF4-FFF2-40B4-BE49-F238E27FC236}">
-                <a16:creationId xmlns:a16="http://schemas.microsoft.com/office/drawing/2014/main" id="{4F0F35B9-2DAA-0B3E-60D4-81272233020B}"/>
-              </a:ext>
-            </a:extLst>
-          </p:cNvPr>
-          <p:cNvSpPr txBox="1"/>
-          <p:nvPr/>
-        </p:nvSpPr>
-        <p:spPr>
-          <a:xfrm>
-            <a:off x="435934" y="175437"/>
-            <a:ext cx="8548577" cy="923330"/>
-          </a:xfrm>
-          <a:prstGeom prst="rect">
-            <a:avLst/>
-          </a:prstGeom>
-          <a:noFill/>
-        </p:spPr>
-        <p:txBody>
-          <a:bodyPr wrap="square" rtlCol="0">
-            <a:spAutoFit/>
-          </a:bodyPr>
-          <a:lstStyle/>
-          <a:p>
-            <a:r>
-              <a:rPr lang="en-GB" b="1" dirty="0"/>
-              <a:t>Hazard g</a:t>
-            </a:r>
-          </a:p>
-          <a:p>
-            <a:r>
-              <a:rPr lang="en-US" altLang="ja-JP" dirty="0"/>
-              <a:t>g is chosen such that </a:t>
-            </a:r>
-            <a:r>
-              <a:rPr lang="en-US" altLang="ja-JP" dirty="0" err="1"/>
-              <a:t>ωt</a:t>
-            </a:r>
-            <a:r>
-              <a:rPr lang="en-US" altLang="ja-JP" dirty="0"/>
-              <a:t> = 1 – e(g*N_pop90) = 0.9  </a:t>
-            </a:r>
-          </a:p>
-          <a:p>
-            <a:r>
-              <a:rPr lang="en-US" altLang="ja-JP" dirty="0"/>
-              <a:t>Baseline value is N_pop90 = 10 </a:t>
-            </a:r>
-            <a:endParaRPr lang="ja-JP" altLang="en-US" dirty="0"/>
-          </a:p>
-        </p:txBody>
-      </p:sp>
-      <p:pic>
-        <p:nvPicPr>
-          <p:cNvPr id="19458" name="Picture 2">
-            <a:extLst>
-              <a:ext uri="{FF2B5EF4-FFF2-40B4-BE49-F238E27FC236}">
-                <a16:creationId xmlns:a16="http://schemas.microsoft.com/office/drawing/2014/main" id="{D7DFD040-B4FD-858A-BF85-1958C778A77E}"/>
-              </a:ext>
-            </a:extLst>
-          </p:cNvPr>
-          <p:cNvPicPr>
-            <a:picLocks noChangeAspect="1" noChangeArrowheads="1"/>
-          </p:cNvPicPr>
-          <p:nvPr/>
-        </p:nvPicPr>
-        <p:blipFill>
-          <a:blip r:embed="rId2">
-            <a:extLst>
-              <a:ext uri="{28A0092B-C50C-407E-A947-70E740481C1C}">
-                <a14:useLocalDpi xmlns:a14="http://schemas.microsoft.com/office/drawing/2010/main" val="0"/>
-              </a:ext>
-            </a:extLst>
-          </a:blip>
-          <a:srcRect/>
-          <a:stretch>
-            <a:fillRect/>
-          </a:stretch>
-        </p:blipFill>
-        <p:spPr bwMode="auto">
-          <a:xfrm>
-            <a:off x="306456" y="1608483"/>
-            <a:ext cx="5715000" cy="3810000"/>
-          </a:xfrm>
-          <a:prstGeom prst="rect">
-            <a:avLst/>
-          </a:prstGeom>
-          <a:noFill/>
-          <a:ln>
-            <a:solidFill>
-              <a:schemeClr val="tx1"/>
-            </a:solidFill>
-          </a:ln>
-          <a:extLst>
-            <a:ext uri="{909E8E84-426E-40DD-AFC4-6F175D3DCCD1}">
-              <a14:hiddenFill xmlns:a14="http://schemas.microsoft.com/office/drawing/2010/main">
-                <a:solidFill>
-                  <a:srgbClr val="FFFFFF"/>
-                </a:solidFill>
-              </a14:hiddenFill>
-            </a:ext>
-          </a:extLst>
-        </p:spPr>
-      </p:pic>
-      <p:pic>
-        <p:nvPicPr>
-          <p:cNvPr id="19460" name="Picture 4">
-            <a:extLst>
-              <a:ext uri="{FF2B5EF4-FFF2-40B4-BE49-F238E27FC236}">
-                <a16:creationId xmlns:a16="http://schemas.microsoft.com/office/drawing/2014/main" id="{75688F2D-3045-3C2C-9F5F-3765DA402A69}"/>
-              </a:ext>
-            </a:extLst>
-          </p:cNvPr>
-          <p:cNvPicPr>
-            <a:picLocks noChangeAspect="1" noChangeArrowheads="1"/>
-          </p:cNvPicPr>
-          <p:nvPr/>
-        </p:nvPicPr>
-        <p:blipFill>
-          <a:blip r:embed="rId3">
-            <a:extLst>
-              <a:ext uri="{28A0092B-C50C-407E-A947-70E740481C1C}">
-                <a14:useLocalDpi xmlns:a14="http://schemas.microsoft.com/office/drawing/2010/main" val="0"/>
-              </a:ext>
-            </a:extLst>
-          </a:blip>
-          <a:srcRect/>
-          <a:stretch>
-            <a:fillRect/>
-          </a:stretch>
-        </p:blipFill>
-        <p:spPr bwMode="auto">
-          <a:xfrm>
-            <a:off x="6250057" y="1678056"/>
-            <a:ext cx="5715000" cy="3810000"/>
-          </a:xfrm>
-          <a:prstGeom prst="rect">
-            <a:avLst/>
-          </a:prstGeom>
-          <a:noFill/>
-          <a:ln>
-            <a:solidFill>
-              <a:schemeClr val="tx1"/>
-            </a:solidFill>
-          </a:ln>
-          <a:extLst>
-            <a:ext uri="{909E8E84-426E-40DD-AFC4-6F175D3DCCD1}">
-              <a14:hiddenFill xmlns:a14="http://schemas.microsoft.com/office/drawing/2010/main">
-                <a:solidFill>
-                  <a:srgbClr val="FFFFFF"/>
-                </a:solidFill>
-              </a14:hiddenFill>
-            </a:ext>
-          </a:extLst>
-        </p:spPr>
-      </p:pic>
-    </p:spTree>
-    <p:extLst>
-      <p:ext uri="{BB962C8B-B14F-4D97-AF65-F5344CB8AC3E}">
-        <p14:creationId xmlns:p14="http://schemas.microsoft.com/office/powerpoint/2010/main" val="859574949"/>
-      </p:ext>
-    </p:extLst>
-  </p:cSld>
-  <p:clrMapOvr>
-    <a:masterClrMapping/>
-  </p:clrMapOvr>
-</p:sld>
-</file>
-
-<file path=ppt/slides/slide21.xml><?xml version="1.0" encoding="utf-8"?>
-<p:sld xmlns:a="http://schemas.openxmlformats.org/drawingml/2006/main" xmlns:r="http://schemas.openxmlformats.org/officeDocument/2006/relationships" xmlns:p="http://schemas.openxmlformats.org/presentationml/2006/main">
-  <p:cSld>
-    <p:spTree>
-      <p:nvGrpSpPr>
-        <p:cNvPr id="1" name=""/>
-        <p:cNvGrpSpPr/>
-        <p:nvPr/>
-      </p:nvGrpSpPr>
-      <p:grpSpPr>
-        <a:xfrm>
-          <a:off x="0" y="0"/>
-          <a:ext cx="0" cy="0"/>
-          <a:chOff x="0" y="0"/>
-          <a:chExt cx="0" cy="0"/>
-        </a:xfrm>
-      </p:grpSpPr>
-      <p:sp>
-        <p:nvSpPr>
-          <p:cNvPr id="3" name="TextBox 2">
-            <a:extLst>
-              <a:ext uri="{FF2B5EF4-FFF2-40B4-BE49-F238E27FC236}">
-                <a16:creationId xmlns:a16="http://schemas.microsoft.com/office/drawing/2014/main" id="{93EFAB99-6B62-2146-070E-8825C72BC120}"/>
-              </a:ext>
-            </a:extLst>
-          </p:cNvPr>
-          <p:cNvSpPr txBox="1"/>
-          <p:nvPr/>
-        </p:nvSpPr>
-        <p:spPr>
-          <a:xfrm>
-            <a:off x="416270" y="175437"/>
-            <a:ext cx="8548577" cy="646331"/>
-          </a:xfrm>
-          <a:prstGeom prst="rect">
-            <a:avLst/>
-          </a:prstGeom>
-          <a:noFill/>
-        </p:spPr>
-        <p:txBody>
-          <a:bodyPr wrap="square" rtlCol="0">
-            <a:spAutoFit/>
-          </a:bodyPr>
-          <a:lstStyle/>
-          <a:p>
-            <a:r>
-              <a:rPr lang="en-GB" b="1" dirty="0"/>
-              <a:t>Frequency of environmental sampling</a:t>
-            </a:r>
-          </a:p>
-          <a:p>
-            <a:r>
-              <a:rPr lang="en-GB" dirty="0"/>
-              <a:t>Baseline value is 30 days</a:t>
-            </a:r>
-          </a:p>
-        </p:txBody>
-      </p:sp>
-      <p:pic>
-        <p:nvPicPr>
-          <p:cNvPr id="18434" name="Picture 2">
-            <a:extLst>
-              <a:ext uri="{FF2B5EF4-FFF2-40B4-BE49-F238E27FC236}">
-                <a16:creationId xmlns:a16="http://schemas.microsoft.com/office/drawing/2014/main" id="{045FF210-0F80-5562-9B65-1120940224AD}"/>
-              </a:ext>
-            </a:extLst>
-          </p:cNvPr>
-          <p:cNvPicPr>
-            <a:picLocks noChangeAspect="1" noChangeArrowheads="1"/>
-          </p:cNvPicPr>
-          <p:nvPr/>
-        </p:nvPicPr>
-        <p:blipFill>
-          <a:blip r:embed="rId2">
-            <a:extLst>
-              <a:ext uri="{28A0092B-C50C-407E-A947-70E740481C1C}">
-                <a14:useLocalDpi xmlns:a14="http://schemas.microsoft.com/office/drawing/2010/main" val="0"/>
-              </a:ext>
-            </a:extLst>
-          </a:blip>
-          <a:srcRect/>
-          <a:stretch>
-            <a:fillRect/>
-          </a:stretch>
-        </p:blipFill>
-        <p:spPr bwMode="auto">
-          <a:xfrm>
-            <a:off x="117613" y="1524000"/>
-            <a:ext cx="5715000" cy="3810000"/>
-          </a:xfrm>
-          <a:prstGeom prst="rect">
-            <a:avLst/>
-          </a:prstGeom>
-          <a:noFill/>
-          <a:ln>
-            <a:solidFill>
-              <a:schemeClr val="tx1"/>
-            </a:solidFill>
-          </a:ln>
-          <a:extLst>
-            <a:ext uri="{909E8E84-426E-40DD-AFC4-6F175D3DCCD1}">
-              <a14:hiddenFill xmlns:a14="http://schemas.microsoft.com/office/drawing/2010/main">
-                <a:solidFill>
-                  <a:srgbClr val="FFFFFF"/>
-                </a:solidFill>
-              </a14:hiddenFill>
-            </a:ext>
-          </a:extLst>
-        </p:spPr>
-      </p:pic>
-      <p:pic>
-        <p:nvPicPr>
-          <p:cNvPr id="18436" name="Picture 4">
-            <a:extLst>
-              <a:ext uri="{FF2B5EF4-FFF2-40B4-BE49-F238E27FC236}">
-                <a16:creationId xmlns:a16="http://schemas.microsoft.com/office/drawing/2014/main" id="{0C893222-59F5-1A76-222F-E232A2D5C694}"/>
-              </a:ext>
-            </a:extLst>
-          </p:cNvPr>
-          <p:cNvPicPr>
-            <a:picLocks noChangeAspect="1" noChangeArrowheads="1"/>
-          </p:cNvPicPr>
-          <p:nvPr/>
-        </p:nvPicPr>
-        <p:blipFill>
-          <a:blip r:embed="rId3">
-            <a:extLst>
-              <a:ext uri="{28A0092B-C50C-407E-A947-70E740481C1C}">
-                <a14:useLocalDpi xmlns:a14="http://schemas.microsoft.com/office/drawing/2010/main" val="0"/>
-              </a:ext>
-            </a:extLst>
-          </a:blip>
-          <a:srcRect/>
-          <a:stretch>
-            <a:fillRect/>
-          </a:stretch>
-        </p:blipFill>
-        <p:spPr bwMode="auto">
-          <a:xfrm>
-            <a:off x="6096000" y="1524000"/>
-            <a:ext cx="5715000" cy="3810000"/>
-          </a:xfrm>
-          <a:prstGeom prst="rect">
-            <a:avLst/>
-          </a:prstGeom>
-          <a:noFill/>
-          <a:ln>
-            <a:solidFill>
-              <a:schemeClr val="tx1"/>
-            </a:solidFill>
-          </a:ln>
-          <a:extLst>
-            <a:ext uri="{909E8E84-426E-40DD-AFC4-6F175D3DCCD1}">
-              <a14:hiddenFill xmlns:a14="http://schemas.microsoft.com/office/drawing/2010/main">
-                <a:solidFill>
-                  <a:srgbClr val="FFFFFF"/>
-                </a:solidFill>
-              </a14:hiddenFill>
-            </a:ext>
-          </a:extLst>
-        </p:spPr>
-      </p:pic>
-    </p:spTree>
-    <p:extLst>
-      <p:ext uri="{BB962C8B-B14F-4D97-AF65-F5344CB8AC3E}">
-        <p14:creationId xmlns:p14="http://schemas.microsoft.com/office/powerpoint/2010/main" val="2127699072"/>
-      </p:ext>
-    </p:extLst>
-  </p:cSld>
-  <p:clrMapOvr>
-    <a:masterClrMapping/>
-  </p:clrMapOvr>
-</p:sld>
-</file>
-
-<file path=ppt/slides/slide22.xml><?xml version="1.0" encoding="utf-8"?>
-<p:sld xmlns:a="http://schemas.openxmlformats.org/drawingml/2006/main" xmlns:r="http://schemas.openxmlformats.org/officeDocument/2006/relationships" xmlns:p="http://schemas.openxmlformats.org/presentationml/2006/main">
-  <p:cSld>
-    <p:spTree>
-      <p:nvGrpSpPr>
-        <p:cNvPr id="1" name=""/>
-        <p:cNvGrpSpPr/>
-        <p:nvPr/>
-      </p:nvGrpSpPr>
-      <p:grpSpPr>
-        <a:xfrm>
-          <a:off x="0" y="0"/>
-          <a:ext cx="0" cy="0"/>
-          <a:chOff x="0" y="0"/>
-          <a:chExt cx="0" cy="0"/>
-        </a:xfrm>
-      </p:grpSpPr>
-      <p:sp>
-        <p:nvSpPr>
-          <p:cNvPr id="2" name="TextBox 1">
-            <a:extLst>
-              <a:ext uri="{FF2B5EF4-FFF2-40B4-BE49-F238E27FC236}">
-                <a16:creationId xmlns:a16="http://schemas.microsoft.com/office/drawing/2014/main" id="{39BCAFD5-AE2B-84E9-04C9-CCC27CA48491}"/>
-              </a:ext>
-            </a:extLst>
-          </p:cNvPr>
-          <p:cNvSpPr txBox="1"/>
-          <p:nvPr/>
-        </p:nvSpPr>
-        <p:spPr>
-          <a:xfrm>
-            <a:off x="435934" y="175437"/>
-            <a:ext cx="8548577" cy="923330"/>
-          </a:xfrm>
-          <a:prstGeom prst="rect">
-            <a:avLst/>
-          </a:prstGeom>
-          <a:noFill/>
-        </p:spPr>
-        <p:txBody>
-          <a:bodyPr wrap="square" rtlCol="0">
-            <a:spAutoFit/>
-          </a:bodyPr>
-          <a:lstStyle/>
-          <a:p>
-            <a:r>
-              <a:rPr lang="en-GB" b="1" dirty="0"/>
-              <a:t>ES catchment area based on area (square, index)</a:t>
-            </a:r>
-          </a:p>
-          <a:p>
-            <a:r>
-              <a:rPr lang="en-GB" dirty="0"/>
-              <a:t>ES area is chosen in the order of large population area. </a:t>
-            </a:r>
-          </a:p>
-          <a:p>
-            <a:endParaRPr lang="en-GB" dirty="0"/>
-          </a:p>
-        </p:txBody>
-      </p:sp>
-      <p:pic>
-        <p:nvPicPr>
-          <p:cNvPr id="17410" name="Picture 2">
-            <a:extLst>
-              <a:ext uri="{FF2B5EF4-FFF2-40B4-BE49-F238E27FC236}">
-                <a16:creationId xmlns:a16="http://schemas.microsoft.com/office/drawing/2014/main" id="{151CD0EB-82F5-BE4B-76B6-B261CBA93603}"/>
-              </a:ext>
-            </a:extLst>
-          </p:cNvPr>
-          <p:cNvPicPr>
-            <a:picLocks noChangeAspect="1" noChangeArrowheads="1"/>
-          </p:cNvPicPr>
-          <p:nvPr/>
-        </p:nvPicPr>
-        <p:blipFill>
-          <a:blip r:embed="rId2">
-            <a:extLst>
-              <a:ext uri="{28A0092B-C50C-407E-A947-70E740481C1C}">
-                <a14:useLocalDpi xmlns:a14="http://schemas.microsoft.com/office/drawing/2010/main" val="0"/>
-              </a:ext>
-            </a:extLst>
-          </a:blip>
-          <a:srcRect/>
-          <a:stretch>
-            <a:fillRect/>
-          </a:stretch>
-        </p:blipFill>
-        <p:spPr bwMode="auto">
-          <a:xfrm>
-            <a:off x="162607" y="1643270"/>
-            <a:ext cx="5715000" cy="3810000"/>
-          </a:xfrm>
-          <a:prstGeom prst="rect">
-            <a:avLst/>
-          </a:prstGeom>
-          <a:noFill/>
-          <a:ln>
-            <a:solidFill>
-              <a:schemeClr val="tx1"/>
-            </a:solidFill>
-          </a:ln>
-          <a:extLst>
-            <a:ext uri="{909E8E84-426E-40DD-AFC4-6F175D3DCCD1}">
-              <a14:hiddenFill xmlns:a14="http://schemas.microsoft.com/office/drawing/2010/main">
-                <a:solidFill>
-                  <a:srgbClr val="FFFFFF"/>
-                </a:solidFill>
-              </a14:hiddenFill>
-            </a:ext>
-          </a:extLst>
-        </p:spPr>
-      </p:pic>
-      <p:pic>
-        <p:nvPicPr>
-          <p:cNvPr id="17412" name="Picture 4">
-            <a:extLst>
-              <a:ext uri="{FF2B5EF4-FFF2-40B4-BE49-F238E27FC236}">
-                <a16:creationId xmlns:a16="http://schemas.microsoft.com/office/drawing/2014/main" id="{E6405240-B554-247C-62CC-49D6F4839B9F}"/>
-              </a:ext>
-            </a:extLst>
-          </p:cNvPr>
-          <p:cNvPicPr>
-            <a:picLocks noChangeAspect="1" noChangeArrowheads="1"/>
-          </p:cNvPicPr>
-          <p:nvPr/>
-        </p:nvPicPr>
-        <p:blipFill>
-          <a:blip r:embed="rId3">
-            <a:extLst>
-              <a:ext uri="{28A0092B-C50C-407E-A947-70E740481C1C}">
-                <a14:useLocalDpi xmlns:a14="http://schemas.microsoft.com/office/drawing/2010/main" val="0"/>
-              </a:ext>
-            </a:extLst>
-          </a:blip>
-          <a:srcRect/>
-          <a:stretch>
-            <a:fillRect/>
-          </a:stretch>
-        </p:blipFill>
-        <p:spPr bwMode="auto">
-          <a:xfrm>
-            <a:off x="6225209" y="1603513"/>
-            <a:ext cx="5715000" cy="3810000"/>
-          </a:xfrm>
-          <a:prstGeom prst="rect">
-            <a:avLst/>
-          </a:prstGeom>
-          <a:noFill/>
-          <a:ln>
-            <a:solidFill>
-              <a:schemeClr val="tx1"/>
-            </a:solidFill>
-          </a:ln>
-          <a:extLst>
-            <a:ext uri="{909E8E84-426E-40DD-AFC4-6F175D3DCCD1}">
-              <a14:hiddenFill xmlns:a14="http://schemas.microsoft.com/office/drawing/2010/main">
-                <a:solidFill>
-                  <a:srgbClr val="FFFFFF"/>
-                </a:solidFill>
-              </a14:hiddenFill>
-            </a:ext>
-          </a:extLst>
-        </p:spPr>
-      </p:pic>
-    </p:spTree>
-    <p:extLst>
-      <p:ext uri="{BB962C8B-B14F-4D97-AF65-F5344CB8AC3E}">
-        <p14:creationId xmlns:p14="http://schemas.microsoft.com/office/powerpoint/2010/main" val="3675089408"/>
-      </p:ext>
-    </p:extLst>
-  </p:cSld>
-  <p:clrMapOvr>
-    <a:masterClrMapping/>
-  </p:clrMapOvr>
-</p:sld>
-</file>
-
-<file path=ppt/slides/slide23.xml><?xml version="1.0" encoding="utf-8"?>
-<p:sld xmlns:a="http://schemas.openxmlformats.org/drawingml/2006/main" xmlns:r="http://schemas.openxmlformats.org/officeDocument/2006/relationships" xmlns:p="http://schemas.openxmlformats.org/presentationml/2006/main">
-  <p:cSld>
-    <p:spTree>
-      <p:nvGrpSpPr>
-        <p:cNvPr id="1" name=""/>
-        <p:cNvGrpSpPr/>
-        <p:nvPr/>
-      </p:nvGrpSpPr>
-      <p:grpSpPr>
-        <a:xfrm>
-          <a:off x="0" y="0"/>
-          <a:ext cx="0" cy="0"/>
-          <a:chOff x="0" y="0"/>
-          <a:chExt cx="0" cy="0"/>
-        </a:xfrm>
-      </p:grpSpPr>
-      <p:sp>
-        <p:nvSpPr>
-          <p:cNvPr id="2" name="TextBox 1">
-            <a:extLst>
-              <a:ext uri="{FF2B5EF4-FFF2-40B4-BE49-F238E27FC236}">
-                <a16:creationId xmlns:a16="http://schemas.microsoft.com/office/drawing/2014/main" id="{79C8D95D-FD5F-3F0F-C9C9-DE6FA412AFB7}"/>
-              </a:ext>
-            </a:extLst>
-          </p:cNvPr>
-          <p:cNvSpPr txBox="1"/>
-          <p:nvPr/>
-        </p:nvSpPr>
-        <p:spPr>
-          <a:xfrm>
-            <a:off x="435934" y="175437"/>
-            <a:ext cx="8548577" cy="646331"/>
-          </a:xfrm>
-          <a:prstGeom prst="rect">
-            <a:avLst/>
-          </a:prstGeom>
-          <a:noFill/>
-        </p:spPr>
-        <p:txBody>
-          <a:bodyPr wrap="square" rtlCol="0">
-            <a:spAutoFit/>
-          </a:bodyPr>
-          <a:lstStyle/>
-          <a:p>
-            <a:r>
-              <a:rPr lang="en-GB" b="1" dirty="0"/>
-              <a:t>ES catchment area based on the population coverage</a:t>
-            </a:r>
-          </a:p>
-          <a:p>
-            <a:r>
-              <a:rPr lang="en-GB" dirty="0"/>
-              <a:t>Baseline is population coverage = 50%.</a:t>
-            </a:r>
-          </a:p>
-        </p:txBody>
-      </p:sp>
-      <p:pic>
-        <p:nvPicPr>
-          <p:cNvPr id="16388" name="Picture 4">
-            <a:extLst>
-              <a:ext uri="{FF2B5EF4-FFF2-40B4-BE49-F238E27FC236}">
-                <a16:creationId xmlns:a16="http://schemas.microsoft.com/office/drawing/2014/main" id="{01410BD3-A67F-665E-8EC1-C0FF159E63DF}"/>
-              </a:ext>
-            </a:extLst>
-          </p:cNvPr>
-          <p:cNvPicPr>
-            <a:picLocks noChangeAspect="1" noChangeArrowheads="1"/>
-          </p:cNvPicPr>
-          <p:nvPr/>
-        </p:nvPicPr>
-        <p:blipFill>
-          <a:blip r:embed="rId2">
-            <a:extLst>
-              <a:ext uri="{28A0092B-C50C-407E-A947-70E740481C1C}">
-                <a14:useLocalDpi xmlns:a14="http://schemas.microsoft.com/office/drawing/2010/main" val="0"/>
-              </a:ext>
-            </a:extLst>
-          </a:blip>
-          <a:srcRect/>
-          <a:stretch>
-            <a:fillRect/>
-          </a:stretch>
-        </p:blipFill>
-        <p:spPr bwMode="auto">
-          <a:xfrm>
-            <a:off x="316664" y="1613452"/>
-            <a:ext cx="5715000" cy="3810000"/>
-          </a:xfrm>
-          <a:prstGeom prst="rect">
-            <a:avLst/>
-          </a:prstGeom>
-          <a:noFill/>
-          <a:ln>
-            <a:solidFill>
-              <a:schemeClr val="tx1"/>
-            </a:solidFill>
-          </a:ln>
-          <a:extLst>
-            <a:ext uri="{909E8E84-426E-40DD-AFC4-6F175D3DCCD1}">
-              <a14:hiddenFill xmlns:a14="http://schemas.microsoft.com/office/drawing/2010/main">
-                <a:solidFill>
-                  <a:srgbClr val="FFFFFF"/>
-                </a:solidFill>
-              </a14:hiddenFill>
-            </a:ext>
-          </a:extLst>
-        </p:spPr>
-      </p:pic>
-      <p:pic>
-        <p:nvPicPr>
-          <p:cNvPr id="16390" name="Picture 6">
-            <a:extLst>
-              <a:ext uri="{FF2B5EF4-FFF2-40B4-BE49-F238E27FC236}">
-                <a16:creationId xmlns:a16="http://schemas.microsoft.com/office/drawing/2014/main" id="{7ACFC743-6E64-7B27-D4E4-00BCB24D181C}"/>
-              </a:ext>
-            </a:extLst>
-          </p:cNvPr>
-          <p:cNvPicPr>
-            <a:picLocks noChangeAspect="1" noChangeArrowheads="1"/>
-          </p:cNvPicPr>
-          <p:nvPr/>
-        </p:nvPicPr>
-        <p:blipFill>
-          <a:blip r:embed="rId3">
-            <a:extLst>
-              <a:ext uri="{28A0092B-C50C-407E-A947-70E740481C1C}">
-                <a14:useLocalDpi xmlns:a14="http://schemas.microsoft.com/office/drawing/2010/main" val="0"/>
-              </a:ext>
-            </a:extLst>
-          </a:blip>
-          <a:srcRect/>
-          <a:stretch>
-            <a:fillRect/>
-          </a:stretch>
-        </p:blipFill>
-        <p:spPr bwMode="auto">
-          <a:xfrm>
-            <a:off x="6230178" y="1613452"/>
-            <a:ext cx="5715000" cy="3810000"/>
-          </a:xfrm>
-          <a:prstGeom prst="rect">
-            <a:avLst/>
-          </a:prstGeom>
-          <a:noFill/>
-          <a:ln>
-            <a:solidFill>
-              <a:schemeClr val="tx1"/>
-            </a:solidFill>
-          </a:ln>
-          <a:extLst>
-            <a:ext uri="{909E8E84-426E-40DD-AFC4-6F175D3DCCD1}">
-              <a14:hiddenFill xmlns:a14="http://schemas.microsoft.com/office/drawing/2010/main">
-                <a:solidFill>
-                  <a:srgbClr val="FFFFFF"/>
-                </a:solidFill>
-              </a14:hiddenFill>
-            </a:ext>
-          </a:extLst>
-        </p:spPr>
-      </p:pic>
-    </p:spTree>
-    <p:extLst>
-      <p:ext uri="{BB962C8B-B14F-4D97-AF65-F5344CB8AC3E}">
-        <p14:creationId xmlns:p14="http://schemas.microsoft.com/office/powerpoint/2010/main" val="178517100"/>
-      </p:ext>
-    </p:extLst>
-  </p:cSld>
-  <p:clrMapOvr>
-    <a:masterClrMapping/>
-  </p:clrMapOvr>
-</p:sld>
-</file>
-
-<file path=ppt/slides/slide24.xml><?xml version="1.0" encoding="utf-8"?>
-<p:sld xmlns:a="http://schemas.openxmlformats.org/drawingml/2006/main" xmlns:r="http://schemas.openxmlformats.org/officeDocument/2006/relationships" xmlns:p="http://schemas.openxmlformats.org/presentationml/2006/main">
-  <p:cSld>
-    <p:spTree>
-      <p:nvGrpSpPr>
-        <p:cNvPr id="1" name=""/>
-        <p:cNvGrpSpPr/>
-        <p:nvPr/>
-      </p:nvGrpSpPr>
-      <p:grpSpPr>
-        <a:xfrm>
-          <a:off x="0" y="0"/>
-          <a:ext cx="0" cy="0"/>
-          <a:chOff x="0" y="0"/>
-          <a:chExt cx="0" cy="0"/>
-        </a:xfrm>
-      </p:grpSpPr>
-      <p:sp>
-        <p:nvSpPr>
-          <p:cNvPr id="4" name="TextBox 3">
-            <a:extLst>
-              <a:ext uri="{FF2B5EF4-FFF2-40B4-BE49-F238E27FC236}">
-                <a16:creationId xmlns:a16="http://schemas.microsoft.com/office/drawing/2014/main" id="{ABEE0C82-F408-6D35-B781-73856423EC64}"/>
-              </a:ext>
-            </a:extLst>
-          </p:cNvPr>
-          <p:cNvSpPr txBox="1"/>
-          <p:nvPr/>
-        </p:nvSpPr>
-        <p:spPr>
-          <a:xfrm>
-            <a:off x="249495" y="627390"/>
-            <a:ext cx="11546265" cy="5016758"/>
-          </a:xfrm>
-          <a:prstGeom prst="rect">
-            <a:avLst/>
-          </a:prstGeom>
-          <a:noFill/>
-        </p:spPr>
-        <p:txBody>
-          <a:bodyPr wrap="square" rtlCol="0">
-            <a:spAutoFit/>
-          </a:bodyPr>
-          <a:lstStyle/>
-          <a:p>
-            <a:r>
-              <a:rPr lang="en-GB" sz="2800" b="1" dirty="0"/>
-              <a:t>Pending Conclusions</a:t>
-            </a:r>
-          </a:p>
-          <a:p>
-            <a:pPr marL="457200" indent="-457200">
-              <a:buFontTx/>
-              <a:buChar char="-"/>
-            </a:pPr>
-            <a:r>
-              <a:rPr lang="en-GB" sz="2400" dirty="0"/>
-              <a:t>Under the R0=1.05 (Plausible scenario in terms of AFP cases), </a:t>
-            </a:r>
-          </a:p>
-          <a:p>
-            <a:r>
-              <a:rPr lang="en-GB" sz="2400" dirty="0"/>
-              <a:t> % of early detect by ES: 77.2, and 100 days ahead of AFP detections.</a:t>
-            </a:r>
-          </a:p>
-          <a:p>
-            <a:r>
-              <a:rPr lang="en-GB" sz="2400" dirty="0"/>
-              <a:t>Among all detected simulations, ES only accounts for 45%, whereas </a:t>
-            </a:r>
-          </a:p>
-          <a:p>
-            <a:r>
-              <a:rPr lang="en-GB" sz="2400" dirty="0"/>
-              <a:t>AFP only accounts for 12%.</a:t>
-            </a:r>
-          </a:p>
-          <a:p>
-            <a:endParaRPr lang="en-GB" sz="2400" dirty="0"/>
-          </a:p>
-          <a:p>
-            <a:pPr marL="457200" indent="-457200">
-              <a:buFontTx/>
-              <a:buChar char="-"/>
-            </a:pPr>
-            <a:r>
-              <a:rPr lang="en-GB" sz="2400" dirty="0"/>
-              <a:t>By 50% of population coverage of ES surveillance, the lead time for ES increases significantly, but after that, the additional benefit is diminished.</a:t>
-            </a:r>
-          </a:p>
-          <a:p>
-            <a:pPr marL="457200" indent="-457200">
-              <a:buFontTx/>
-              <a:buChar char="-"/>
-            </a:pPr>
-            <a:r>
-              <a:rPr lang="en-GB" sz="2400" dirty="0"/>
-              <a:t>ES ability of detection, (expressed by hazard coefficient) becomes important if 90% detection probability is achieved when 25 or more infectious individuals appear. </a:t>
-            </a:r>
-          </a:p>
-          <a:p>
-            <a:pPr marL="457200" indent="-457200">
-              <a:buFontTx/>
-              <a:buChar char="-"/>
-            </a:pPr>
-            <a:r>
-              <a:rPr lang="en-GB" sz="2400" dirty="0"/>
-              <a:t>Frequency of sampling increases the ES only detection, but does not affect percentages of both detection and the lead time.</a:t>
-            </a:r>
-          </a:p>
-          <a:p>
-            <a:pPr marL="457200" indent="-457200">
-              <a:buFontTx/>
-              <a:buChar char="-"/>
-            </a:pPr>
-            <a:endParaRPr lang="en-GB" sz="2800" dirty="0"/>
-          </a:p>
-        </p:txBody>
-      </p:sp>
-    </p:spTree>
-    <p:extLst>
-      <p:ext uri="{BB962C8B-B14F-4D97-AF65-F5344CB8AC3E}">
-        <p14:creationId xmlns:p14="http://schemas.microsoft.com/office/powerpoint/2010/main" val="3312220629"/>
-      </p:ext>
-    </p:extLst>
-  </p:cSld>
-  <p:clrMapOvr>
-    <a:masterClrMapping/>
-  </p:clrMapOvr>
-</p:sld>
-</file>
-
-<file path=ppt/slides/slide25.xml><?xml version="1.0" encoding="utf-8"?>
-<p:sld xmlns:a="http://schemas.openxmlformats.org/drawingml/2006/main" xmlns:r="http://schemas.openxmlformats.org/officeDocument/2006/relationships" xmlns:p="http://schemas.openxmlformats.org/presentationml/2006/main">
-  <p:cSld>
-    <p:spTree>
-      <p:nvGrpSpPr>
-        <p:cNvPr id="1" name=""/>
-        <p:cNvGrpSpPr/>
-        <p:nvPr/>
-      </p:nvGrpSpPr>
-      <p:grpSpPr>
-        <a:xfrm>
-          <a:off x="0" y="0"/>
-          <a:ext cx="0" cy="0"/>
-          <a:chOff x="0" y="0"/>
-          <a:chExt cx="0" cy="0"/>
-        </a:xfrm>
-      </p:grpSpPr>
-    </p:spTree>
-    <p:extLst>
-      <p:ext uri="{BB962C8B-B14F-4D97-AF65-F5344CB8AC3E}">
-        <p14:creationId xmlns:p14="http://schemas.microsoft.com/office/powerpoint/2010/main" val="3122988351"/>
-      </p:ext>
-    </p:extLst>
-  </p:cSld>
-  <p:clrMapOvr>
-    <a:masterClrMapping/>
-  </p:clrMapOvr>
-</p:sld>
-</file>
-
-<file path=ppt/slides/slide26.xml><?xml version="1.0" encoding="utf-8"?>
-<p:sld xmlns:a="http://schemas.openxmlformats.org/drawingml/2006/main" xmlns:r="http://schemas.openxmlformats.org/officeDocument/2006/relationships" xmlns:p="http://schemas.openxmlformats.org/presentationml/2006/main">
-  <p:cSld>
-    <p:spTree>
-      <p:nvGrpSpPr>
-        <p:cNvPr id="1" name=""/>
-        <p:cNvGrpSpPr/>
-        <p:nvPr/>
-      </p:nvGrpSpPr>
-      <p:grpSpPr>
-        <a:xfrm>
-          <a:off x="0" y="0"/>
-          <a:ext cx="0" cy="0"/>
-          <a:chOff x="0" y="0"/>
-          <a:chExt cx="0" cy="0"/>
-        </a:xfrm>
-      </p:grpSpPr>
-    </p:spTree>
-    <p:extLst>
-      <p:ext uri="{BB962C8B-B14F-4D97-AF65-F5344CB8AC3E}">
-        <p14:creationId xmlns:p14="http://schemas.microsoft.com/office/powerpoint/2010/main" val="4093179054"/>
-      </p:ext>
-    </p:extLst>
-  </p:cSld>
-  <p:clrMapOvr>
-    <a:masterClrMapping/>
-  </p:clrMapOvr>
-</p:sld>
-</file>
-
-<file path=ppt/slides/slide3.xml><?xml version="1.0" encoding="utf-8"?>
+<file path=ppt/slides/slide5.xml><?xml version="1.0" encoding="utf-8"?>
 <p:sld xmlns:a="http://schemas.openxmlformats.org/drawingml/2006/main" xmlns:r="http://schemas.openxmlformats.org/officeDocument/2006/relationships" xmlns:p="http://schemas.openxmlformats.org/presentationml/2006/main">
   <p:cSld>
     <p:spTree>
@@ -7440,214 +8777,6 @@
     <p:extLst>
       <p:ext uri="{BB962C8B-B14F-4D97-AF65-F5344CB8AC3E}">
         <p14:creationId xmlns:p14="http://schemas.microsoft.com/office/powerpoint/2010/main" val="1520281462"/>
-      </p:ext>
-    </p:extLst>
-  </p:cSld>
-  <p:clrMapOvr>
-    <a:masterClrMapping/>
-  </p:clrMapOvr>
-</p:sld>
-</file>
-
-<file path=ppt/slides/slide4.xml><?xml version="1.0" encoding="utf-8"?>
-<p:sld xmlns:a="http://schemas.openxmlformats.org/drawingml/2006/main" xmlns:r="http://schemas.openxmlformats.org/officeDocument/2006/relationships" xmlns:p="http://schemas.openxmlformats.org/presentationml/2006/main">
-  <p:cSld>
-    <p:spTree>
-      <p:nvGrpSpPr>
-        <p:cNvPr id="1" name=""/>
-        <p:cNvGrpSpPr/>
-        <p:nvPr/>
-      </p:nvGrpSpPr>
-      <p:grpSpPr>
-        <a:xfrm>
-          <a:off x="0" y="0"/>
-          <a:ext cx="0" cy="0"/>
-          <a:chOff x="0" y="0"/>
-          <a:chExt cx="0" cy="0"/>
-        </a:xfrm>
-      </p:grpSpPr>
-      <p:pic>
-        <p:nvPicPr>
-          <p:cNvPr id="6" name="Picture 5">
-            <a:extLst>
-              <a:ext uri="{FF2B5EF4-FFF2-40B4-BE49-F238E27FC236}">
-                <a16:creationId xmlns:a16="http://schemas.microsoft.com/office/drawing/2014/main" id="{2CAE7CC8-46E5-7ECC-2086-4CA8EB431C9A}"/>
-              </a:ext>
-            </a:extLst>
-          </p:cNvPr>
-          <p:cNvPicPr>
-            <a:picLocks noChangeAspect="1"/>
-          </p:cNvPicPr>
-          <p:nvPr/>
-        </p:nvPicPr>
-        <p:blipFill>
-          <a:blip r:embed="rId2"/>
-          <a:stretch>
-            <a:fillRect/>
-          </a:stretch>
-        </p:blipFill>
-        <p:spPr>
-          <a:xfrm>
-            <a:off x="2266922" y="242864"/>
-            <a:ext cx="7658156" cy="6372272"/>
-          </a:xfrm>
-          <a:prstGeom prst="rect">
-            <a:avLst/>
-          </a:prstGeom>
-        </p:spPr>
-      </p:pic>
-    </p:spTree>
-    <p:extLst>
-      <p:ext uri="{BB962C8B-B14F-4D97-AF65-F5344CB8AC3E}">
-        <p14:creationId xmlns:p14="http://schemas.microsoft.com/office/powerpoint/2010/main" val="1042060712"/>
-      </p:ext>
-    </p:extLst>
-  </p:cSld>
-  <p:clrMapOvr>
-    <a:masterClrMapping/>
-  </p:clrMapOvr>
-</p:sld>
-</file>
-
-<file path=ppt/slides/slide5.xml><?xml version="1.0" encoding="utf-8"?>
-<p:sld xmlns:a="http://schemas.openxmlformats.org/drawingml/2006/main" xmlns:r="http://schemas.openxmlformats.org/officeDocument/2006/relationships" xmlns:p="http://schemas.openxmlformats.org/presentationml/2006/main">
-  <p:cSld>
-    <p:spTree>
-      <p:nvGrpSpPr>
-        <p:cNvPr id="1" name=""/>
-        <p:cNvGrpSpPr/>
-        <p:nvPr/>
-      </p:nvGrpSpPr>
-      <p:grpSpPr>
-        <a:xfrm>
-          <a:off x="0" y="0"/>
-          <a:ext cx="0" cy="0"/>
-          <a:chOff x="0" y="0"/>
-          <a:chExt cx="0" cy="0"/>
-        </a:xfrm>
-      </p:grpSpPr>
-      <p:pic>
-        <p:nvPicPr>
-          <p:cNvPr id="1026" name="Picture 2">
-            <a:extLst>
-              <a:ext uri="{FF2B5EF4-FFF2-40B4-BE49-F238E27FC236}">
-                <a16:creationId xmlns:a16="http://schemas.microsoft.com/office/drawing/2014/main" id="{D718BD05-60D7-18FA-6D61-C1B230049EBA}"/>
-              </a:ext>
-            </a:extLst>
-          </p:cNvPr>
-          <p:cNvPicPr>
-            <a:picLocks noChangeAspect="1" noChangeArrowheads="1"/>
-          </p:cNvPicPr>
-          <p:nvPr/>
-        </p:nvPicPr>
-        <p:blipFill>
-          <a:blip r:embed="rId2">
-            <a:extLst>
-              <a:ext uri="{28A0092B-C50C-407E-A947-70E740481C1C}">
-                <a14:useLocalDpi xmlns:a14="http://schemas.microsoft.com/office/drawing/2010/main" val="0"/>
-              </a:ext>
-            </a:extLst>
-          </a:blip>
-          <a:srcRect/>
-          <a:stretch>
-            <a:fillRect/>
-          </a:stretch>
-        </p:blipFill>
-        <p:spPr bwMode="auto">
-          <a:xfrm>
-            <a:off x="773630" y="2330842"/>
-            <a:ext cx="6208461" cy="4138974"/>
-          </a:xfrm>
-          <a:prstGeom prst="rect">
-            <a:avLst/>
-          </a:prstGeom>
-          <a:noFill/>
-          <a:ln>
-            <a:solidFill>
-              <a:schemeClr val="tx1"/>
-            </a:solidFill>
-          </a:ln>
-          <a:extLst>
-            <a:ext uri="{909E8E84-426E-40DD-AFC4-6F175D3DCCD1}">
-              <a14:hiddenFill xmlns:a14="http://schemas.microsoft.com/office/drawing/2010/main">
-                <a:solidFill>
-                  <a:srgbClr val="FFFFFF"/>
-                </a:solidFill>
-              </a14:hiddenFill>
-            </a:ext>
-          </a:extLst>
-        </p:spPr>
-      </p:pic>
-      <p:sp>
-        <p:nvSpPr>
-          <p:cNvPr id="4" name="TextBox 3">
-            <a:extLst>
-              <a:ext uri="{FF2B5EF4-FFF2-40B4-BE49-F238E27FC236}">
-                <a16:creationId xmlns:a16="http://schemas.microsoft.com/office/drawing/2014/main" id="{ABEE0C82-F408-6D35-B781-73856423EC64}"/>
-              </a:ext>
-            </a:extLst>
-          </p:cNvPr>
-          <p:cNvSpPr txBox="1"/>
-          <p:nvPr/>
-        </p:nvSpPr>
-        <p:spPr>
-          <a:xfrm>
-            <a:off x="558800" y="295340"/>
-            <a:ext cx="10882761" cy="2123658"/>
-          </a:xfrm>
-          <a:prstGeom prst="rect">
-            <a:avLst/>
-          </a:prstGeom>
-          <a:noFill/>
-        </p:spPr>
-        <p:txBody>
-          <a:bodyPr wrap="square" rtlCol="0">
-            <a:spAutoFit/>
-          </a:bodyPr>
-          <a:lstStyle/>
-          <a:p>
-            <a:r>
-              <a:rPr lang="en-GB" sz="2400" b="1" dirty="0"/>
-              <a:t>Aggregated population map</a:t>
-            </a:r>
-          </a:p>
-          <a:p>
-            <a:r>
-              <a:rPr lang="en-GB" dirty="0"/>
-              <a:t>Latitude diff: 92.66 km, Longitude diff: 85.84 km</a:t>
-            </a:r>
-          </a:p>
-          <a:p>
-            <a:r>
-              <a:rPr lang="en-GB" dirty="0"/>
-              <a:t>The population is children aged under 5 years old.</a:t>
-            </a:r>
-          </a:p>
-          <a:p>
-            <a:r>
-              <a:rPr lang="en-GB"/>
-              <a:t>I only included </a:t>
-            </a:r>
-            <a:r>
-              <a:rPr lang="en-GB" dirty="0"/>
-              <a:t>10% of children aged under 5 years old, assuming 90% children get vaccinated, and 10% children are unvaccinated. So, within this simulation, I only consider the unvaccinated individuals. </a:t>
-            </a:r>
-          </a:p>
-          <a:p>
-            <a:r>
-              <a:rPr lang="en-GB" b="1" dirty="0"/>
-              <a:t>Baseline environmental surveillance population coverage is set to be 50% (in the order of high population area)</a:t>
-            </a:r>
-          </a:p>
-          <a:p>
-            <a:endParaRPr lang="en-GB" dirty="0"/>
-          </a:p>
-        </p:txBody>
-      </p:sp>
-    </p:spTree>
-    <p:extLst>
-      <p:ext uri="{BB962C8B-B14F-4D97-AF65-F5344CB8AC3E}">
-        <p14:creationId xmlns:p14="http://schemas.microsoft.com/office/powerpoint/2010/main" val="2858860334"/>
       </p:ext>
     </p:extLst>
   </p:cSld>
@@ -7674,171 +8803,40 @@
           <a:chExt cx="0" cy="0"/>
         </a:xfrm>
       </p:grpSpPr>
-      <p:sp>
-        <p:nvSpPr>
-          <p:cNvPr id="4" name="TextBox 3">
-            <a:extLst>
-              <a:ext uri="{FF2B5EF4-FFF2-40B4-BE49-F238E27FC236}">
-                <a16:creationId xmlns:a16="http://schemas.microsoft.com/office/drawing/2014/main" id="{4BA2AE96-4EF8-E3F0-47CB-A3C747A8CDE0}"/>
-              </a:ext>
-            </a:extLst>
-          </p:cNvPr>
-          <p:cNvSpPr txBox="1"/>
-          <p:nvPr/>
-        </p:nvSpPr>
-        <p:spPr>
-          <a:xfrm>
-            <a:off x="621424" y="195492"/>
-            <a:ext cx="9348689" cy="1015663"/>
-          </a:xfrm>
-          <a:prstGeom prst="rect">
-            <a:avLst/>
-          </a:prstGeom>
-          <a:noFill/>
-        </p:spPr>
-        <p:txBody>
-          <a:bodyPr wrap="square" rtlCol="0">
-            <a:spAutoFit/>
-          </a:bodyPr>
-          <a:lstStyle/>
-          <a:p>
-            <a:r>
-              <a:rPr lang="en-GB" sz="2400" b="1" dirty="0"/>
-              <a:t>Population movement coefficients, </a:t>
-            </a:r>
-            <a:r>
-              <a:rPr lang="en-US" altLang="ja-JP" sz="2400" b="1" dirty="0"/>
-              <a:t>π</a:t>
-            </a:r>
-            <a:r>
-              <a:rPr lang="en-US" altLang="ja-JP" sz="2400" b="1" dirty="0" err="1"/>
-              <a:t>ij</a:t>
-            </a:r>
-            <a:endParaRPr lang="en-GB" altLang="ja-JP" sz="2400" b="1" dirty="0"/>
-          </a:p>
-          <a:p>
-            <a:r>
-              <a:rPr lang="en-GB" altLang="ja-JP" dirty="0"/>
-              <a:t>Index 1 represents the most populous area in South Africa, </a:t>
-            </a:r>
-          </a:p>
-          <a:p>
-            <a:r>
-              <a:rPr lang="en-GB" altLang="ja-JP" dirty="0"/>
-              <a:t>Index 3 represents the 3rd populous area in South Africa</a:t>
-            </a:r>
-            <a:endParaRPr lang="en-US" altLang="ja-JP" dirty="0"/>
-          </a:p>
-        </p:txBody>
-      </p:sp>
       <p:pic>
         <p:nvPicPr>
-          <p:cNvPr id="2050" name="Picture 2">
-            <a:extLst>
-              <a:ext uri="{FF2B5EF4-FFF2-40B4-BE49-F238E27FC236}">
-                <a16:creationId xmlns:a16="http://schemas.microsoft.com/office/drawing/2014/main" id="{94A9283A-A7C2-72DF-289F-35D28D7E7FD9}"/>
+          <p:cNvPr id="6" name="Picture 5">
+            <a:extLst>
+              <a:ext uri="{FF2B5EF4-FFF2-40B4-BE49-F238E27FC236}">
+                <a16:creationId xmlns:a16="http://schemas.microsoft.com/office/drawing/2014/main" id="{2CAE7CC8-46E5-7ECC-2086-4CA8EB431C9A}"/>
               </a:ext>
             </a:extLst>
           </p:cNvPr>
           <p:cNvPicPr>
-            <a:picLocks noChangeAspect="1" noChangeArrowheads="1"/>
+            <a:picLocks noChangeAspect="1"/>
           </p:cNvPicPr>
           <p:nvPr/>
         </p:nvPicPr>
         <p:blipFill>
-          <a:blip r:embed="rId2">
-            <a:extLst>
-              <a:ext uri="{28A0092B-C50C-407E-A947-70E740481C1C}">
-                <a14:useLocalDpi xmlns:a14="http://schemas.microsoft.com/office/drawing/2010/main" val="0"/>
-              </a:ext>
-            </a:extLst>
-          </a:blip>
-          <a:srcRect/>
+          <a:blip r:embed="rId2"/>
           <a:stretch>
             <a:fillRect/>
           </a:stretch>
         </p:blipFill>
-        <p:spPr bwMode="auto">
-          <a:xfrm>
-            <a:off x="59383" y="1662736"/>
-            <a:ext cx="5715000" cy="3810000"/>
+        <p:spPr>
+          <a:xfrm>
+            <a:off x="2266922" y="225931"/>
+            <a:ext cx="7658156" cy="6372272"/>
           </a:xfrm>
           <a:prstGeom prst="rect">
             <a:avLst/>
           </a:prstGeom>
-          <a:noFill/>
-          <a:ln>
-            <a:solidFill>
-              <a:schemeClr val="tx1"/>
-            </a:solidFill>
-          </a:ln>
-          <a:extLst>
-            <a:ext uri="{909E8E84-426E-40DD-AFC4-6F175D3DCCD1}">
-              <a14:hiddenFill xmlns:a14="http://schemas.microsoft.com/office/drawing/2010/main">
-                <a:solidFill>
-                  <a:srgbClr val="FFFFFF"/>
-                </a:solidFill>
-              </a14:hiddenFill>
-            </a:ext>
-          </a:extLst>
-        </p:spPr>
-      </p:pic>
-      <p:pic>
-        <p:nvPicPr>
-          <p:cNvPr id="2052" name="Picture 4">
-            <a:extLst>
-              <a:ext uri="{FF2B5EF4-FFF2-40B4-BE49-F238E27FC236}">
-                <a16:creationId xmlns:a16="http://schemas.microsoft.com/office/drawing/2014/main" id="{2461D1D2-A1E4-9574-E5FD-617BE416EEA7}"/>
-              </a:ext>
-            </a:extLst>
-          </p:cNvPr>
-          <p:cNvPicPr>
-            <a:picLocks noChangeAspect="1" noChangeArrowheads="1"/>
-          </p:cNvPicPr>
-          <p:nvPr/>
-        </p:nvPicPr>
-        <p:blipFill>
-          <a:blip r:embed="rId3">
-            <a:extLst>
-              <a:ext uri="{28A0092B-C50C-407E-A947-70E740481C1C}">
-                <a14:useLocalDpi xmlns:a14="http://schemas.microsoft.com/office/drawing/2010/main" val="0"/>
-              </a:ext>
-            </a:extLst>
-          </a:blip>
-          <a:srcRect/>
-          <a:stretch>
-            <a:fillRect/>
-          </a:stretch>
-        </p:blipFill>
-        <p:spPr bwMode="auto">
-          <a:xfrm>
-            <a:off x="5988006" y="1662736"/>
-            <a:ext cx="5715000" cy="3810000"/>
-          </a:xfrm>
-          <a:prstGeom prst="rect">
-            <a:avLst/>
-          </a:prstGeom>
-          <a:noFill/>
-          <a:ln>
-            <a:solidFill>
-              <a:schemeClr val="tx1"/>
-            </a:solidFill>
-          </a:ln>
-          <a:extLst>
-            <a:ext uri="{909E8E84-426E-40DD-AFC4-6F175D3DCCD1}">
-              <a14:hiddenFill xmlns:a14="http://schemas.microsoft.com/office/drawing/2010/main">
-                <a:solidFill>
-                  <a:srgbClr val="FFFFFF"/>
-                </a:solidFill>
-              </a14:hiddenFill>
-            </a:ext>
-          </a:extLst>
         </p:spPr>
       </p:pic>
     </p:spTree>
     <p:extLst>
       <p:ext uri="{BB962C8B-B14F-4D97-AF65-F5344CB8AC3E}">
-        <p14:creationId xmlns:p14="http://schemas.microsoft.com/office/powerpoint/2010/main" val="2149215775"/>
+        <p14:creationId xmlns:p14="http://schemas.microsoft.com/office/powerpoint/2010/main" val="1042060712"/>
       </p:ext>
     </p:extLst>
   </p:cSld>
@@ -7867,38 +8865,122 @@
       </p:grpSpPr>
       <p:pic>
         <p:nvPicPr>
-          <p:cNvPr id="5" name="Picture 4">
-            <a:extLst>
-              <a:ext uri="{FF2B5EF4-FFF2-40B4-BE49-F238E27FC236}">
-                <a16:creationId xmlns:a16="http://schemas.microsoft.com/office/drawing/2014/main" id="{374D3A67-98C5-D594-7A29-05F8081175DC}"/>
+          <p:cNvPr id="1026" name="Picture 2">
+            <a:extLst>
+              <a:ext uri="{FF2B5EF4-FFF2-40B4-BE49-F238E27FC236}">
+                <a16:creationId xmlns:a16="http://schemas.microsoft.com/office/drawing/2014/main" id="{D718BD05-60D7-18FA-6D61-C1B230049EBA}"/>
               </a:ext>
             </a:extLst>
           </p:cNvPr>
           <p:cNvPicPr>
-            <a:picLocks noChangeAspect="1"/>
+            <a:picLocks noChangeAspect="1" noChangeArrowheads="1"/>
           </p:cNvPicPr>
           <p:nvPr/>
         </p:nvPicPr>
         <p:blipFill>
-          <a:blip r:embed="rId2"/>
+          <a:blip r:embed="rId2">
+            <a:extLst>
+              <a:ext uri="{28A0092B-C50C-407E-A947-70E740481C1C}">
+                <a14:useLocalDpi xmlns:a14="http://schemas.microsoft.com/office/drawing/2010/main" val="0"/>
+              </a:ext>
+            </a:extLst>
+          </a:blip>
+          <a:srcRect/>
           <a:stretch>
             <a:fillRect/>
           </a:stretch>
         </p:blipFill>
-        <p:spPr>
-          <a:xfrm>
-            <a:off x="3162278" y="590529"/>
-            <a:ext cx="5867443" cy="5676942"/>
+        <p:spPr bwMode="auto">
+          <a:xfrm>
+            <a:off x="773630" y="2330842"/>
+            <a:ext cx="6208461" cy="4138974"/>
           </a:xfrm>
           <a:prstGeom prst="rect">
             <a:avLst/>
           </a:prstGeom>
+          <a:noFill/>
+          <a:ln>
+            <a:solidFill>
+              <a:schemeClr val="tx1"/>
+            </a:solidFill>
+          </a:ln>
+          <a:extLst>
+            <a:ext uri="{909E8E84-426E-40DD-AFC4-6F175D3DCCD1}">
+              <a14:hiddenFill xmlns:a14="http://schemas.microsoft.com/office/drawing/2010/main">
+                <a:solidFill>
+                  <a:srgbClr val="FFFFFF"/>
+                </a:solidFill>
+              </a14:hiddenFill>
+            </a:ext>
+          </a:extLst>
         </p:spPr>
       </p:pic>
+      <p:sp>
+        <p:nvSpPr>
+          <p:cNvPr id="4" name="TextBox 3">
+            <a:extLst>
+              <a:ext uri="{FF2B5EF4-FFF2-40B4-BE49-F238E27FC236}">
+                <a16:creationId xmlns:a16="http://schemas.microsoft.com/office/drawing/2014/main" id="{ABEE0C82-F408-6D35-B781-73856423EC64}"/>
+              </a:ext>
+            </a:extLst>
+          </p:cNvPr>
+          <p:cNvSpPr txBox="1"/>
+          <p:nvPr/>
+        </p:nvSpPr>
+        <p:spPr>
+          <a:xfrm>
+            <a:off x="558800" y="295340"/>
+            <a:ext cx="10882761" cy="2123658"/>
+          </a:xfrm>
+          <a:prstGeom prst="rect">
+            <a:avLst/>
+          </a:prstGeom>
+          <a:noFill/>
+        </p:spPr>
+        <p:txBody>
+          <a:bodyPr wrap="square" rtlCol="0">
+            <a:spAutoFit/>
+          </a:bodyPr>
+          <a:lstStyle/>
+          <a:p>
+            <a:r>
+              <a:rPr lang="en-GB" sz="2400" b="1" dirty="0"/>
+              <a:t>Aggregated population map</a:t>
+            </a:r>
+          </a:p>
+          <a:p>
+            <a:r>
+              <a:rPr lang="en-GB" dirty="0"/>
+              <a:t>Latitude diff: 92.66 km, Longitude diff: 85.84 km</a:t>
+            </a:r>
+          </a:p>
+          <a:p>
+            <a:r>
+              <a:rPr lang="en-GB" dirty="0"/>
+              <a:t>The population is children aged under 5 years old.</a:t>
+            </a:r>
+          </a:p>
+          <a:p>
+            <a:r>
+              <a:rPr lang="en-GB" dirty="0"/>
+              <a:t>I only included 10% of children aged under 5 years old, assuming 90% children get vaccinated, and 10% children are unvaccinated. So, within this simulation, I only consider the unvaccinated individuals. </a:t>
+            </a:r>
+          </a:p>
+          <a:p>
+            <a:r>
+              <a:rPr lang="en-GB" b="1" dirty="0"/>
+              <a:t>Baseline environmental surveillance population coverage is set to be 50% (in the order of high population area)</a:t>
+            </a:r>
+          </a:p>
+          <a:p>
+            <a:endParaRPr lang="en-GB" dirty="0"/>
+          </a:p>
+        </p:txBody>
+      </p:sp>
     </p:spTree>
     <p:extLst>
       <p:ext uri="{BB962C8B-B14F-4D97-AF65-F5344CB8AC3E}">
-        <p14:creationId xmlns:p14="http://schemas.microsoft.com/office/powerpoint/2010/main" val="1731858939"/>
+        <p14:creationId xmlns:p14="http://schemas.microsoft.com/office/powerpoint/2010/main" val="2858860334"/>
       </p:ext>
     </p:extLst>
   </p:cSld>
@@ -7930,7 +9012,7 @@
           <p:cNvPr id="4" name="TextBox 3">
             <a:extLst>
               <a:ext uri="{FF2B5EF4-FFF2-40B4-BE49-F238E27FC236}">
-                <a16:creationId xmlns:a16="http://schemas.microsoft.com/office/drawing/2014/main" id="{FC9B609F-FE3F-437C-615B-2A33FF2C2F41}"/>
+                <a16:creationId xmlns:a16="http://schemas.microsoft.com/office/drawing/2014/main" id="{4BA2AE96-4EF8-E3F0-47CB-A3C747A8CDE0}"/>
               </a:ext>
             </a:extLst>
           </p:cNvPr>
@@ -7939,8 +9021,8 @@
         </p:nvSpPr>
         <p:spPr>
           <a:xfrm>
-            <a:off x="2474317" y="2305615"/>
-            <a:ext cx="7243366" cy="3354765"/>
+            <a:off x="621424" y="195492"/>
+            <a:ext cx="9348689" cy="1015663"/>
           </a:xfrm>
           <a:prstGeom prst="rect">
             <a:avLst/>
@@ -7953,48 +9035,143 @@
           </a:bodyPr>
           <a:lstStyle/>
           <a:p>
-            <a:pPr algn="ctr"/>
-            <a:r>
-              <a:rPr lang="en-GB" sz="4400" b="1" dirty="0"/>
-              <a:t>Results</a:t>
-            </a:r>
-          </a:p>
-          <a:p>
-            <a:endParaRPr lang="en-GB" sz="2400" dirty="0"/>
-          </a:p>
-          <a:p>
-            <a:r>
-              <a:rPr lang="en-GB" sz="2400" dirty="0"/>
-              <a:t>Based on the AFP cases shown in the results, </a:t>
-            </a:r>
-          </a:p>
-          <a:p>
-            <a:r>
-              <a:rPr lang="en-GB" sz="2400" dirty="0"/>
-              <a:t>R0 = 1.05 for 1-25 AFP cases.</a:t>
-            </a:r>
-          </a:p>
-          <a:p>
-            <a:r>
-              <a:rPr lang="en-GB" sz="2400" dirty="0"/>
-              <a:t>R0 = 1.10 for 100~1000 AFP cases.</a:t>
-            </a:r>
-          </a:p>
-          <a:p>
-            <a:endParaRPr lang="en-GB" sz="2400" dirty="0"/>
-          </a:p>
-          <a:p>
-            <a:r>
-              <a:rPr lang="en-GB" sz="2400" dirty="0"/>
-              <a:t>(Low R0 means high herd immunity from 90% of vaccinated individuals around unvaccinated children.)</a:t>
-            </a:r>
-          </a:p>
-        </p:txBody>
-      </p:sp>
+            <a:r>
+              <a:rPr lang="en-GB" sz="2400" b="1" dirty="0"/>
+              <a:t>Population movement coefficients, </a:t>
+            </a:r>
+            <a:r>
+              <a:rPr lang="en-US" altLang="ja-JP" sz="2400" b="1" dirty="0"/>
+              <a:t>π</a:t>
+            </a:r>
+            <a:r>
+              <a:rPr lang="en-US" altLang="ja-JP" sz="2400" b="1" dirty="0" err="1"/>
+              <a:t>ij</a:t>
+            </a:r>
+            <a:endParaRPr lang="en-GB" altLang="ja-JP" sz="2400" b="1" dirty="0"/>
+          </a:p>
+          <a:p>
+            <a:r>
+              <a:rPr lang="en-GB" altLang="ja-JP" dirty="0"/>
+              <a:t>Index 1 represents the most populous area in South Africa, </a:t>
+            </a:r>
+          </a:p>
+          <a:p>
+            <a:r>
+              <a:rPr lang="en-GB" altLang="ja-JP" dirty="0"/>
+              <a:t>Index 3 represents the 3rd populous area in South Africa</a:t>
+            </a:r>
+            <a:endParaRPr lang="en-US" altLang="ja-JP" dirty="0"/>
+          </a:p>
+        </p:txBody>
+      </p:sp>
+      <p:pic>
+        <p:nvPicPr>
+          <p:cNvPr id="2050" name="Picture 2">
+            <a:extLst>
+              <a:ext uri="{FF2B5EF4-FFF2-40B4-BE49-F238E27FC236}">
+                <a16:creationId xmlns:a16="http://schemas.microsoft.com/office/drawing/2014/main" id="{94A9283A-A7C2-72DF-289F-35D28D7E7FD9}"/>
+              </a:ext>
+            </a:extLst>
+          </p:cNvPr>
+          <p:cNvPicPr>
+            <a:picLocks noChangeAspect="1" noChangeArrowheads="1"/>
+          </p:cNvPicPr>
+          <p:nvPr/>
+        </p:nvPicPr>
+        <p:blipFill>
+          <a:blip r:embed="rId2">
+            <a:extLst>
+              <a:ext uri="{28A0092B-C50C-407E-A947-70E740481C1C}">
+                <a14:useLocalDpi xmlns:a14="http://schemas.microsoft.com/office/drawing/2010/main" val="0"/>
+              </a:ext>
+            </a:extLst>
+          </a:blip>
+          <a:srcRect/>
+          <a:stretch>
+            <a:fillRect/>
+          </a:stretch>
+        </p:blipFill>
+        <p:spPr bwMode="auto">
+          <a:xfrm>
+            <a:off x="59383" y="1662736"/>
+            <a:ext cx="5715000" cy="3810000"/>
+          </a:xfrm>
+          <a:prstGeom prst="rect">
+            <a:avLst/>
+          </a:prstGeom>
+          <a:noFill/>
+          <a:ln>
+            <a:solidFill>
+              <a:schemeClr val="tx1"/>
+            </a:solidFill>
+          </a:ln>
+          <a:extLst>
+            <a:ext uri="{909E8E84-426E-40DD-AFC4-6F175D3DCCD1}">
+              <a14:hiddenFill xmlns:a14="http://schemas.microsoft.com/office/drawing/2010/main">
+                <a:solidFill>
+                  <a:srgbClr val="FFFFFF"/>
+                </a:solidFill>
+              </a14:hiddenFill>
+            </a:ext>
+          </a:extLst>
+        </p:spPr>
+      </p:pic>
+      <p:pic>
+        <p:nvPicPr>
+          <p:cNvPr id="2052" name="Picture 4">
+            <a:extLst>
+              <a:ext uri="{FF2B5EF4-FFF2-40B4-BE49-F238E27FC236}">
+                <a16:creationId xmlns:a16="http://schemas.microsoft.com/office/drawing/2014/main" id="{2461D1D2-A1E4-9574-E5FD-617BE416EEA7}"/>
+              </a:ext>
+            </a:extLst>
+          </p:cNvPr>
+          <p:cNvPicPr>
+            <a:picLocks noChangeAspect="1" noChangeArrowheads="1"/>
+          </p:cNvPicPr>
+          <p:nvPr/>
+        </p:nvPicPr>
+        <p:blipFill>
+          <a:blip r:embed="rId3">
+            <a:extLst>
+              <a:ext uri="{28A0092B-C50C-407E-A947-70E740481C1C}">
+                <a14:useLocalDpi xmlns:a14="http://schemas.microsoft.com/office/drawing/2010/main" val="0"/>
+              </a:ext>
+            </a:extLst>
+          </a:blip>
+          <a:srcRect/>
+          <a:stretch>
+            <a:fillRect/>
+          </a:stretch>
+        </p:blipFill>
+        <p:spPr bwMode="auto">
+          <a:xfrm>
+            <a:off x="5988006" y="1662736"/>
+            <a:ext cx="5715000" cy="3810000"/>
+          </a:xfrm>
+          <a:prstGeom prst="rect">
+            <a:avLst/>
+          </a:prstGeom>
+          <a:noFill/>
+          <a:ln>
+            <a:solidFill>
+              <a:schemeClr val="tx1"/>
+            </a:solidFill>
+          </a:ln>
+          <a:extLst>
+            <a:ext uri="{909E8E84-426E-40DD-AFC4-6F175D3DCCD1}">
+              <a14:hiddenFill xmlns:a14="http://schemas.microsoft.com/office/drawing/2010/main">
+                <a:solidFill>
+                  <a:srgbClr val="FFFFFF"/>
+                </a:solidFill>
+              </a14:hiddenFill>
+            </a:ext>
+          </a:extLst>
+        </p:spPr>
+      </p:pic>
     </p:spTree>
     <p:extLst>
       <p:ext uri="{BB962C8B-B14F-4D97-AF65-F5344CB8AC3E}">
-        <p14:creationId xmlns:p14="http://schemas.microsoft.com/office/powerpoint/2010/main" val="3813910930"/>
+        <p14:creationId xmlns:p14="http://schemas.microsoft.com/office/powerpoint/2010/main" val="2149215775"/>
       </p:ext>
     </p:extLst>
   </p:cSld>
@@ -8021,175 +9198,40 @@
           <a:chExt cx="0" cy="0"/>
         </a:xfrm>
       </p:grpSpPr>
-      <p:sp>
-        <p:nvSpPr>
-          <p:cNvPr id="5" name="TextBox 4">
-            <a:extLst>
-              <a:ext uri="{FF2B5EF4-FFF2-40B4-BE49-F238E27FC236}">
-                <a16:creationId xmlns:a16="http://schemas.microsoft.com/office/drawing/2014/main" id="{B84E4CF8-C8D8-CC22-E875-92390E079A38}"/>
-              </a:ext>
-            </a:extLst>
-          </p:cNvPr>
-          <p:cNvSpPr txBox="1"/>
-          <p:nvPr/>
-        </p:nvSpPr>
-        <p:spPr>
-          <a:xfrm>
-            <a:off x="280555" y="83127"/>
-            <a:ext cx="5694218" cy="646331"/>
-          </a:xfrm>
-          <a:prstGeom prst="rect">
-            <a:avLst/>
-          </a:prstGeom>
-          <a:noFill/>
-        </p:spPr>
-        <p:txBody>
-          <a:bodyPr wrap="square" rtlCol="0">
-            <a:spAutoFit/>
-          </a:bodyPr>
-          <a:lstStyle/>
-          <a:p>
-            <a:r>
-              <a:rPr lang="en-GB" b="1" dirty="0"/>
-              <a:t>Number of asymptomatic cases (</a:t>
-            </a:r>
-            <a:r>
-              <a:rPr lang="en-GB" b="1" dirty="0" err="1"/>
-              <a:t>Ia</a:t>
-            </a:r>
-            <a:r>
-              <a:rPr lang="en-GB" b="1" dirty="0"/>
-              <a:t>) over time</a:t>
-            </a:r>
-          </a:p>
-          <a:p>
-            <a:r>
-              <a:rPr lang="en-GB" dirty="0" err="1"/>
-              <a:t>zaxis</a:t>
-            </a:r>
-            <a:r>
-              <a:rPr lang="en-GB" dirty="0"/>
-              <a:t> is given by log10(</a:t>
-            </a:r>
-            <a:r>
-              <a:rPr lang="en-GB" dirty="0" err="1"/>
-              <a:t>Ia</a:t>
-            </a:r>
-            <a:r>
-              <a:rPr lang="en-GB" dirty="0"/>
-              <a:t> + 1)</a:t>
-            </a:r>
-          </a:p>
-        </p:txBody>
-      </p:sp>
       <p:pic>
         <p:nvPicPr>
-          <p:cNvPr id="4102" name="Picture 6">
-            <a:extLst>
-              <a:ext uri="{FF2B5EF4-FFF2-40B4-BE49-F238E27FC236}">
-                <a16:creationId xmlns:a16="http://schemas.microsoft.com/office/drawing/2014/main" id="{CFAAE50D-A18F-5446-4EC2-6A8ED970241B}"/>
+          <p:cNvPr id="5" name="Picture 4">
+            <a:extLst>
+              <a:ext uri="{FF2B5EF4-FFF2-40B4-BE49-F238E27FC236}">
+                <a16:creationId xmlns:a16="http://schemas.microsoft.com/office/drawing/2014/main" id="{374D3A67-98C5-D594-7A29-05F8081175DC}"/>
               </a:ext>
             </a:extLst>
           </p:cNvPr>
           <p:cNvPicPr>
-            <a:picLocks noChangeAspect="1" noChangeArrowheads="1"/>
+            <a:picLocks noChangeAspect="1"/>
           </p:cNvPicPr>
           <p:nvPr/>
         </p:nvPicPr>
         <p:blipFill>
-          <a:blip r:embed="rId2">
-            <a:extLst>
-              <a:ext uri="{28A0092B-C50C-407E-A947-70E740481C1C}">
-                <a14:useLocalDpi xmlns:a14="http://schemas.microsoft.com/office/drawing/2010/main" val="0"/>
-              </a:ext>
-            </a:extLst>
-          </a:blip>
-          <a:srcRect/>
+          <a:blip r:embed="rId2"/>
           <a:stretch>
             <a:fillRect/>
           </a:stretch>
         </p:blipFill>
-        <p:spPr bwMode="auto">
-          <a:xfrm>
-            <a:off x="280555" y="1034944"/>
-            <a:ext cx="5691018" cy="5697612"/>
+        <p:spPr>
+          <a:xfrm>
+            <a:off x="3162278" y="590529"/>
+            <a:ext cx="5867443" cy="5676942"/>
           </a:xfrm>
           <a:prstGeom prst="rect">
             <a:avLst/>
           </a:prstGeom>
-          <a:noFill/>
-          <a:ln>
-            <a:solidFill>
-              <a:schemeClr val="tx1"/>
-            </a:solidFill>
-          </a:ln>
-          <a:extLst>
-            <a:ext uri="{909E8E84-426E-40DD-AFC4-6F175D3DCCD1}">
-              <a14:hiddenFill xmlns:a14="http://schemas.microsoft.com/office/drawing/2010/main">
-                <a:solidFill>
-                  <a:srgbClr val="FFFFFF"/>
-                </a:solidFill>
-              </a14:hiddenFill>
-            </a:ext>
-          </a:extLst>
-        </p:spPr>
-      </p:pic>
-      <p:pic>
-        <p:nvPicPr>
-          <p:cNvPr id="4104" name="Picture 8">
-            <a:extLst>
-              <a:ext uri="{FF2B5EF4-FFF2-40B4-BE49-F238E27FC236}">
-                <a16:creationId xmlns:a16="http://schemas.microsoft.com/office/drawing/2014/main" id="{6A547F07-8DEF-344B-9AC9-3B8A94C933A4}"/>
-              </a:ext>
-            </a:extLst>
-          </p:cNvPr>
-          <p:cNvPicPr>
-            <a:picLocks noChangeAspect="1" noChangeArrowheads="1"/>
-          </p:cNvPicPr>
-          <p:nvPr/>
-        </p:nvPicPr>
-        <p:blipFill>
-          <a:blip r:embed="rId3">
-            <a:extLst>
-              <a:ext uri="{28A0092B-C50C-407E-A947-70E740481C1C}">
-                <a14:useLocalDpi xmlns:a14="http://schemas.microsoft.com/office/drawing/2010/main" val="0"/>
-              </a:ext>
-            </a:extLst>
-          </a:blip>
-          <a:srcRect/>
-          <a:stretch>
-            <a:fillRect/>
-          </a:stretch>
-        </p:blipFill>
-        <p:spPr bwMode="auto">
-          <a:xfrm>
-            <a:off x="6220429" y="1081031"/>
-            <a:ext cx="5598951" cy="5605438"/>
-          </a:xfrm>
-          <a:prstGeom prst="rect">
-            <a:avLst/>
-          </a:prstGeom>
-          <a:noFill/>
-          <a:ln>
-            <a:solidFill>
-              <a:schemeClr val="tx1"/>
-            </a:solidFill>
-          </a:ln>
-          <a:extLst>
-            <a:ext uri="{909E8E84-426E-40DD-AFC4-6F175D3DCCD1}">
-              <a14:hiddenFill xmlns:a14="http://schemas.microsoft.com/office/drawing/2010/main">
-                <a:solidFill>
-                  <a:srgbClr val="FFFFFF"/>
-                </a:solidFill>
-              </a14:hiddenFill>
-            </a:ext>
-          </a:extLst>
         </p:spPr>
       </p:pic>
     </p:spTree>
     <p:extLst>
       <p:ext uri="{BB962C8B-B14F-4D97-AF65-F5344CB8AC3E}">
-        <p14:creationId xmlns:p14="http://schemas.microsoft.com/office/powerpoint/2010/main" val="3788425264"/>
+        <p14:creationId xmlns:p14="http://schemas.microsoft.com/office/powerpoint/2010/main" val="1731858939"/>
       </p:ext>
     </p:extLst>
   </p:cSld>
